--- a/04_naive_bayes/Bayes_Naive_bayes.pptx
+++ b/04_naive_bayes/Bayes_Naive_bayes.pptx
@@ -1,46 +1,46 @@
 
 <file path=ppt/presentation.xml><?xml version="1.0" encoding="utf-8"?>
-<p:presentation xmlns:a="http://schemas.openxmlformats.org/drawingml/2006/main" xmlns:r="http://schemas.openxmlformats.org/officeDocument/2006/relationships" xmlns:mc="http://schemas.openxmlformats.org/markup-compatibility/2006" xmlns:mv="urn:schemas-microsoft-com:mac:vml" xmlns:p="http://schemas.openxmlformats.org/presentationml/2006/main" xmlns:c="http://schemas.openxmlformats.org/drawingml/2006/chart" xmlns:dgm="http://schemas.openxmlformats.org/drawingml/2006/diagram" xmlns:o="urn:schemas-microsoft-com:office:office" xmlns:v="urn:schemas-microsoft-com:vml" xmlns:pvml="urn:schemas-microsoft-com:office:powerpoint" xmlns:com="http://schemas.openxmlformats.org/drawingml/2006/compatibility" xmlns:p14="http://schemas.microsoft.com/office/powerpoint/2010/main" xmlns:p15="http://schemas.microsoft.com/office/powerpoint/2012/main" autoCompressPictures="0" embedTrueTypeFonts="1" strictFirstAndLastChars="0" saveSubsetFonts="1">
+<p:presentation xmlns:a="http://schemas.openxmlformats.org/drawingml/2006/main" xmlns:r="http://schemas.openxmlformats.org/officeDocument/2006/relationships" xmlns:p="http://schemas.openxmlformats.org/presentationml/2006/main" strictFirstAndLastChars="0" embedTrueTypeFonts="1" saveSubsetFonts="1" autoCompressPictures="0">
   <p:sldMasterIdLst>
-    <p:sldMasterId id="2147483659" r:id="rId4"/>
+    <p:sldMasterId id="2147483659" r:id="rId1"/>
   </p:sldMasterIdLst>
   <p:notesMasterIdLst>
-    <p:notesMasterId r:id="rId5"/>
+    <p:notesMasterId r:id="rId14"/>
   </p:notesMasterIdLst>
   <p:sldIdLst>
-    <p:sldId id="256" r:id="rId6"/>
-    <p:sldId id="257" r:id="rId7"/>
-    <p:sldId id="258" r:id="rId8"/>
-    <p:sldId id="259" r:id="rId9"/>
-    <p:sldId id="260" r:id="rId10"/>
-    <p:sldId id="261" r:id="rId11"/>
-    <p:sldId id="262" r:id="rId12"/>
-    <p:sldId id="263" r:id="rId13"/>
-    <p:sldId id="264" r:id="rId14"/>
-    <p:sldId id="265" r:id="rId15"/>
-    <p:sldId id="266" r:id="rId16"/>
-    <p:sldId id="267" r:id="rId17"/>
+    <p:sldId id="256" r:id="rId2"/>
+    <p:sldId id="257" r:id="rId3"/>
+    <p:sldId id="258" r:id="rId4"/>
+    <p:sldId id="259" r:id="rId5"/>
+    <p:sldId id="260" r:id="rId6"/>
+    <p:sldId id="261" r:id="rId7"/>
+    <p:sldId id="262" r:id="rId8"/>
+    <p:sldId id="263" r:id="rId9"/>
+    <p:sldId id="264" r:id="rId10"/>
+    <p:sldId id="265" r:id="rId11"/>
+    <p:sldId id="266" r:id="rId12"/>
+    <p:sldId id="267" r:id="rId13"/>
   </p:sldIdLst>
-  <p:sldSz cy="5143500" cx="9144000"/>
+  <p:sldSz cx="9144000" cy="5143500" type="screen16x9"/>
   <p:notesSz cx="6858000" cy="9144000"/>
   <p:embeddedFontLst>
     <p:embeddedFont>
-      <p:font typeface="Montserrat"/>
-      <p:regular r:id="rId18"/>
-      <p:bold r:id="rId19"/>
-      <p:italic r:id="rId20"/>
-      <p:boldItalic r:id="rId21"/>
+      <p:font typeface="Lato" panose="020F0502020204030203" pitchFamily="34" charset="0"/>
+      <p:regular r:id="rId15"/>
+      <p:bold r:id="rId16"/>
+      <p:italic r:id="rId17"/>
+      <p:boldItalic r:id="rId18"/>
     </p:embeddedFont>
     <p:embeddedFont>
-      <p:font typeface="Lato"/>
-      <p:regular r:id="rId22"/>
-      <p:bold r:id="rId23"/>
-      <p:italic r:id="rId24"/>
-      <p:boldItalic r:id="rId25"/>
+      <p:font typeface="Montserrat" pitchFamily="2" charset="77"/>
+      <p:regular r:id="rId19"/>
+      <p:bold r:id="rId20"/>
+      <p:italic r:id="rId21"/>
+      <p:boldItalic r:id="rId22"/>
     </p:embeddedFont>
   </p:embeddedFontLst>
   <p:defaultTextStyle>
-    <a:defPPr lvl="0" marR="0" rtl="0" algn="l">
+    <a:defPPr marR="0" lvl="0" algn="l" rtl="0">
       <a:lnSpc>
         <a:spcPct val="100000"/>
       </a:lnSpc>
@@ -51,7 +51,7 @@
         <a:spcPts val="0"/>
       </a:spcAft>
     </a:defPPr>
-    <a:lvl1pPr lvl="0" marR="0" rtl="0" algn="l">
+    <a:lvl1pPr marR="0" lvl="0" algn="l" rtl="0">
       <a:lnSpc>
         <a:spcPct val="100000"/>
       </a:lnSpc>
@@ -65,7 +65,7 @@
         <a:srgbClr val="000000"/>
       </a:buClr>
       <a:buFont typeface="Arial"/>
-      <a:defRPr b="0" i="0" sz="1400" u="none" cap="none" strike="noStrike">
+      <a:defRPr sz="1400" b="0" i="0" u="none" strike="noStrike" cap="none">
         <a:solidFill>
           <a:srgbClr val="000000"/>
         </a:solidFill>
@@ -75,7 +75,7 @@
         <a:sym typeface="Arial"/>
       </a:defRPr>
     </a:lvl1pPr>
-    <a:lvl2pPr lvl="1" marR="0" rtl="0" algn="l">
+    <a:lvl2pPr marR="0" lvl="1" algn="l" rtl="0">
       <a:lnSpc>
         <a:spcPct val="100000"/>
       </a:lnSpc>
@@ -89,7 +89,7 @@
         <a:srgbClr val="000000"/>
       </a:buClr>
       <a:buFont typeface="Arial"/>
-      <a:defRPr b="0" i="0" sz="1400" u="none" cap="none" strike="noStrike">
+      <a:defRPr sz="1400" b="0" i="0" u="none" strike="noStrike" cap="none">
         <a:solidFill>
           <a:srgbClr val="000000"/>
         </a:solidFill>
@@ -99,7 +99,7 @@
         <a:sym typeface="Arial"/>
       </a:defRPr>
     </a:lvl2pPr>
-    <a:lvl3pPr lvl="2" marR="0" rtl="0" algn="l">
+    <a:lvl3pPr marR="0" lvl="2" algn="l" rtl="0">
       <a:lnSpc>
         <a:spcPct val="100000"/>
       </a:lnSpc>
@@ -113,7 +113,7 @@
         <a:srgbClr val="000000"/>
       </a:buClr>
       <a:buFont typeface="Arial"/>
-      <a:defRPr b="0" i="0" sz="1400" u="none" cap="none" strike="noStrike">
+      <a:defRPr sz="1400" b="0" i="0" u="none" strike="noStrike" cap="none">
         <a:solidFill>
           <a:srgbClr val="000000"/>
         </a:solidFill>
@@ -123,7 +123,7 @@
         <a:sym typeface="Arial"/>
       </a:defRPr>
     </a:lvl3pPr>
-    <a:lvl4pPr lvl="3" marR="0" rtl="0" algn="l">
+    <a:lvl4pPr marR="0" lvl="3" algn="l" rtl="0">
       <a:lnSpc>
         <a:spcPct val="100000"/>
       </a:lnSpc>
@@ -137,7 +137,7 @@
         <a:srgbClr val="000000"/>
       </a:buClr>
       <a:buFont typeface="Arial"/>
-      <a:defRPr b="0" i="0" sz="1400" u="none" cap="none" strike="noStrike">
+      <a:defRPr sz="1400" b="0" i="0" u="none" strike="noStrike" cap="none">
         <a:solidFill>
           <a:srgbClr val="000000"/>
         </a:solidFill>
@@ -147,7 +147,7 @@
         <a:sym typeface="Arial"/>
       </a:defRPr>
     </a:lvl4pPr>
-    <a:lvl5pPr lvl="4" marR="0" rtl="0" algn="l">
+    <a:lvl5pPr marR="0" lvl="4" algn="l" rtl="0">
       <a:lnSpc>
         <a:spcPct val="100000"/>
       </a:lnSpc>
@@ -161,7 +161,7 @@
         <a:srgbClr val="000000"/>
       </a:buClr>
       <a:buFont typeface="Arial"/>
-      <a:defRPr b="0" i="0" sz="1400" u="none" cap="none" strike="noStrike">
+      <a:defRPr sz="1400" b="0" i="0" u="none" strike="noStrike" cap="none">
         <a:solidFill>
           <a:srgbClr val="000000"/>
         </a:solidFill>
@@ -171,7 +171,7 @@
         <a:sym typeface="Arial"/>
       </a:defRPr>
     </a:lvl5pPr>
-    <a:lvl6pPr lvl="5" marR="0" rtl="0" algn="l">
+    <a:lvl6pPr marR="0" lvl="5" algn="l" rtl="0">
       <a:lnSpc>
         <a:spcPct val="100000"/>
       </a:lnSpc>
@@ -185,7 +185,7 @@
         <a:srgbClr val="000000"/>
       </a:buClr>
       <a:buFont typeface="Arial"/>
-      <a:defRPr b="0" i="0" sz="1400" u="none" cap="none" strike="noStrike">
+      <a:defRPr sz="1400" b="0" i="0" u="none" strike="noStrike" cap="none">
         <a:solidFill>
           <a:srgbClr val="000000"/>
         </a:solidFill>
@@ -195,7 +195,7 @@
         <a:sym typeface="Arial"/>
       </a:defRPr>
     </a:lvl6pPr>
-    <a:lvl7pPr lvl="6" marR="0" rtl="0" algn="l">
+    <a:lvl7pPr marR="0" lvl="6" algn="l" rtl="0">
       <a:lnSpc>
         <a:spcPct val="100000"/>
       </a:lnSpc>
@@ -209,7 +209,7 @@
         <a:srgbClr val="000000"/>
       </a:buClr>
       <a:buFont typeface="Arial"/>
-      <a:defRPr b="0" i="0" sz="1400" u="none" cap="none" strike="noStrike">
+      <a:defRPr sz="1400" b="0" i="0" u="none" strike="noStrike" cap="none">
         <a:solidFill>
           <a:srgbClr val="000000"/>
         </a:solidFill>
@@ -219,7 +219,7 @@
         <a:sym typeface="Arial"/>
       </a:defRPr>
     </a:lvl7pPr>
-    <a:lvl8pPr lvl="7" marR="0" rtl="0" algn="l">
+    <a:lvl8pPr marR="0" lvl="7" algn="l" rtl="0">
       <a:lnSpc>
         <a:spcPct val="100000"/>
       </a:lnSpc>
@@ -233,7 +233,7 @@
         <a:srgbClr val="000000"/>
       </a:buClr>
       <a:buFont typeface="Arial"/>
-      <a:defRPr b="0" i="0" sz="1400" u="none" cap="none" strike="noStrike">
+      <a:defRPr sz="1400" b="0" i="0" u="none" strike="noStrike" cap="none">
         <a:solidFill>
           <a:srgbClr val="000000"/>
         </a:solidFill>
@@ -243,7 +243,7 @@
         <a:sym typeface="Arial"/>
       </a:defRPr>
     </a:lvl8pPr>
-    <a:lvl9pPr lvl="8" marR="0" rtl="0" algn="l">
+    <a:lvl9pPr marR="0" lvl="8" algn="l" rtl="0">
       <a:lnSpc>
         <a:spcPct val="100000"/>
       </a:lnSpc>
@@ -257,7 +257,7 @@
         <a:srgbClr val="000000"/>
       </a:buClr>
       <a:buFont typeface="Arial"/>
-      <a:defRPr b="0" i="0" sz="1400" u="none" cap="none" strike="noStrike">
+      <a:defRPr sz="1400" b="0" i="0" u="none" strike="noStrike" cap="none">
         <a:solidFill>
           <a:srgbClr val="000000"/>
         </a:solidFill>
@@ -270,7 +270,7 @@
   </p:defaultTextStyle>
   <p:extLst>
     <p:ext uri="{EFAFB233-063F-42B5-8137-9DF3F51BA10A}">
-      <p15:sldGuideLst>
+      <p15:sldGuideLst xmlns:p15="http://schemas.microsoft.com/office/powerpoint/2012/main">
         <p15:guide id="1" orient="horz" pos="1620">
           <p15:clr>
             <a:srgbClr val="A4A3A4"/>
@@ -288,11 +288,16 @@
 </file>
 
 <file path=ppt/notesMasters/notesMaster1.xml><?xml version="1.0" encoding="utf-8"?>
-<p:notesMaster xmlns:a="http://schemas.openxmlformats.org/drawingml/2006/main" xmlns:r="http://schemas.openxmlformats.org/officeDocument/2006/relationships" xmlns:mc="http://schemas.openxmlformats.org/markup-compatibility/2006" xmlns:mv="urn:schemas-microsoft-com:mac:vml" xmlns:p="http://schemas.openxmlformats.org/presentationml/2006/main" xmlns:c="http://schemas.openxmlformats.org/drawingml/2006/chart" xmlns:dgm="http://schemas.openxmlformats.org/drawingml/2006/diagram" xmlns:o="urn:schemas-microsoft-com:office:office" xmlns:v="urn:schemas-microsoft-com:vml" xmlns:pvml="urn:schemas-microsoft-com:office:powerpoint" xmlns:com="http://schemas.openxmlformats.org/drawingml/2006/compatibility" xmlns:p14="http://schemas.microsoft.com/office/powerpoint/2010/main" xmlns:p15="http://schemas.microsoft.com/office/powerpoint/2012/main">
+<p:notesMaster xmlns:a="http://schemas.openxmlformats.org/drawingml/2006/main" xmlns:r="http://schemas.openxmlformats.org/officeDocument/2006/relationships" xmlns:p="http://schemas.openxmlformats.org/presentationml/2006/main">
   <p:cSld>
+    <p:bg>
+      <p:bgRef idx="1001">
+        <a:schemeClr val="bg1"/>
+      </p:bgRef>
+    </p:bg>
     <p:spTree>
       <p:nvGrpSpPr>
-        <p:cNvPr id="2" name="Shape 2"/>
+        <p:cNvPr id="1" name="Shape 2"/>
         <p:cNvGrpSpPr/>
         <p:nvPr/>
       </p:nvGrpSpPr>
@@ -307,9 +312,11 @@
       <p:sp>
         <p:nvSpPr>
           <p:cNvPr id="3" name="Google Shape;3;n"/>
-          <p:cNvSpPr/>
+          <p:cNvSpPr>
+            <a:spLocks noGrp="1" noRot="1" noChangeAspect="1"/>
+          </p:cNvSpPr>
           <p:nvPr>
-            <p:ph idx="2" type="sldImg"/>
+            <p:ph type="sldImg" idx="2"/>
           </p:nvPr>
         </p:nvSpPr>
         <p:spPr>
@@ -318,9 +325,13 @@
             <a:ext cx="6096075" cy="3429000"/>
           </a:xfrm>
           <a:custGeom>
-            <a:rect b="b" l="l" r="r" t="t"/>
+            <a:avLst/>
+            <a:gdLst/>
+            <a:ahLst/>
+            <a:cxnLst/>
+            <a:rect l="l" t="t" r="r" b="b"/>
             <a:pathLst>
-              <a:path extrusionOk="0" h="120000" w="120000">
+              <a:path w="120000" h="120000" extrusionOk="0">
                 <a:moveTo>
                   <a:pt x="0" y="0"/>
                 </a:moveTo>
@@ -338,23 +349,25 @@
             </a:pathLst>
           </a:custGeom>
           <a:noFill/>
-          <a:ln cap="flat" cmpd="sng" w="9525">
+          <a:ln w="9525" cap="flat" cmpd="sng">
             <a:solidFill>
               <a:srgbClr val="000000"/>
             </a:solidFill>
             <a:prstDash val="solid"/>
             <a:round/>
-            <a:headEnd len="sm" w="sm" type="none"/>
-            <a:tailEnd len="sm" w="sm" type="none"/>
+            <a:headEnd type="none" w="sm" len="sm"/>
+            <a:tailEnd type="none" w="sm" len="sm"/>
           </a:ln>
         </p:spPr>
       </p:sp>
       <p:sp>
         <p:nvSpPr>
           <p:cNvPr id="4" name="Google Shape;4;n"/>
-          <p:cNvSpPr txBox="1"/>
+          <p:cNvSpPr txBox="1">
+            <a:spLocks noGrp="1"/>
+          </p:cNvSpPr>
           <p:nvPr>
-            <p:ph idx="1" type="body"/>
+            <p:ph type="body" idx="1"/>
           </p:nvPr>
         </p:nvSpPr>
         <p:spPr>
@@ -371,9 +384,9 @@
           </a:ln>
         </p:spPr>
         <p:txBody>
-          <a:bodyPr anchorCtr="0" anchor="t" bIns="91425" lIns="91425" spcFirstLastPara="1" rIns="91425" wrap="square" tIns="91425"/>
+          <a:bodyPr spcFirstLastPara="1" wrap="square" lIns="91425" tIns="91425" rIns="91425" bIns="91425" anchor="t" anchorCtr="0"/>
           <a:lstStyle>
-            <a:lvl1pPr indent="-298450" lvl="0" marL="457200">
+            <a:lvl1pPr marL="457200" lvl="0" indent="-298450">
               <a:spcBef>
                 <a:spcPts val="0"/>
               </a:spcBef>
@@ -384,7 +397,7 @@
               <a:buChar char="●"/>
               <a:defRPr sz="1100"/>
             </a:lvl1pPr>
-            <a:lvl2pPr indent="-298450" lvl="1" marL="914400">
+            <a:lvl2pPr marL="914400" lvl="1" indent="-298450">
               <a:spcBef>
                 <a:spcPts val="0"/>
               </a:spcBef>
@@ -395,7 +408,7 @@
               <a:buChar char="○"/>
               <a:defRPr sz="1100"/>
             </a:lvl2pPr>
-            <a:lvl3pPr indent="-298450" lvl="2" marL="1371600">
+            <a:lvl3pPr marL="1371600" lvl="2" indent="-298450">
               <a:spcBef>
                 <a:spcPts val="0"/>
               </a:spcBef>
@@ -406,7 +419,7 @@
               <a:buChar char="■"/>
               <a:defRPr sz="1100"/>
             </a:lvl3pPr>
-            <a:lvl4pPr indent="-298450" lvl="3" marL="1828800">
+            <a:lvl4pPr marL="1828800" lvl="3" indent="-298450">
               <a:spcBef>
                 <a:spcPts val="0"/>
               </a:spcBef>
@@ -417,7 +430,7 @@
               <a:buChar char="●"/>
               <a:defRPr sz="1100"/>
             </a:lvl4pPr>
-            <a:lvl5pPr indent="-298450" lvl="4" marL="2286000">
+            <a:lvl5pPr marL="2286000" lvl="4" indent="-298450">
               <a:spcBef>
                 <a:spcPts val="0"/>
               </a:spcBef>
@@ -428,7 +441,7 @@
               <a:buChar char="○"/>
               <a:defRPr sz="1100"/>
             </a:lvl5pPr>
-            <a:lvl6pPr indent="-298450" lvl="5" marL="2743200">
+            <a:lvl6pPr marL="2743200" lvl="5" indent="-298450">
               <a:spcBef>
                 <a:spcPts val="0"/>
               </a:spcBef>
@@ -439,7 +452,7 @@
               <a:buChar char="■"/>
               <a:defRPr sz="1100"/>
             </a:lvl6pPr>
-            <a:lvl7pPr indent="-298450" lvl="6" marL="3200400">
+            <a:lvl7pPr marL="3200400" lvl="6" indent="-298450">
               <a:spcBef>
                 <a:spcPts val="0"/>
               </a:spcBef>
@@ -450,7 +463,7 @@
               <a:buChar char="●"/>
               <a:defRPr sz="1100"/>
             </a:lvl7pPr>
-            <a:lvl8pPr indent="-298450" lvl="7" marL="3657600">
+            <a:lvl8pPr marL="3657600" lvl="7" indent="-298450">
               <a:spcBef>
                 <a:spcPts val="0"/>
               </a:spcBef>
@@ -461,7 +474,7 @@
               <a:buChar char="○"/>
               <a:defRPr sz="1100"/>
             </a:lvl8pPr>
-            <a:lvl9pPr indent="-298450" lvl="8" marL="4114800">
+            <a:lvl9pPr marL="4114800" lvl="8" indent="-298450">
               <a:spcBef>
                 <a:spcPts val="0"/>
               </a:spcBef>
@@ -473,14 +486,16 @@
               <a:defRPr sz="1100"/>
             </a:lvl9pPr>
           </a:lstStyle>
-          <a:p/>
+          <a:p>
+            <a:endParaRPr/>
+          </a:p>
         </p:txBody>
       </p:sp>
     </p:spTree>
   </p:cSld>
-  <p:clrMap accent1="accent1" accent2="accent2" accent3="accent3" accent4="accent4" accent5="accent5" accent6="accent6" bg1="lt1" bg2="dk2" tx1="dk1" tx2="lt2" folHlink="folHlink" hlink="hlink"/>
+  <p:clrMap bg1="lt1" tx1="dk1" bg2="dk2" tx2="lt2" accent1="accent1" accent2="accent2" accent3="accent3" accent4="accent4" accent5="accent5" accent6="accent6" hlink="hlink" folHlink="folHlink"/>
   <p:notesStyle>
-    <a:defPPr lvl="0" marR="0" rtl="0" algn="l">
+    <a:defPPr marR="0" lvl="0" algn="l" rtl="0">
       <a:lnSpc>
         <a:spcPct val="100000"/>
       </a:lnSpc>
@@ -491,7 +506,7 @@
         <a:spcPts val="0"/>
       </a:spcAft>
     </a:defPPr>
-    <a:lvl1pPr lvl="0" marR="0" rtl="0" algn="l">
+    <a:lvl1pPr marR="0" lvl="0" algn="l" rtl="0">
       <a:lnSpc>
         <a:spcPct val="100000"/>
       </a:lnSpc>
@@ -505,7 +520,7 @@
         <a:srgbClr val="000000"/>
       </a:buClr>
       <a:buFont typeface="Arial"/>
-      <a:defRPr b="0" i="0" sz="1400" u="none" cap="none" strike="noStrike">
+      <a:defRPr sz="1400" b="0" i="0" u="none" strike="noStrike" cap="none">
         <a:solidFill>
           <a:srgbClr val="000000"/>
         </a:solidFill>
@@ -515,7 +530,7 @@
         <a:sym typeface="Arial"/>
       </a:defRPr>
     </a:lvl1pPr>
-    <a:lvl2pPr lvl="1" marR="0" rtl="0" algn="l">
+    <a:lvl2pPr marR="0" lvl="1" algn="l" rtl="0">
       <a:lnSpc>
         <a:spcPct val="100000"/>
       </a:lnSpc>
@@ -529,7 +544,7 @@
         <a:srgbClr val="000000"/>
       </a:buClr>
       <a:buFont typeface="Arial"/>
-      <a:defRPr b="0" i="0" sz="1400" u="none" cap="none" strike="noStrike">
+      <a:defRPr sz="1400" b="0" i="0" u="none" strike="noStrike" cap="none">
         <a:solidFill>
           <a:srgbClr val="000000"/>
         </a:solidFill>
@@ -539,7 +554,7 @@
         <a:sym typeface="Arial"/>
       </a:defRPr>
     </a:lvl2pPr>
-    <a:lvl3pPr lvl="2" marR="0" rtl="0" algn="l">
+    <a:lvl3pPr marR="0" lvl="2" algn="l" rtl="0">
       <a:lnSpc>
         <a:spcPct val="100000"/>
       </a:lnSpc>
@@ -553,7 +568,7 @@
         <a:srgbClr val="000000"/>
       </a:buClr>
       <a:buFont typeface="Arial"/>
-      <a:defRPr b="0" i="0" sz="1400" u="none" cap="none" strike="noStrike">
+      <a:defRPr sz="1400" b="0" i="0" u="none" strike="noStrike" cap="none">
         <a:solidFill>
           <a:srgbClr val="000000"/>
         </a:solidFill>
@@ -563,7 +578,7 @@
         <a:sym typeface="Arial"/>
       </a:defRPr>
     </a:lvl3pPr>
-    <a:lvl4pPr lvl="3" marR="0" rtl="0" algn="l">
+    <a:lvl4pPr marR="0" lvl="3" algn="l" rtl="0">
       <a:lnSpc>
         <a:spcPct val="100000"/>
       </a:lnSpc>
@@ -577,7 +592,7 @@
         <a:srgbClr val="000000"/>
       </a:buClr>
       <a:buFont typeface="Arial"/>
-      <a:defRPr b="0" i="0" sz="1400" u="none" cap="none" strike="noStrike">
+      <a:defRPr sz="1400" b="0" i="0" u="none" strike="noStrike" cap="none">
         <a:solidFill>
           <a:srgbClr val="000000"/>
         </a:solidFill>
@@ -587,7 +602,7 @@
         <a:sym typeface="Arial"/>
       </a:defRPr>
     </a:lvl4pPr>
-    <a:lvl5pPr lvl="4" marR="0" rtl="0" algn="l">
+    <a:lvl5pPr marR="0" lvl="4" algn="l" rtl="0">
       <a:lnSpc>
         <a:spcPct val="100000"/>
       </a:lnSpc>
@@ -601,7 +616,7 @@
         <a:srgbClr val="000000"/>
       </a:buClr>
       <a:buFont typeface="Arial"/>
-      <a:defRPr b="0" i="0" sz="1400" u="none" cap="none" strike="noStrike">
+      <a:defRPr sz="1400" b="0" i="0" u="none" strike="noStrike" cap="none">
         <a:solidFill>
           <a:srgbClr val="000000"/>
         </a:solidFill>
@@ -611,7 +626,7 @@
         <a:sym typeface="Arial"/>
       </a:defRPr>
     </a:lvl5pPr>
-    <a:lvl6pPr lvl="5" marR="0" rtl="0" algn="l">
+    <a:lvl6pPr marR="0" lvl="5" algn="l" rtl="0">
       <a:lnSpc>
         <a:spcPct val="100000"/>
       </a:lnSpc>
@@ -625,7 +640,7 @@
         <a:srgbClr val="000000"/>
       </a:buClr>
       <a:buFont typeface="Arial"/>
-      <a:defRPr b="0" i="0" sz="1400" u="none" cap="none" strike="noStrike">
+      <a:defRPr sz="1400" b="0" i="0" u="none" strike="noStrike" cap="none">
         <a:solidFill>
           <a:srgbClr val="000000"/>
         </a:solidFill>
@@ -635,7 +650,7 @@
         <a:sym typeface="Arial"/>
       </a:defRPr>
     </a:lvl6pPr>
-    <a:lvl7pPr lvl="6" marR="0" rtl="0" algn="l">
+    <a:lvl7pPr marR="0" lvl="6" algn="l" rtl="0">
       <a:lnSpc>
         <a:spcPct val="100000"/>
       </a:lnSpc>
@@ -649,7 +664,7 @@
         <a:srgbClr val="000000"/>
       </a:buClr>
       <a:buFont typeface="Arial"/>
-      <a:defRPr b="0" i="0" sz="1400" u="none" cap="none" strike="noStrike">
+      <a:defRPr sz="1400" b="0" i="0" u="none" strike="noStrike" cap="none">
         <a:solidFill>
           <a:srgbClr val="000000"/>
         </a:solidFill>
@@ -659,7 +674,7 @@
         <a:sym typeface="Arial"/>
       </a:defRPr>
     </a:lvl7pPr>
-    <a:lvl8pPr lvl="7" marR="0" rtl="0" algn="l">
+    <a:lvl8pPr marR="0" lvl="7" algn="l" rtl="0">
       <a:lnSpc>
         <a:spcPct val="100000"/>
       </a:lnSpc>
@@ -673,7 +688,7 @@
         <a:srgbClr val="000000"/>
       </a:buClr>
       <a:buFont typeface="Arial"/>
-      <a:defRPr b="0" i="0" sz="1400" u="none" cap="none" strike="noStrike">
+      <a:defRPr sz="1400" b="0" i="0" u="none" strike="noStrike" cap="none">
         <a:solidFill>
           <a:srgbClr val="000000"/>
         </a:solidFill>
@@ -683,7 +698,7 @@
         <a:sym typeface="Arial"/>
       </a:defRPr>
     </a:lvl8pPr>
-    <a:lvl9pPr lvl="8" marR="0" rtl="0" algn="l">
+    <a:lvl9pPr marR="0" lvl="8" algn="l" rtl="0">
       <a:lnSpc>
         <a:spcPct val="100000"/>
       </a:lnSpc>
@@ -697,7 +712,7 @@
         <a:srgbClr val="000000"/>
       </a:buClr>
       <a:buFont typeface="Arial"/>
-      <a:defRPr b="0" i="0" sz="1400" u="none" cap="none" strike="noStrike">
+      <a:defRPr sz="1400" b="0" i="0" u="none" strike="noStrike" cap="none">
         <a:solidFill>
           <a:srgbClr val="000000"/>
         </a:solidFill>
@@ -712,11 +727,11 @@
 </file>
 
 <file path=ppt/notesSlides/notesSlide1.xml><?xml version="1.0" encoding="utf-8"?>
-<p:notes xmlns:a="http://schemas.openxmlformats.org/drawingml/2006/main" xmlns:r="http://schemas.openxmlformats.org/officeDocument/2006/relationships" xmlns:mc="http://schemas.openxmlformats.org/markup-compatibility/2006" xmlns:mv="urn:schemas-microsoft-com:mac:vml" xmlns:p="http://schemas.openxmlformats.org/presentationml/2006/main" xmlns:c="http://schemas.openxmlformats.org/drawingml/2006/chart" xmlns:dgm="http://schemas.openxmlformats.org/drawingml/2006/diagram" xmlns:o="urn:schemas-microsoft-com:office:office" xmlns:v="urn:schemas-microsoft-com:vml" xmlns:pvml="urn:schemas-microsoft-com:office:powerpoint" xmlns:com="http://schemas.openxmlformats.org/drawingml/2006/compatibility" xmlns:p14="http://schemas.microsoft.com/office/powerpoint/2010/main" xmlns:p15="http://schemas.microsoft.com/office/powerpoint/2012/main" showMasterPhAnim="0" showMasterSp="0">
+<p:notes xmlns:a="http://schemas.openxmlformats.org/drawingml/2006/main" xmlns:r="http://schemas.openxmlformats.org/officeDocument/2006/relationships" xmlns:p="http://schemas.openxmlformats.org/presentationml/2006/main" showMasterSp="0" showMasterPhAnim="0">
   <p:cSld>
     <p:spTree>
       <p:nvGrpSpPr>
-        <p:cNvPr id="130" name="Shape 130"/>
+        <p:cNvPr id="1" name="Shape 130"/>
         <p:cNvGrpSpPr/>
         <p:nvPr/>
       </p:nvGrpSpPr>
@@ -731,20 +746,26 @@
       <p:sp>
         <p:nvSpPr>
           <p:cNvPr id="131" name="Google Shape;131;p:notes"/>
-          <p:cNvSpPr/>
+          <p:cNvSpPr>
+            <a:spLocks noGrp="1" noRot="1" noChangeAspect="1"/>
+          </p:cNvSpPr>
           <p:nvPr>
-            <p:ph idx="2" type="sldImg"/>
+            <p:ph type="sldImg" idx="2"/>
           </p:nvPr>
         </p:nvSpPr>
         <p:spPr>
           <a:xfrm>
-            <a:off x="381300" y="685800"/>
-            <a:ext cx="6096075" cy="3429000"/>
+            <a:off x="381000" y="685800"/>
+            <a:ext cx="6096000" cy="3429000"/>
           </a:xfrm>
           <a:custGeom>
-            <a:rect b="b" l="l" r="r" t="t"/>
+            <a:avLst/>
+            <a:gdLst/>
+            <a:ahLst/>
+            <a:cxnLst/>
+            <a:rect l="l" t="t" r="r" b="b"/>
             <a:pathLst>
-              <a:path extrusionOk="0" h="120000" w="120000">
+              <a:path w="120000" h="120000" extrusionOk="0">
                 <a:moveTo>
                   <a:pt x="0" y="0"/>
                 </a:moveTo>
@@ -766,9 +787,11 @@
       <p:sp>
         <p:nvSpPr>
           <p:cNvPr id="132" name="Google Shape;132;p:notes"/>
-          <p:cNvSpPr txBox="1"/>
+          <p:cNvSpPr txBox="1">
+            <a:spLocks noGrp="1"/>
+          </p:cNvSpPr>
           <p:nvPr>
-            <p:ph idx="1" type="body"/>
+            <p:ph type="body" idx="1"/>
           </p:nvPr>
         </p:nvSpPr>
         <p:spPr>
@@ -781,12 +804,12 @@
           </a:prstGeom>
         </p:spPr>
         <p:txBody>
-          <a:bodyPr anchorCtr="0" anchor="t" bIns="91425" lIns="91425" spcFirstLastPara="1" rIns="91425" wrap="square" tIns="91425">
+          <a:bodyPr spcFirstLastPara="1" wrap="square" lIns="91425" tIns="91425" rIns="91425" bIns="91425" anchor="t" anchorCtr="0">
             <a:noAutofit/>
           </a:bodyPr>
           <a:lstStyle/>
           <a:p>
-            <a:pPr indent="0" lvl="0" marL="0" rtl="0" algn="l">
+            <a:pPr marL="0" lvl="0" indent="0" algn="l" rtl="0">
               <a:spcBef>
                 <a:spcPts val="0"/>
               </a:spcBef>
@@ -795,9 +818,6 @@
               </a:spcAft>
               <a:buNone/>
             </a:pPr>
-            <a:r>
-              <a:t/>
-            </a:r>
             <a:endParaRPr/>
           </a:p>
         </p:txBody>
@@ -811,11 +831,11 @@
 </file>
 
 <file path=ppt/notesSlides/notesSlide10.xml><?xml version="1.0" encoding="utf-8"?>
-<p:notes xmlns:a="http://schemas.openxmlformats.org/drawingml/2006/main" xmlns:r="http://schemas.openxmlformats.org/officeDocument/2006/relationships" xmlns:mc="http://schemas.openxmlformats.org/markup-compatibility/2006" xmlns:mv="urn:schemas-microsoft-com:mac:vml" xmlns:p="http://schemas.openxmlformats.org/presentationml/2006/main" xmlns:c="http://schemas.openxmlformats.org/drawingml/2006/chart" xmlns:dgm="http://schemas.openxmlformats.org/drawingml/2006/diagram" xmlns:o="urn:schemas-microsoft-com:office:office" xmlns:v="urn:schemas-microsoft-com:vml" xmlns:pvml="urn:schemas-microsoft-com:office:powerpoint" xmlns:com="http://schemas.openxmlformats.org/drawingml/2006/compatibility" xmlns:p14="http://schemas.microsoft.com/office/powerpoint/2010/main" xmlns:p15="http://schemas.microsoft.com/office/powerpoint/2012/main" showMasterPhAnim="0" showMasterSp="0">
+<p:notes xmlns:a="http://schemas.openxmlformats.org/drawingml/2006/main" xmlns:r="http://schemas.openxmlformats.org/officeDocument/2006/relationships" xmlns:p="http://schemas.openxmlformats.org/presentationml/2006/main" showMasterSp="0" showMasterPhAnim="0">
   <p:cSld>
     <p:spTree>
       <p:nvGrpSpPr>
-        <p:cNvPr id="187" name="Shape 187"/>
+        <p:cNvPr id="1" name="Shape 187"/>
         <p:cNvGrpSpPr/>
         <p:nvPr/>
       </p:nvGrpSpPr>
@@ -830,9 +850,11 @@
       <p:sp>
         <p:nvSpPr>
           <p:cNvPr id="188" name="Google Shape;188;g4231b4f298_0_7:notes"/>
-          <p:cNvSpPr/>
+          <p:cNvSpPr>
+            <a:spLocks noGrp="1" noRot="1" noChangeAspect="1"/>
+          </p:cNvSpPr>
           <p:nvPr>
-            <p:ph idx="2" type="sldImg"/>
+            <p:ph type="sldImg" idx="2"/>
           </p:nvPr>
         </p:nvSpPr>
         <p:spPr>
@@ -841,9 +863,13 @@
             <a:ext cx="6096000" cy="3429000"/>
           </a:xfrm>
           <a:custGeom>
-            <a:rect b="b" l="l" r="r" t="t"/>
+            <a:avLst/>
+            <a:gdLst/>
+            <a:ahLst/>
+            <a:cxnLst/>
+            <a:rect l="l" t="t" r="r" b="b"/>
             <a:pathLst>
-              <a:path extrusionOk="0" h="120000" w="120000">
+              <a:path w="120000" h="120000" extrusionOk="0">
                 <a:moveTo>
                   <a:pt x="0" y="0"/>
                 </a:moveTo>
@@ -865,9 +891,11 @@
       <p:sp>
         <p:nvSpPr>
           <p:cNvPr id="189" name="Google Shape;189;g4231b4f298_0_7:notes"/>
-          <p:cNvSpPr txBox="1"/>
+          <p:cNvSpPr txBox="1">
+            <a:spLocks noGrp="1"/>
+          </p:cNvSpPr>
           <p:nvPr>
-            <p:ph idx="1" type="body"/>
+            <p:ph type="body" idx="1"/>
           </p:nvPr>
         </p:nvSpPr>
         <p:spPr>
@@ -880,12 +908,12 @@
           </a:prstGeom>
         </p:spPr>
         <p:txBody>
-          <a:bodyPr anchorCtr="0" anchor="t" bIns="91425" lIns="91425" spcFirstLastPara="1" rIns="91425" wrap="square" tIns="91425">
+          <a:bodyPr spcFirstLastPara="1" wrap="square" lIns="91425" tIns="91425" rIns="91425" bIns="91425" anchor="t" anchorCtr="0">
             <a:noAutofit/>
           </a:bodyPr>
           <a:lstStyle/>
           <a:p>
-            <a:pPr indent="0" lvl="0" marL="0" rtl="0" algn="l">
+            <a:pPr marL="0" lvl="0" indent="0" algn="l" rtl="0">
               <a:spcBef>
                 <a:spcPts val="0"/>
               </a:spcBef>
@@ -894,9 +922,6 @@
               </a:spcAft>
               <a:buNone/>
             </a:pPr>
-            <a:r>
-              <a:t/>
-            </a:r>
             <a:endParaRPr/>
           </a:p>
         </p:txBody>
@@ -910,11 +935,11 @@
 </file>
 
 <file path=ppt/notesSlides/notesSlide11.xml><?xml version="1.0" encoding="utf-8"?>
-<p:notes xmlns:a="http://schemas.openxmlformats.org/drawingml/2006/main" xmlns:r="http://schemas.openxmlformats.org/officeDocument/2006/relationships" xmlns:mc="http://schemas.openxmlformats.org/markup-compatibility/2006" xmlns:mv="urn:schemas-microsoft-com:mac:vml" xmlns:p="http://schemas.openxmlformats.org/presentationml/2006/main" xmlns:c="http://schemas.openxmlformats.org/drawingml/2006/chart" xmlns:dgm="http://schemas.openxmlformats.org/drawingml/2006/diagram" xmlns:o="urn:schemas-microsoft-com:office:office" xmlns:v="urn:schemas-microsoft-com:vml" xmlns:pvml="urn:schemas-microsoft-com:office:powerpoint" xmlns:com="http://schemas.openxmlformats.org/drawingml/2006/compatibility" xmlns:p14="http://schemas.microsoft.com/office/powerpoint/2010/main" xmlns:p15="http://schemas.microsoft.com/office/powerpoint/2012/main" showMasterPhAnim="0" showMasterSp="0">
+<p:notes xmlns:a="http://schemas.openxmlformats.org/drawingml/2006/main" xmlns:r="http://schemas.openxmlformats.org/officeDocument/2006/relationships" xmlns:p="http://schemas.openxmlformats.org/presentationml/2006/main" showMasterSp="0" showMasterPhAnim="0">
   <p:cSld>
     <p:spTree>
       <p:nvGrpSpPr>
-        <p:cNvPr id="193" name="Shape 193"/>
+        <p:cNvPr id="1" name="Shape 193"/>
         <p:cNvGrpSpPr/>
         <p:nvPr/>
       </p:nvGrpSpPr>
@@ -929,9 +954,11 @@
       <p:sp>
         <p:nvSpPr>
           <p:cNvPr id="194" name="Google Shape;194;g4231b4f298_0_13:notes"/>
-          <p:cNvSpPr/>
+          <p:cNvSpPr>
+            <a:spLocks noGrp="1" noRot="1" noChangeAspect="1"/>
+          </p:cNvSpPr>
           <p:nvPr>
-            <p:ph idx="2" type="sldImg"/>
+            <p:ph type="sldImg" idx="2"/>
           </p:nvPr>
         </p:nvSpPr>
         <p:spPr>
@@ -940,9 +967,13 @@
             <a:ext cx="6096000" cy="3429000"/>
           </a:xfrm>
           <a:custGeom>
-            <a:rect b="b" l="l" r="r" t="t"/>
+            <a:avLst/>
+            <a:gdLst/>
+            <a:ahLst/>
+            <a:cxnLst/>
+            <a:rect l="l" t="t" r="r" b="b"/>
             <a:pathLst>
-              <a:path extrusionOk="0" h="120000" w="120000">
+              <a:path w="120000" h="120000" extrusionOk="0">
                 <a:moveTo>
                   <a:pt x="0" y="0"/>
                 </a:moveTo>
@@ -964,9 +995,11 @@
       <p:sp>
         <p:nvSpPr>
           <p:cNvPr id="195" name="Google Shape;195;g4231b4f298_0_13:notes"/>
-          <p:cNvSpPr txBox="1"/>
+          <p:cNvSpPr txBox="1">
+            <a:spLocks noGrp="1"/>
+          </p:cNvSpPr>
           <p:nvPr>
-            <p:ph idx="1" type="body"/>
+            <p:ph type="body" idx="1"/>
           </p:nvPr>
         </p:nvSpPr>
         <p:spPr>
@@ -979,12 +1012,12 @@
           </a:prstGeom>
         </p:spPr>
         <p:txBody>
-          <a:bodyPr anchorCtr="0" anchor="t" bIns="91425" lIns="91425" spcFirstLastPara="1" rIns="91425" wrap="square" tIns="91425">
+          <a:bodyPr spcFirstLastPara="1" wrap="square" lIns="91425" tIns="91425" rIns="91425" bIns="91425" anchor="t" anchorCtr="0">
             <a:noAutofit/>
           </a:bodyPr>
           <a:lstStyle/>
           <a:p>
-            <a:pPr indent="0" lvl="0" marL="0" rtl="0" algn="l">
+            <a:pPr marL="0" lvl="0" indent="0" algn="l" rtl="0">
               <a:spcBef>
                 <a:spcPts val="0"/>
               </a:spcBef>
@@ -993,9 +1026,6 @@
               </a:spcAft>
               <a:buNone/>
             </a:pPr>
-            <a:r>
-              <a:t/>
-            </a:r>
             <a:endParaRPr/>
           </a:p>
         </p:txBody>
@@ -1009,11 +1039,11 @@
 </file>
 
 <file path=ppt/notesSlides/notesSlide12.xml><?xml version="1.0" encoding="utf-8"?>
-<p:notes xmlns:a="http://schemas.openxmlformats.org/drawingml/2006/main" xmlns:r="http://schemas.openxmlformats.org/officeDocument/2006/relationships" xmlns:mc="http://schemas.openxmlformats.org/markup-compatibility/2006" xmlns:mv="urn:schemas-microsoft-com:mac:vml" xmlns:p="http://schemas.openxmlformats.org/presentationml/2006/main" xmlns:c="http://schemas.openxmlformats.org/drawingml/2006/chart" xmlns:dgm="http://schemas.openxmlformats.org/drawingml/2006/diagram" xmlns:o="urn:schemas-microsoft-com:office:office" xmlns:v="urn:schemas-microsoft-com:vml" xmlns:pvml="urn:schemas-microsoft-com:office:powerpoint" xmlns:com="http://schemas.openxmlformats.org/drawingml/2006/compatibility" xmlns:p14="http://schemas.microsoft.com/office/powerpoint/2010/main" xmlns:p15="http://schemas.microsoft.com/office/powerpoint/2012/main" showMasterPhAnim="0" showMasterSp="0">
+<p:notes xmlns:a="http://schemas.openxmlformats.org/drawingml/2006/main" xmlns:r="http://schemas.openxmlformats.org/officeDocument/2006/relationships" xmlns:p="http://schemas.openxmlformats.org/presentationml/2006/main" showMasterSp="0" showMasterPhAnim="0">
   <p:cSld>
     <p:spTree>
       <p:nvGrpSpPr>
-        <p:cNvPr id="199" name="Shape 199"/>
+        <p:cNvPr id="1" name="Shape 199"/>
         <p:cNvGrpSpPr/>
         <p:nvPr/>
       </p:nvGrpSpPr>
@@ -1028,20 +1058,26 @@
       <p:sp>
         <p:nvSpPr>
           <p:cNvPr id="200" name="Google Shape;200;g4231b4f298_0_20:notes"/>
-          <p:cNvSpPr/>
+          <p:cNvSpPr>
+            <a:spLocks noGrp="1" noRot="1" noChangeAspect="1"/>
+          </p:cNvSpPr>
           <p:nvPr>
-            <p:ph idx="2" type="sldImg"/>
+            <p:ph type="sldImg" idx="2"/>
           </p:nvPr>
         </p:nvSpPr>
         <p:spPr>
           <a:xfrm>
-            <a:off x="381300" y="685800"/>
+            <a:off x="381000" y="685800"/>
             <a:ext cx="6096000" cy="3429000"/>
           </a:xfrm>
           <a:custGeom>
-            <a:rect b="b" l="l" r="r" t="t"/>
+            <a:avLst/>
+            <a:gdLst/>
+            <a:ahLst/>
+            <a:cxnLst/>
+            <a:rect l="l" t="t" r="r" b="b"/>
             <a:pathLst>
-              <a:path extrusionOk="0" h="120000" w="120000">
+              <a:path w="120000" h="120000" extrusionOk="0">
                 <a:moveTo>
                   <a:pt x="0" y="0"/>
                 </a:moveTo>
@@ -1063,9 +1099,11 @@
       <p:sp>
         <p:nvSpPr>
           <p:cNvPr id="201" name="Google Shape;201;g4231b4f298_0_20:notes"/>
-          <p:cNvSpPr txBox="1"/>
+          <p:cNvSpPr txBox="1">
+            <a:spLocks noGrp="1"/>
+          </p:cNvSpPr>
           <p:nvPr>
-            <p:ph idx="1" type="body"/>
+            <p:ph type="body" idx="1"/>
           </p:nvPr>
         </p:nvSpPr>
         <p:spPr>
@@ -1078,12 +1116,12 @@
           </a:prstGeom>
         </p:spPr>
         <p:txBody>
-          <a:bodyPr anchorCtr="0" anchor="t" bIns="91425" lIns="91425" spcFirstLastPara="1" rIns="91425" wrap="square" tIns="91425">
+          <a:bodyPr spcFirstLastPara="1" wrap="square" lIns="91425" tIns="91425" rIns="91425" bIns="91425" anchor="t" anchorCtr="0">
             <a:noAutofit/>
           </a:bodyPr>
           <a:lstStyle/>
           <a:p>
-            <a:pPr indent="0" lvl="0" marL="0" rtl="0" algn="l">
+            <a:pPr marL="0" lvl="0" indent="0" algn="l" rtl="0">
               <a:spcBef>
                 <a:spcPts val="0"/>
               </a:spcBef>
@@ -1092,9 +1130,6 @@
               </a:spcAft>
               <a:buNone/>
             </a:pPr>
-            <a:r>
-              <a:t/>
-            </a:r>
             <a:endParaRPr/>
           </a:p>
         </p:txBody>
@@ -1108,11 +1143,11 @@
 </file>
 
 <file path=ppt/notesSlides/notesSlide2.xml><?xml version="1.0" encoding="utf-8"?>
-<p:notes xmlns:a="http://schemas.openxmlformats.org/drawingml/2006/main" xmlns:r="http://schemas.openxmlformats.org/officeDocument/2006/relationships" xmlns:mc="http://schemas.openxmlformats.org/markup-compatibility/2006" xmlns:mv="urn:schemas-microsoft-com:mac:vml" xmlns:p="http://schemas.openxmlformats.org/presentationml/2006/main" xmlns:c="http://schemas.openxmlformats.org/drawingml/2006/chart" xmlns:dgm="http://schemas.openxmlformats.org/drawingml/2006/diagram" xmlns:o="urn:schemas-microsoft-com:office:office" xmlns:v="urn:schemas-microsoft-com:vml" xmlns:pvml="urn:schemas-microsoft-com:office:powerpoint" xmlns:com="http://schemas.openxmlformats.org/drawingml/2006/compatibility" xmlns:p14="http://schemas.microsoft.com/office/powerpoint/2010/main" xmlns:p15="http://schemas.microsoft.com/office/powerpoint/2012/main" showMasterPhAnim="0" showMasterSp="0">
+<p:notes xmlns:a="http://schemas.openxmlformats.org/drawingml/2006/main" xmlns:r="http://schemas.openxmlformats.org/officeDocument/2006/relationships" xmlns:p="http://schemas.openxmlformats.org/presentationml/2006/main" showMasterSp="0" showMasterPhAnim="0">
   <p:cSld>
     <p:spTree>
       <p:nvGrpSpPr>
-        <p:cNvPr id="136" name="Shape 136"/>
+        <p:cNvPr id="1" name="Shape 136"/>
         <p:cNvGrpSpPr/>
         <p:nvPr/>
       </p:nvGrpSpPr>
@@ -1127,9 +1162,11 @@
       <p:sp>
         <p:nvSpPr>
           <p:cNvPr id="137" name="Google Shape;137;g42b6a26c69_0_125:notes"/>
-          <p:cNvSpPr/>
+          <p:cNvSpPr>
+            <a:spLocks noGrp="1" noRot="1" noChangeAspect="1"/>
+          </p:cNvSpPr>
           <p:nvPr>
-            <p:ph idx="2" type="sldImg"/>
+            <p:ph type="sldImg" idx="2"/>
           </p:nvPr>
         </p:nvSpPr>
         <p:spPr>
@@ -1138,9 +1175,13 @@
             <a:ext cx="6096000" cy="3429000"/>
           </a:xfrm>
           <a:custGeom>
-            <a:rect b="b" l="l" r="r" t="t"/>
+            <a:avLst/>
+            <a:gdLst/>
+            <a:ahLst/>
+            <a:cxnLst/>
+            <a:rect l="l" t="t" r="r" b="b"/>
             <a:pathLst>
-              <a:path extrusionOk="0" h="120000" w="120000">
+              <a:path w="120000" h="120000" extrusionOk="0">
                 <a:moveTo>
                   <a:pt x="0" y="0"/>
                 </a:moveTo>
@@ -1162,9 +1203,11 @@
       <p:sp>
         <p:nvSpPr>
           <p:cNvPr id="138" name="Google Shape;138;g42b6a26c69_0_125:notes"/>
-          <p:cNvSpPr txBox="1"/>
+          <p:cNvSpPr txBox="1">
+            <a:spLocks noGrp="1"/>
+          </p:cNvSpPr>
           <p:nvPr>
-            <p:ph idx="1" type="body"/>
+            <p:ph type="body" idx="1"/>
           </p:nvPr>
         </p:nvSpPr>
         <p:spPr>
@@ -1177,12 +1220,12 @@
           </a:prstGeom>
         </p:spPr>
         <p:txBody>
-          <a:bodyPr anchorCtr="0" anchor="t" bIns="91425" lIns="91425" spcFirstLastPara="1" rIns="91425" wrap="square" tIns="91425">
+          <a:bodyPr spcFirstLastPara="1" wrap="square" lIns="91425" tIns="91425" rIns="91425" bIns="91425" anchor="t" anchorCtr="0">
             <a:noAutofit/>
           </a:bodyPr>
           <a:lstStyle/>
           <a:p>
-            <a:pPr indent="0" lvl="0" marL="0" rtl="0" algn="l">
+            <a:pPr marL="0" lvl="0" indent="0" algn="l" rtl="0">
               <a:spcBef>
                 <a:spcPts val="0"/>
               </a:spcBef>
@@ -1191,9 +1234,6 @@
               </a:spcAft>
               <a:buNone/>
             </a:pPr>
-            <a:r>
-              <a:t/>
-            </a:r>
             <a:endParaRPr/>
           </a:p>
         </p:txBody>
@@ -1207,11 +1247,11 @@
 </file>
 
 <file path=ppt/notesSlides/notesSlide3.xml><?xml version="1.0" encoding="utf-8"?>
-<p:notes xmlns:a="http://schemas.openxmlformats.org/drawingml/2006/main" xmlns:r="http://schemas.openxmlformats.org/officeDocument/2006/relationships" xmlns:mc="http://schemas.openxmlformats.org/markup-compatibility/2006" xmlns:mv="urn:schemas-microsoft-com:mac:vml" xmlns:p="http://schemas.openxmlformats.org/presentationml/2006/main" xmlns:c="http://schemas.openxmlformats.org/drawingml/2006/chart" xmlns:dgm="http://schemas.openxmlformats.org/drawingml/2006/diagram" xmlns:o="urn:schemas-microsoft-com:office:office" xmlns:v="urn:schemas-microsoft-com:vml" xmlns:pvml="urn:schemas-microsoft-com:office:powerpoint" xmlns:com="http://schemas.openxmlformats.org/drawingml/2006/compatibility" xmlns:p14="http://schemas.microsoft.com/office/powerpoint/2010/main" xmlns:p15="http://schemas.microsoft.com/office/powerpoint/2012/main" showMasterPhAnim="0" showMasterSp="0">
+<p:notes xmlns:a="http://schemas.openxmlformats.org/drawingml/2006/main" xmlns:r="http://schemas.openxmlformats.org/officeDocument/2006/relationships" xmlns:p="http://schemas.openxmlformats.org/presentationml/2006/main" showMasterSp="0" showMasterPhAnim="0">
   <p:cSld>
     <p:spTree>
       <p:nvGrpSpPr>
-        <p:cNvPr id="141" name="Shape 141"/>
+        <p:cNvPr id="1" name="Shape 141"/>
         <p:cNvGrpSpPr/>
         <p:nvPr/>
       </p:nvGrpSpPr>
@@ -1226,9 +1266,11 @@
       <p:sp>
         <p:nvSpPr>
           <p:cNvPr id="142" name="Google Shape;142;g42b6a26c69_0_130:notes"/>
-          <p:cNvSpPr/>
+          <p:cNvSpPr>
+            <a:spLocks noGrp="1" noRot="1" noChangeAspect="1"/>
+          </p:cNvSpPr>
           <p:nvPr>
-            <p:ph idx="2" type="sldImg"/>
+            <p:ph type="sldImg" idx="2"/>
           </p:nvPr>
         </p:nvSpPr>
         <p:spPr>
@@ -1237,9 +1279,13 @@
             <a:ext cx="6096000" cy="3429000"/>
           </a:xfrm>
           <a:custGeom>
-            <a:rect b="b" l="l" r="r" t="t"/>
+            <a:avLst/>
+            <a:gdLst/>
+            <a:ahLst/>
+            <a:cxnLst/>
+            <a:rect l="l" t="t" r="r" b="b"/>
             <a:pathLst>
-              <a:path extrusionOk="0" h="120000" w="120000">
+              <a:path w="120000" h="120000" extrusionOk="0">
                 <a:moveTo>
                   <a:pt x="0" y="0"/>
                 </a:moveTo>
@@ -1261,9 +1307,11 @@
       <p:sp>
         <p:nvSpPr>
           <p:cNvPr id="143" name="Google Shape;143;g42b6a26c69_0_130:notes"/>
-          <p:cNvSpPr txBox="1"/>
+          <p:cNvSpPr txBox="1">
+            <a:spLocks noGrp="1"/>
+          </p:cNvSpPr>
           <p:nvPr>
-            <p:ph idx="1" type="body"/>
+            <p:ph type="body" idx="1"/>
           </p:nvPr>
         </p:nvSpPr>
         <p:spPr>
@@ -1276,12 +1324,12 @@
           </a:prstGeom>
         </p:spPr>
         <p:txBody>
-          <a:bodyPr anchorCtr="0" anchor="t" bIns="91425" lIns="91425" spcFirstLastPara="1" rIns="91425" wrap="square" tIns="91425">
+          <a:bodyPr spcFirstLastPara="1" wrap="square" lIns="91425" tIns="91425" rIns="91425" bIns="91425" anchor="t" anchorCtr="0">
             <a:noAutofit/>
           </a:bodyPr>
           <a:lstStyle/>
           <a:p>
-            <a:pPr indent="0" lvl="0" marL="0" rtl="0" algn="l">
+            <a:pPr marL="0" lvl="0" indent="0" algn="l" rtl="0">
               <a:spcBef>
                 <a:spcPts val="0"/>
               </a:spcBef>
@@ -1290,9 +1338,6 @@
               </a:spcAft>
               <a:buNone/>
             </a:pPr>
-            <a:r>
-              <a:t/>
-            </a:r>
             <a:endParaRPr/>
           </a:p>
         </p:txBody>
@@ -1306,11 +1351,11 @@
 </file>
 
 <file path=ppt/notesSlides/notesSlide4.xml><?xml version="1.0" encoding="utf-8"?>
-<p:notes xmlns:a="http://schemas.openxmlformats.org/drawingml/2006/main" xmlns:r="http://schemas.openxmlformats.org/officeDocument/2006/relationships" xmlns:mc="http://schemas.openxmlformats.org/markup-compatibility/2006" xmlns:mv="urn:schemas-microsoft-com:mac:vml" xmlns:p="http://schemas.openxmlformats.org/presentationml/2006/main" xmlns:c="http://schemas.openxmlformats.org/drawingml/2006/chart" xmlns:dgm="http://schemas.openxmlformats.org/drawingml/2006/diagram" xmlns:o="urn:schemas-microsoft-com:office:office" xmlns:v="urn:schemas-microsoft-com:vml" xmlns:pvml="urn:schemas-microsoft-com:office:powerpoint" xmlns:com="http://schemas.openxmlformats.org/drawingml/2006/compatibility" xmlns:p14="http://schemas.microsoft.com/office/powerpoint/2010/main" xmlns:p15="http://schemas.microsoft.com/office/powerpoint/2012/main" showMasterPhAnim="0" showMasterSp="0">
+<p:notes xmlns:a="http://schemas.openxmlformats.org/drawingml/2006/main" xmlns:r="http://schemas.openxmlformats.org/officeDocument/2006/relationships" xmlns:p="http://schemas.openxmlformats.org/presentationml/2006/main" showMasterSp="0" showMasterPhAnim="0">
   <p:cSld>
     <p:spTree>
       <p:nvGrpSpPr>
-        <p:cNvPr id="147" name="Shape 147"/>
+        <p:cNvPr id="1" name="Shape 147"/>
         <p:cNvGrpSpPr/>
         <p:nvPr/>
       </p:nvGrpSpPr>
@@ -1325,9 +1370,11 @@
       <p:sp>
         <p:nvSpPr>
           <p:cNvPr id="148" name="Google Shape;148;g42b6a26c69_0_135:notes"/>
-          <p:cNvSpPr/>
+          <p:cNvSpPr>
+            <a:spLocks noGrp="1" noRot="1" noChangeAspect="1"/>
+          </p:cNvSpPr>
           <p:nvPr>
-            <p:ph idx="2" type="sldImg"/>
+            <p:ph type="sldImg" idx="2"/>
           </p:nvPr>
         </p:nvSpPr>
         <p:spPr>
@@ -1336,9 +1383,13 @@
             <a:ext cx="6096000" cy="3429000"/>
           </a:xfrm>
           <a:custGeom>
-            <a:rect b="b" l="l" r="r" t="t"/>
+            <a:avLst/>
+            <a:gdLst/>
+            <a:ahLst/>
+            <a:cxnLst/>
+            <a:rect l="l" t="t" r="r" b="b"/>
             <a:pathLst>
-              <a:path extrusionOk="0" h="120000" w="120000">
+              <a:path w="120000" h="120000" extrusionOk="0">
                 <a:moveTo>
                   <a:pt x="0" y="0"/>
                 </a:moveTo>
@@ -1360,9 +1411,11 @@
       <p:sp>
         <p:nvSpPr>
           <p:cNvPr id="149" name="Google Shape;149;g42b6a26c69_0_135:notes"/>
-          <p:cNvSpPr txBox="1"/>
+          <p:cNvSpPr txBox="1">
+            <a:spLocks noGrp="1"/>
+          </p:cNvSpPr>
           <p:nvPr>
-            <p:ph idx="1" type="body"/>
+            <p:ph type="body" idx="1"/>
           </p:nvPr>
         </p:nvSpPr>
         <p:spPr>
@@ -1375,12 +1428,12 @@
           </a:prstGeom>
         </p:spPr>
         <p:txBody>
-          <a:bodyPr anchorCtr="0" anchor="t" bIns="91425" lIns="91425" spcFirstLastPara="1" rIns="91425" wrap="square" tIns="91425">
+          <a:bodyPr spcFirstLastPara="1" wrap="square" lIns="91425" tIns="91425" rIns="91425" bIns="91425" anchor="t" anchorCtr="0">
             <a:noAutofit/>
           </a:bodyPr>
           <a:lstStyle/>
           <a:p>
-            <a:pPr indent="0" lvl="0" marL="0" rtl="0" algn="l">
+            <a:pPr marL="0" lvl="0" indent="0" algn="l" rtl="0">
               <a:spcBef>
                 <a:spcPts val="0"/>
               </a:spcBef>
@@ -1389,9 +1442,6 @@
               </a:spcAft>
               <a:buNone/>
             </a:pPr>
-            <a:r>
-              <a:t/>
-            </a:r>
             <a:endParaRPr/>
           </a:p>
         </p:txBody>
@@ -1405,11 +1455,11 @@
 </file>
 
 <file path=ppt/notesSlides/notesSlide5.xml><?xml version="1.0" encoding="utf-8"?>
-<p:notes xmlns:a="http://schemas.openxmlformats.org/drawingml/2006/main" xmlns:r="http://schemas.openxmlformats.org/officeDocument/2006/relationships" xmlns:mc="http://schemas.openxmlformats.org/markup-compatibility/2006" xmlns:mv="urn:schemas-microsoft-com:mac:vml" xmlns:p="http://schemas.openxmlformats.org/presentationml/2006/main" xmlns:c="http://schemas.openxmlformats.org/drawingml/2006/chart" xmlns:dgm="http://schemas.openxmlformats.org/drawingml/2006/diagram" xmlns:o="urn:schemas-microsoft-com:office:office" xmlns:v="urn:schemas-microsoft-com:vml" xmlns:pvml="urn:schemas-microsoft-com:office:powerpoint" xmlns:com="http://schemas.openxmlformats.org/drawingml/2006/compatibility" xmlns:p14="http://schemas.microsoft.com/office/powerpoint/2010/main" xmlns:p15="http://schemas.microsoft.com/office/powerpoint/2012/main" showMasterPhAnim="0" showMasterSp="0">
+<p:notes xmlns:a="http://schemas.openxmlformats.org/drawingml/2006/main" xmlns:r="http://schemas.openxmlformats.org/officeDocument/2006/relationships" xmlns:p="http://schemas.openxmlformats.org/presentationml/2006/main" showMasterSp="0" showMasterPhAnim="0">
   <p:cSld>
     <p:spTree>
       <p:nvGrpSpPr>
-        <p:cNvPr id="155" name="Shape 155"/>
+        <p:cNvPr id="1" name="Shape 155"/>
         <p:cNvGrpSpPr/>
         <p:nvPr/>
       </p:nvGrpSpPr>
@@ -1424,9 +1474,11 @@
       <p:sp>
         <p:nvSpPr>
           <p:cNvPr id="156" name="Google Shape;156;g42b6a26c69_0_141:notes"/>
-          <p:cNvSpPr/>
+          <p:cNvSpPr>
+            <a:spLocks noGrp="1" noRot="1" noChangeAspect="1"/>
+          </p:cNvSpPr>
           <p:nvPr>
-            <p:ph idx="2" type="sldImg"/>
+            <p:ph type="sldImg" idx="2"/>
           </p:nvPr>
         </p:nvSpPr>
         <p:spPr>
@@ -1435,9 +1487,13 @@
             <a:ext cx="6096000" cy="3429000"/>
           </a:xfrm>
           <a:custGeom>
-            <a:rect b="b" l="l" r="r" t="t"/>
+            <a:avLst/>
+            <a:gdLst/>
+            <a:ahLst/>
+            <a:cxnLst/>
+            <a:rect l="l" t="t" r="r" b="b"/>
             <a:pathLst>
-              <a:path extrusionOk="0" h="120000" w="120000">
+              <a:path w="120000" h="120000" extrusionOk="0">
                 <a:moveTo>
                   <a:pt x="0" y="0"/>
                 </a:moveTo>
@@ -1459,9 +1515,11 @@
       <p:sp>
         <p:nvSpPr>
           <p:cNvPr id="157" name="Google Shape;157;g42b6a26c69_0_141:notes"/>
-          <p:cNvSpPr txBox="1"/>
+          <p:cNvSpPr txBox="1">
+            <a:spLocks noGrp="1"/>
+          </p:cNvSpPr>
           <p:nvPr>
-            <p:ph idx="1" type="body"/>
+            <p:ph type="body" idx="1"/>
           </p:nvPr>
         </p:nvSpPr>
         <p:spPr>
@@ -1474,12 +1532,12 @@
           </a:prstGeom>
         </p:spPr>
         <p:txBody>
-          <a:bodyPr anchorCtr="0" anchor="t" bIns="91425" lIns="91425" spcFirstLastPara="1" rIns="91425" wrap="square" tIns="91425">
+          <a:bodyPr spcFirstLastPara="1" wrap="square" lIns="91425" tIns="91425" rIns="91425" bIns="91425" anchor="t" anchorCtr="0">
             <a:noAutofit/>
           </a:bodyPr>
           <a:lstStyle/>
           <a:p>
-            <a:pPr indent="0" lvl="0" marL="0" rtl="0" algn="l">
+            <a:pPr marL="0" lvl="0" indent="0" algn="l" rtl="0">
               <a:spcBef>
                 <a:spcPts val="0"/>
               </a:spcBef>
@@ -1488,9 +1546,6 @@
               </a:spcAft>
               <a:buNone/>
             </a:pPr>
-            <a:r>
-              <a:t/>
-            </a:r>
             <a:endParaRPr/>
           </a:p>
         </p:txBody>
@@ -1504,11 +1559,11 @@
 </file>
 
 <file path=ppt/notesSlides/notesSlide6.xml><?xml version="1.0" encoding="utf-8"?>
-<p:notes xmlns:a="http://schemas.openxmlformats.org/drawingml/2006/main" xmlns:r="http://schemas.openxmlformats.org/officeDocument/2006/relationships" xmlns:mc="http://schemas.openxmlformats.org/markup-compatibility/2006" xmlns:mv="urn:schemas-microsoft-com:mac:vml" xmlns:p="http://schemas.openxmlformats.org/presentationml/2006/main" xmlns:c="http://schemas.openxmlformats.org/drawingml/2006/chart" xmlns:dgm="http://schemas.openxmlformats.org/drawingml/2006/diagram" xmlns:o="urn:schemas-microsoft-com:office:office" xmlns:v="urn:schemas-microsoft-com:vml" xmlns:pvml="urn:schemas-microsoft-com:office:powerpoint" xmlns:com="http://schemas.openxmlformats.org/drawingml/2006/compatibility" xmlns:p14="http://schemas.microsoft.com/office/powerpoint/2010/main" xmlns:p15="http://schemas.microsoft.com/office/powerpoint/2012/main" showMasterPhAnim="0" showMasterSp="0">
+<p:notes xmlns:a="http://schemas.openxmlformats.org/drawingml/2006/main" xmlns:r="http://schemas.openxmlformats.org/officeDocument/2006/relationships" xmlns:p="http://schemas.openxmlformats.org/presentationml/2006/main" showMasterSp="0" showMasterPhAnim="0">
   <p:cSld>
     <p:spTree>
       <p:nvGrpSpPr>
-        <p:cNvPr id="161" name="Shape 161"/>
+        <p:cNvPr id="1" name="Shape 161"/>
         <p:cNvGrpSpPr/>
         <p:nvPr/>
       </p:nvGrpSpPr>
@@ -1523,9 +1578,11 @@
       <p:sp>
         <p:nvSpPr>
           <p:cNvPr id="162" name="Google Shape;162;g42b6a26c69_0_146:notes"/>
-          <p:cNvSpPr/>
+          <p:cNvSpPr>
+            <a:spLocks noGrp="1" noRot="1" noChangeAspect="1"/>
+          </p:cNvSpPr>
           <p:nvPr>
-            <p:ph idx="2" type="sldImg"/>
+            <p:ph type="sldImg" idx="2"/>
           </p:nvPr>
         </p:nvSpPr>
         <p:spPr>
@@ -1534,9 +1591,13 @@
             <a:ext cx="6096000" cy="3429000"/>
           </a:xfrm>
           <a:custGeom>
-            <a:rect b="b" l="l" r="r" t="t"/>
+            <a:avLst/>
+            <a:gdLst/>
+            <a:ahLst/>
+            <a:cxnLst/>
+            <a:rect l="l" t="t" r="r" b="b"/>
             <a:pathLst>
-              <a:path extrusionOk="0" h="120000" w="120000">
+              <a:path w="120000" h="120000" extrusionOk="0">
                 <a:moveTo>
                   <a:pt x="0" y="0"/>
                 </a:moveTo>
@@ -1558,9 +1619,11 @@
       <p:sp>
         <p:nvSpPr>
           <p:cNvPr id="163" name="Google Shape;163;g42b6a26c69_0_146:notes"/>
-          <p:cNvSpPr txBox="1"/>
+          <p:cNvSpPr txBox="1">
+            <a:spLocks noGrp="1"/>
+          </p:cNvSpPr>
           <p:nvPr>
-            <p:ph idx="1" type="body"/>
+            <p:ph type="body" idx="1"/>
           </p:nvPr>
         </p:nvSpPr>
         <p:spPr>
@@ -1573,12 +1636,12 @@
           </a:prstGeom>
         </p:spPr>
         <p:txBody>
-          <a:bodyPr anchorCtr="0" anchor="t" bIns="91425" lIns="91425" spcFirstLastPara="1" rIns="91425" wrap="square" tIns="91425">
+          <a:bodyPr spcFirstLastPara="1" wrap="square" lIns="91425" tIns="91425" rIns="91425" bIns="91425" anchor="t" anchorCtr="0">
             <a:noAutofit/>
           </a:bodyPr>
           <a:lstStyle/>
           <a:p>
-            <a:pPr indent="0" lvl="0" marL="0" rtl="0" algn="l">
+            <a:pPr marL="0" lvl="0" indent="0" algn="l" rtl="0">
               <a:spcBef>
                 <a:spcPts val="0"/>
               </a:spcBef>
@@ -1587,9 +1650,6 @@
               </a:spcAft>
               <a:buNone/>
             </a:pPr>
-            <a:r>
-              <a:t/>
-            </a:r>
             <a:endParaRPr/>
           </a:p>
         </p:txBody>
@@ -1603,11 +1663,11 @@
 </file>
 
 <file path=ppt/notesSlides/notesSlide7.xml><?xml version="1.0" encoding="utf-8"?>
-<p:notes xmlns:a="http://schemas.openxmlformats.org/drawingml/2006/main" xmlns:r="http://schemas.openxmlformats.org/officeDocument/2006/relationships" xmlns:mc="http://schemas.openxmlformats.org/markup-compatibility/2006" xmlns:mv="urn:schemas-microsoft-com:mac:vml" xmlns:p="http://schemas.openxmlformats.org/presentationml/2006/main" xmlns:c="http://schemas.openxmlformats.org/drawingml/2006/chart" xmlns:dgm="http://schemas.openxmlformats.org/drawingml/2006/diagram" xmlns:o="urn:schemas-microsoft-com:office:office" xmlns:v="urn:schemas-microsoft-com:vml" xmlns:pvml="urn:schemas-microsoft-com:office:powerpoint" xmlns:com="http://schemas.openxmlformats.org/drawingml/2006/compatibility" xmlns:p14="http://schemas.microsoft.com/office/powerpoint/2010/main" xmlns:p15="http://schemas.microsoft.com/office/powerpoint/2012/main" showMasterPhAnim="0" showMasterSp="0">
+<p:notes xmlns:a="http://schemas.openxmlformats.org/drawingml/2006/main" xmlns:r="http://schemas.openxmlformats.org/officeDocument/2006/relationships" xmlns:p="http://schemas.openxmlformats.org/presentationml/2006/main" showMasterSp="0" showMasterPhAnim="0">
   <p:cSld>
     <p:spTree>
       <p:nvGrpSpPr>
-        <p:cNvPr id="167" name="Shape 167"/>
+        <p:cNvPr id="1" name="Shape 167"/>
         <p:cNvGrpSpPr/>
         <p:nvPr/>
       </p:nvGrpSpPr>
@@ -1622,9 +1682,11 @@
       <p:sp>
         <p:nvSpPr>
           <p:cNvPr id="168" name="Google Shape;168;g42b6a26c69_0_158:notes"/>
-          <p:cNvSpPr/>
+          <p:cNvSpPr>
+            <a:spLocks noGrp="1" noRot="1" noChangeAspect="1"/>
+          </p:cNvSpPr>
           <p:nvPr>
-            <p:ph idx="2" type="sldImg"/>
+            <p:ph type="sldImg" idx="2"/>
           </p:nvPr>
         </p:nvSpPr>
         <p:spPr>
@@ -1633,9 +1695,13 @@
             <a:ext cx="6096000" cy="3429000"/>
           </a:xfrm>
           <a:custGeom>
-            <a:rect b="b" l="l" r="r" t="t"/>
+            <a:avLst/>
+            <a:gdLst/>
+            <a:ahLst/>
+            <a:cxnLst/>
+            <a:rect l="l" t="t" r="r" b="b"/>
             <a:pathLst>
-              <a:path extrusionOk="0" h="120000" w="120000">
+              <a:path w="120000" h="120000" extrusionOk="0">
                 <a:moveTo>
                   <a:pt x="0" y="0"/>
                 </a:moveTo>
@@ -1657,9 +1723,11 @@
       <p:sp>
         <p:nvSpPr>
           <p:cNvPr id="169" name="Google Shape;169;g42b6a26c69_0_158:notes"/>
-          <p:cNvSpPr txBox="1"/>
+          <p:cNvSpPr txBox="1">
+            <a:spLocks noGrp="1"/>
+          </p:cNvSpPr>
           <p:nvPr>
-            <p:ph idx="1" type="body"/>
+            <p:ph type="body" idx="1"/>
           </p:nvPr>
         </p:nvSpPr>
         <p:spPr>
@@ -1672,12 +1740,12 @@
           </a:prstGeom>
         </p:spPr>
         <p:txBody>
-          <a:bodyPr anchorCtr="0" anchor="t" bIns="91425" lIns="91425" spcFirstLastPara="1" rIns="91425" wrap="square" tIns="91425">
+          <a:bodyPr spcFirstLastPara="1" wrap="square" lIns="91425" tIns="91425" rIns="91425" bIns="91425" anchor="t" anchorCtr="0">
             <a:noAutofit/>
           </a:bodyPr>
           <a:lstStyle/>
           <a:p>
-            <a:pPr indent="0" lvl="0" marL="0" rtl="0" algn="l">
+            <a:pPr marL="0" lvl="0" indent="0" algn="l" rtl="0">
               <a:spcBef>
                 <a:spcPts val="0"/>
               </a:spcBef>
@@ -1686,9 +1754,6 @@
               </a:spcAft>
               <a:buNone/>
             </a:pPr>
-            <a:r>
-              <a:t/>
-            </a:r>
             <a:endParaRPr/>
           </a:p>
         </p:txBody>
@@ -1702,11 +1767,11 @@
 </file>
 
 <file path=ppt/notesSlides/notesSlide8.xml><?xml version="1.0" encoding="utf-8"?>
-<p:notes xmlns:a="http://schemas.openxmlformats.org/drawingml/2006/main" xmlns:r="http://schemas.openxmlformats.org/officeDocument/2006/relationships" xmlns:mc="http://schemas.openxmlformats.org/markup-compatibility/2006" xmlns:mv="urn:schemas-microsoft-com:mac:vml" xmlns:p="http://schemas.openxmlformats.org/presentationml/2006/main" xmlns:c="http://schemas.openxmlformats.org/drawingml/2006/chart" xmlns:dgm="http://schemas.openxmlformats.org/drawingml/2006/diagram" xmlns:o="urn:schemas-microsoft-com:office:office" xmlns:v="urn:schemas-microsoft-com:vml" xmlns:pvml="urn:schemas-microsoft-com:office:powerpoint" xmlns:com="http://schemas.openxmlformats.org/drawingml/2006/compatibility" xmlns:p14="http://schemas.microsoft.com/office/powerpoint/2010/main" xmlns:p15="http://schemas.microsoft.com/office/powerpoint/2012/main" showMasterPhAnim="0" showMasterSp="0">
+<p:notes xmlns:a="http://schemas.openxmlformats.org/drawingml/2006/main" xmlns:r="http://schemas.openxmlformats.org/officeDocument/2006/relationships" xmlns:p="http://schemas.openxmlformats.org/presentationml/2006/main" showMasterSp="0" showMasterPhAnim="0">
   <p:cSld>
     <p:spTree>
       <p:nvGrpSpPr>
-        <p:cNvPr id="175" name="Shape 175"/>
+        <p:cNvPr id="1" name="Shape 175"/>
         <p:cNvGrpSpPr/>
         <p:nvPr/>
       </p:nvGrpSpPr>
@@ -1721,20 +1786,26 @@
       <p:sp>
         <p:nvSpPr>
           <p:cNvPr id="176" name="Google Shape;176;g42b6a26c69_0_151:notes"/>
-          <p:cNvSpPr/>
+          <p:cNvSpPr>
+            <a:spLocks noGrp="1" noRot="1" noChangeAspect="1"/>
+          </p:cNvSpPr>
           <p:nvPr>
-            <p:ph idx="2" type="sldImg"/>
+            <p:ph type="sldImg" idx="2"/>
           </p:nvPr>
         </p:nvSpPr>
         <p:spPr>
           <a:xfrm>
-            <a:off x="381300" y="685800"/>
+            <a:off x="381000" y="685800"/>
             <a:ext cx="6096000" cy="3429000"/>
           </a:xfrm>
           <a:custGeom>
-            <a:rect b="b" l="l" r="r" t="t"/>
+            <a:avLst/>
+            <a:gdLst/>
+            <a:ahLst/>
+            <a:cxnLst/>
+            <a:rect l="l" t="t" r="r" b="b"/>
             <a:pathLst>
-              <a:path extrusionOk="0" h="120000" w="120000">
+              <a:path w="120000" h="120000" extrusionOk="0">
                 <a:moveTo>
                   <a:pt x="0" y="0"/>
                 </a:moveTo>
@@ -1756,9 +1827,11 @@
       <p:sp>
         <p:nvSpPr>
           <p:cNvPr id="177" name="Google Shape;177;g42b6a26c69_0_151:notes"/>
-          <p:cNvSpPr txBox="1"/>
+          <p:cNvSpPr txBox="1">
+            <a:spLocks noGrp="1"/>
+          </p:cNvSpPr>
           <p:nvPr>
-            <p:ph idx="1" type="body"/>
+            <p:ph type="body" idx="1"/>
           </p:nvPr>
         </p:nvSpPr>
         <p:spPr>
@@ -1771,12 +1844,12 @@
           </a:prstGeom>
         </p:spPr>
         <p:txBody>
-          <a:bodyPr anchorCtr="0" anchor="t" bIns="91425" lIns="91425" spcFirstLastPara="1" rIns="91425" wrap="square" tIns="91425">
+          <a:bodyPr spcFirstLastPara="1" wrap="square" lIns="91425" tIns="91425" rIns="91425" bIns="91425" anchor="t" anchorCtr="0">
             <a:noAutofit/>
           </a:bodyPr>
           <a:lstStyle/>
           <a:p>
-            <a:pPr indent="0" lvl="0" marL="0" rtl="0" algn="l">
+            <a:pPr marL="0" lvl="0" indent="0" algn="l" rtl="0">
               <a:spcBef>
                 <a:spcPts val="0"/>
               </a:spcBef>
@@ -1785,9 +1858,6 @@
               </a:spcAft>
               <a:buNone/>
             </a:pPr>
-            <a:r>
-              <a:t/>
-            </a:r>
             <a:endParaRPr/>
           </a:p>
         </p:txBody>
@@ -1801,11 +1871,11 @@
 </file>
 
 <file path=ppt/notesSlides/notesSlide9.xml><?xml version="1.0" encoding="utf-8"?>
-<p:notes xmlns:a="http://schemas.openxmlformats.org/drawingml/2006/main" xmlns:r="http://schemas.openxmlformats.org/officeDocument/2006/relationships" xmlns:mc="http://schemas.openxmlformats.org/markup-compatibility/2006" xmlns:mv="urn:schemas-microsoft-com:mac:vml" xmlns:p="http://schemas.openxmlformats.org/presentationml/2006/main" xmlns:c="http://schemas.openxmlformats.org/drawingml/2006/chart" xmlns:dgm="http://schemas.openxmlformats.org/drawingml/2006/diagram" xmlns:o="urn:schemas-microsoft-com:office:office" xmlns:v="urn:schemas-microsoft-com:vml" xmlns:pvml="urn:schemas-microsoft-com:office:powerpoint" xmlns:com="http://schemas.openxmlformats.org/drawingml/2006/compatibility" xmlns:p14="http://schemas.microsoft.com/office/powerpoint/2010/main" xmlns:p15="http://schemas.microsoft.com/office/powerpoint/2012/main" showMasterPhAnim="0" showMasterSp="0">
+<p:notes xmlns:a="http://schemas.openxmlformats.org/drawingml/2006/main" xmlns:r="http://schemas.openxmlformats.org/officeDocument/2006/relationships" xmlns:p="http://schemas.openxmlformats.org/presentationml/2006/main" showMasterSp="0" showMasterPhAnim="0">
   <p:cSld>
     <p:spTree>
       <p:nvGrpSpPr>
-        <p:cNvPr id="181" name="Shape 181"/>
+        <p:cNvPr id="1" name="Shape 181"/>
         <p:cNvGrpSpPr/>
         <p:nvPr/>
       </p:nvGrpSpPr>
@@ -1820,9 +1890,11 @@
       <p:sp>
         <p:nvSpPr>
           <p:cNvPr id="182" name="Google Shape;182;g4231b4f298_0_1:notes"/>
-          <p:cNvSpPr/>
+          <p:cNvSpPr>
+            <a:spLocks noGrp="1" noRot="1" noChangeAspect="1"/>
+          </p:cNvSpPr>
           <p:nvPr>
-            <p:ph idx="2" type="sldImg"/>
+            <p:ph type="sldImg" idx="2"/>
           </p:nvPr>
         </p:nvSpPr>
         <p:spPr>
@@ -1831,9 +1903,13 @@
             <a:ext cx="6096000" cy="3429000"/>
           </a:xfrm>
           <a:custGeom>
-            <a:rect b="b" l="l" r="r" t="t"/>
+            <a:avLst/>
+            <a:gdLst/>
+            <a:ahLst/>
+            <a:cxnLst/>
+            <a:rect l="l" t="t" r="r" b="b"/>
             <a:pathLst>
-              <a:path extrusionOk="0" h="120000" w="120000">
+              <a:path w="120000" h="120000" extrusionOk="0">
                 <a:moveTo>
                   <a:pt x="0" y="0"/>
                 </a:moveTo>
@@ -1855,9 +1931,11 @@
       <p:sp>
         <p:nvSpPr>
           <p:cNvPr id="183" name="Google Shape;183;g4231b4f298_0_1:notes"/>
-          <p:cNvSpPr txBox="1"/>
+          <p:cNvSpPr txBox="1">
+            <a:spLocks noGrp="1"/>
+          </p:cNvSpPr>
           <p:nvPr>
-            <p:ph idx="1" type="body"/>
+            <p:ph type="body" idx="1"/>
           </p:nvPr>
         </p:nvSpPr>
         <p:spPr>
@@ -1870,12 +1948,12 @@
           </a:prstGeom>
         </p:spPr>
         <p:txBody>
-          <a:bodyPr anchorCtr="0" anchor="t" bIns="91425" lIns="91425" spcFirstLastPara="1" rIns="91425" wrap="square" tIns="91425">
+          <a:bodyPr spcFirstLastPara="1" wrap="square" lIns="91425" tIns="91425" rIns="91425" bIns="91425" anchor="t" anchorCtr="0">
             <a:noAutofit/>
           </a:bodyPr>
           <a:lstStyle/>
           <a:p>
-            <a:pPr indent="0" lvl="0" marL="0" rtl="0" algn="l">
+            <a:pPr marL="0" lvl="0" indent="0" algn="l" rtl="0">
               <a:spcBef>
                 <a:spcPts val="0"/>
               </a:spcBef>
@@ -1884,9 +1962,6 @@
               </a:spcAft>
               <a:buNone/>
             </a:pPr>
-            <a:r>
-              <a:t/>
-            </a:r>
             <a:endParaRPr/>
           </a:p>
         </p:txBody>
@@ -1900,11 +1975,11 @@
 </file>
 
 <file path=ppt/slideLayouts/slideLayout1.xml><?xml version="1.0" encoding="utf-8"?>
-<p:sldLayout xmlns:a="http://schemas.openxmlformats.org/drawingml/2006/main" xmlns:r="http://schemas.openxmlformats.org/officeDocument/2006/relationships" xmlns:mc="http://schemas.openxmlformats.org/markup-compatibility/2006" xmlns:mv="urn:schemas-microsoft-com:mac:vml" xmlns:p="http://schemas.openxmlformats.org/presentationml/2006/main" xmlns:c="http://schemas.openxmlformats.org/drawingml/2006/chart" xmlns:dgm="http://schemas.openxmlformats.org/drawingml/2006/diagram" xmlns:o="urn:schemas-microsoft-com:office:office" xmlns:v="urn:schemas-microsoft-com:vml" xmlns:pvml="urn:schemas-microsoft-com:office:powerpoint" xmlns:com="http://schemas.openxmlformats.org/drawingml/2006/compatibility" xmlns:p14="http://schemas.microsoft.com/office/powerpoint/2010/main" xmlns:p15="http://schemas.microsoft.com/office/powerpoint/2012/main" matchingName="Title slide" type="title">
+<p:sldLayout xmlns:a="http://schemas.openxmlformats.org/drawingml/2006/main" xmlns:r="http://schemas.openxmlformats.org/officeDocument/2006/relationships" xmlns:p="http://schemas.openxmlformats.org/presentationml/2006/main" matchingName="Title slide" type="title">
   <p:cSld name="TITLE">
     <p:spTree>
       <p:nvGrpSpPr>
-        <p:cNvPr id="9" name="Shape 9"/>
+        <p:cNvPr id="1" name="Shape 9"/>
         <p:cNvGrpSpPr/>
         <p:nvPr/>
       </p:nvGrpSpPr>
@@ -1929,7 +2004,7 @@
           </a:xfrm>
           <a:prstGeom prst="diagStripe">
             <a:avLst>
-              <a:gd fmla="val 0" name="adj"/>
+              <a:gd name="adj" fmla="val 0"/>
             </a:avLst>
           </a:prstGeom>
           <a:solidFill>
@@ -1942,12 +2017,12 @@
           </a:ln>
         </p:spPr>
         <p:txBody>
-          <a:bodyPr anchorCtr="0" anchor="ctr" bIns="91425" lIns="91425" spcFirstLastPara="1" rIns="91425" wrap="square" tIns="91425">
+          <a:bodyPr spcFirstLastPara="1" wrap="square" lIns="91425" tIns="91425" rIns="91425" bIns="91425" anchor="ctr" anchorCtr="0">
             <a:noAutofit/>
           </a:bodyPr>
           <a:lstStyle/>
           <a:p>
-            <a:pPr indent="0" lvl="0" marL="0" rtl="0" algn="l">
+            <a:pPr marL="0" lvl="0" indent="0" algn="l" rtl="0">
               <a:spcBef>
                 <a:spcPts val="0"/>
               </a:spcBef>
@@ -1956,9 +2031,6 @@
               </a:spcAft>
               <a:buNone/>
             </a:pPr>
-            <a:r>
-              <a:t/>
-            </a:r>
             <a:endParaRPr/>
           </a:p>
         </p:txBody>
@@ -1990,7 +2062,7 @@
             </a:xfrm>
             <a:prstGeom prst="diagStripe">
               <a:avLst>
-                <a:gd fmla="val 50000" name="adj"/>
+                <a:gd name="adj" fmla="val 50000"/>
               </a:avLst>
             </a:prstGeom>
             <a:solidFill>
@@ -2003,12 +2075,12 @@
             </a:ln>
           </p:spPr>
           <p:txBody>
-            <a:bodyPr anchorCtr="0" anchor="ctr" bIns="91425" lIns="91425" spcFirstLastPara="1" rIns="91425" wrap="square" tIns="91425">
+            <a:bodyPr spcFirstLastPara="1" wrap="square" lIns="91425" tIns="91425" rIns="91425" bIns="91425" anchor="ctr" anchorCtr="0">
               <a:noAutofit/>
             </a:bodyPr>
             <a:lstStyle/>
             <a:p>
-              <a:pPr indent="0" lvl="0" marL="0" rtl="0" algn="l">
+              <a:pPr marL="0" lvl="0" indent="0" algn="l" rtl="0">
                 <a:spcBef>
                   <a:spcPts val="0"/>
                 </a:spcBef>
@@ -2017,9 +2089,6 @@
                 </a:spcAft>
                 <a:buNone/>
               </a:pPr>
-              <a:r>
-                <a:t/>
-              </a:r>
               <a:endParaRPr/>
             </a:p>
           </p:txBody>
@@ -2037,7 +2106,7 @@
             </a:xfrm>
             <a:prstGeom prst="diagStripe">
               <a:avLst>
-                <a:gd fmla="val 58774" name="adj"/>
+                <a:gd name="adj" fmla="val 58774"/>
               </a:avLst>
             </a:prstGeom>
             <a:solidFill>
@@ -2050,12 +2119,12 @@
             </a:ln>
           </p:spPr>
           <p:txBody>
-            <a:bodyPr anchorCtr="0" anchor="ctr" bIns="91425" lIns="91425" spcFirstLastPara="1" rIns="91425" wrap="square" tIns="91425">
+            <a:bodyPr spcFirstLastPara="1" wrap="square" lIns="91425" tIns="91425" rIns="91425" bIns="91425" anchor="ctr" anchorCtr="0">
               <a:noAutofit/>
             </a:bodyPr>
             <a:lstStyle/>
             <a:p>
-              <a:pPr indent="0" lvl="0" marL="0" rtl="0" algn="l">
+              <a:pPr marL="0" lvl="0" indent="0" algn="l" rtl="0">
                 <a:spcBef>
                   <a:spcPts val="0"/>
                 </a:spcBef>
@@ -2064,9 +2133,6 @@
                 </a:spcAft>
                 <a:buNone/>
               </a:pPr>
-              <a:r>
-                <a:t/>
-              </a:r>
               <a:endParaRPr/>
             </a:p>
           </p:txBody>
@@ -2084,7 +2150,7 @@
             </a:xfrm>
             <a:prstGeom prst="diagStripe">
               <a:avLst>
-                <a:gd fmla="val 50000" name="adj"/>
+                <a:gd name="adj" fmla="val 50000"/>
               </a:avLst>
             </a:prstGeom>
             <a:solidFill>
@@ -2095,12 +2161,12 @@
             </a:ln>
           </p:spPr>
           <p:txBody>
-            <a:bodyPr anchorCtr="0" anchor="ctr" bIns="91425" lIns="91425" spcFirstLastPara="1" rIns="91425" wrap="square" tIns="91425">
+            <a:bodyPr spcFirstLastPara="1" wrap="square" lIns="91425" tIns="91425" rIns="91425" bIns="91425" anchor="ctr" anchorCtr="0">
               <a:noAutofit/>
             </a:bodyPr>
             <a:lstStyle/>
             <a:p>
-              <a:pPr indent="0" lvl="0" marL="0" rtl="0" algn="l">
+              <a:pPr marL="0" lvl="0" indent="0" algn="l" rtl="0">
                 <a:spcBef>
                   <a:spcPts val="0"/>
                 </a:spcBef>
@@ -2109,9 +2175,6 @@
                 </a:spcAft>
                 <a:buNone/>
               </a:pPr>
-              <a:r>
-                <a:t/>
-              </a:r>
               <a:endParaRPr/>
             </a:p>
           </p:txBody>
@@ -2129,7 +2192,7 @@
             </a:xfrm>
             <a:prstGeom prst="diagStripe">
               <a:avLst>
-                <a:gd fmla="val 50000" name="adj"/>
+                <a:gd name="adj" fmla="val 50000"/>
               </a:avLst>
             </a:prstGeom>
             <a:solidFill>
@@ -2140,12 +2203,12 @@
             </a:ln>
           </p:spPr>
           <p:txBody>
-            <a:bodyPr anchorCtr="0" anchor="ctr" bIns="91425" lIns="91425" spcFirstLastPara="1" rIns="91425" wrap="square" tIns="91425">
+            <a:bodyPr spcFirstLastPara="1" wrap="square" lIns="91425" tIns="91425" rIns="91425" bIns="91425" anchor="ctr" anchorCtr="0">
               <a:noAutofit/>
             </a:bodyPr>
             <a:lstStyle/>
             <a:p>
-              <a:pPr indent="0" lvl="0" marL="0" rtl="0" algn="l">
+              <a:pPr marL="0" lvl="0" indent="0" algn="l" rtl="0">
                 <a:spcBef>
                   <a:spcPts val="0"/>
                 </a:spcBef>
@@ -2154,9 +2217,6 @@
                 </a:spcAft>
                 <a:buNone/>
               </a:pPr>
-              <a:r>
-                <a:t/>
-              </a:r>
               <a:endParaRPr/>
             </a:p>
           </p:txBody>
@@ -2165,7 +2225,9 @@
       <p:sp>
         <p:nvSpPr>
           <p:cNvPr id="16" name="Google Shape;16;p2"/>
-          <p:cNvSpPr txBox="1"/>
+          <p:cNvSpPr txBox="1">
+            <a:spLocks noGrp="1"/>
+          </p:cNvSpPr>
           <p:nvPr>
             <p:ph type="ctrTitle"/>
           </p:nvPr>
@@ -2180,7 +2242,7 @@
           </a:prstGeom>
         </p:spPr>
         <p:txBody>
-          <a:bodyPr anchorCtr="0" anchor="t" bIns="91425" lIns="91425" spcFirstLastPara="1" rIns="91425" wrap="square" tIns="91425"/>
+          <a:bodyPr spcFirstLastPara="1" wrap="square" lIns="91425" tIns="91425" rIns="91425" bIns="91425" anchor="t" anchorCtr="0"/>
           <a:lstStyle>
             <a:lvl1pPr lvl="0">
               <a:spcBef>
@@ -2282,15 +2344,19 @@
               <a:defRPr sz="4000"/>
             </a:lvl9pPr>
           </a:lstStyle>
-          <a:p/>
+          <a:p>
+            <a:endParaRPr/>
+          </a:p>
         </p:txBody>
       </p:sp>
       <p:sp>
         <p:nvSpPr>
           <p:cNvPr id="17" name="Google Shape;17;p2"/>
-          <p:cNvSpPr txBox="1"/>
+          <p:cNvSpPr txBox="1">
+            <a:spLocks noGrp="1"/>
+          </p:cNvSpPr>
           <p:nvPr>
-            <p:ph idx="1" type="subTitle"/>
+            <p:ph type="subTitle" idx="1"/>
           </p:nvPr>
         </p:nvSpPr>
         <p:spPr>
@@ -2303,7 +2369,7 @@
           </a:prstGeom>
         </p:spPr>
         <p:txBody>
-          <a:bodyPr anchorCtr="0" anchor="t" bIns="91425" lIns="91425" spcFirstLastPara="1" rIns="91425" wrap="square" tIns="91425"/>
+          <a:bodyPr spcFirstLastPara="1" wrap="square" lIns="91425" tIns="91425" rIns="91425" bIns="91425" anchor="t" anchorCtr="0"/>
           <a:lstStyle>
             <a:lvl1pPr lvl="0">
               <a:lnSpc>
@@ -2432,15 +2498,19 @@
               <a:defRPr sz="1300"/>
             </a:lvl9pPr>
           </a:lstStyle>
-          <a:p/>
+          <a:p>
+            <a:endParaRPr/>
+          </a:p>
         </p:txBody>
       </p:sp>
       <p:sp>
         <p:nvSpPr>
           <p:cNvPr id="18" name="Google Shape;18;p2"/>
-          <p:cNvSpPr txBox="1"/>
+          <p:cNvSpPr txBox="1">
+            <a:spLocks noGrp="1"/>
+          </p:cNvSpPr>
           <p:nvPr>
-            <p:ph idx="12" type="sldNum"/>
+            <p:ph type="sldNum" idx="12"/>
           </p:nvPr>
         </p:nvSpPr>
         <p:spPr>
@@ -2453,7 +2523,7 @@
           </a:prstGeom>
         </p:spPr>
         <p:txBody>
-          <a:bodyPr anchorCtr="0" anchor="ctr" bIns="91425" lIns="91425" spcFirstLastPara="1" rIns="91425" wrap="square" tIns="91425">
+          <a:bodyPr spcFirstLastPara="1" wrap="square" lIns="91425" tIns="91425" rIns="91425" bIns="91425" anchor="ctr" anchorCtr="0">
             <a:noAutofit/>
           </a:bodyPr>
           <a:lstStyle>
@@ -2495,7 +2565,7 @@
             </a:lvl9pPr>
           </a:lstStyle>
           <a:p>
-            <a:pPr indent="0" lvl="0" marL="0" rtl="0" algn="r">
+            <a:pPr marL="0" lvl="0" indent="0" algn="r" rtl="0">
               <a:spcBef>
                 <a:spcPts val="0"/>
               </a:spcBef>
@@ -2521,11 +2591,11 @@
 </file>
 
 <file path=ppt/slideLayouts/slideLayout10.xml><?xml version="1.0" encoding="utf-8"?>
-<p:sldLayout xmlns:a="http://schemas.openxmlformats.org/drawingml/2006/main" xmlns:r="http://schemas.openxmlformats.org/officeDocument/2006/relationships" xmlns:mc="http://schemas.openxmlformats.org/markup-compatibility/2006" xmlns:mv="urn:schemas-microsoft-com:mac:vml" xmlns:p="http://schemas.openxmlformats.org/presentationml/2006/main" xmlns:c="http://schemas.openxmlformats.org/drawingml/2006/chart" xmlns:dgm="http://schemas.openxmlformats.org/drawingml/2006/diagram" xmlns:o="urn:schemas-microsoft-com:office:office" xmlns:v="urn:schemas-microsoft-com:vml" xmlns:pvml="urn:schemas-microsoft-com:office:powerpoint" xmlns:com="http://schemas.openxmlformats.org/drawingml/2006/compatibility" xmlns:p14="http://schemas.microsoft.com/office/powerpoint/2010/main" xmlns:p15="http://schemas.microsoft.com/office/powerpoint/2012/main" matchingName="Big number">
+<p:sldLayout xmlns:a="http://schemas.openxmlformats.org/drawingml/2006/main" xmlns:r="http://schemas.openxmlformats.org/officeDocument/2006/relationships" xmlns:p="http://schemas.openxmlformats.org/presentationml/2006/main" matchingName="Big number">
   <p:cSld name="BIG_NUMBER">
     <p:spTree>
       <p:nvGrpSpPr>
-        <p:cNvPr id="105" name="Shape 105"/>
+        <p:cNvPr id="1" name="Shape 105"/>
         <p:cNvGrpSpPr/>
         <p:nvPr/>
       </p:nvGrpSpPr>
@@ -2564,7 +2634,7 @@
             </a:xfrm>
             <a:prstGeom prst="diagStripe">
               <a:avLst>
-                <a:gd fmla="val 49469" name="adj"/>
+                <a:gd name="adj" fmla="val 49469"/>
               </a:avLst>
             </a:prstGeom>
             <a:solidFill>
@@ -2577,12 +2647,12 @@
             </a:ln>
           </p:spPr>
           <p:txBody>
-            <a:bodyPr anchorCtr="0" anchor="ctr" bIns="91425" lIns="91425" spcFirstLastPara="1" rIns="91425" wrap="square" tIns="91425">
+            <a:bodyPr spcFirstLastPara="1" wrap="square" lIns="91425" tIns="91425" rIns="91425" bIns="91425" anchor="ctr" anchorCtr="0">
               <a:noAutofit/>
             </a:bodyPr>
             <a:lstStyle/>
             <a:p>
-              <a:pPr indent="0" lvl="0" marL="0" rtl="0" algn="l">
+              <a:pPr marL="0" lvl="0" indent="0" algn="l" rtl="0">
                 <a:spcBef>
                   <a:spcPts val="0"/>
                 </a:spcBef>
@@ -2591,9 +2661,6 @@
                 </a:spcAft>
                 <a:buNone/>
               </a:pPr>
-              <a:r>
-                <a:t/>
-              </a:r>
               <a:endParaRPr/>
             </a:p>
           </p:txBody>
@@ -2611,7 +2678,7 @@
             </a:xfrm>
             <a:prstGeom prst="diagStripe">
               <a:avLst>
-                <a:gd fmla="val 0" name="adj"/>
+                <a:gd name="adj" fmla="val 0"/>
               </a:avLst>
             </a:prstGeom>
             <a:solidFill>
@@ -2624,12 +2691,12 @@
             </a:ln>
           </p:spPr>
           <p:txBody>
-            <a:bodyPr anchorCtr="0" anchor="ctr" bIns="91425" lIns="91425" spcFirstLastPara="1" rIns="91425" wrap="square" tIns="91425">
+            <a:bodyPr spcFirstLastPara="1" wrap="square" lIns="91425" tIns="91425" rIns="91425" bIns="91425" anchor="ctr" anchorCtr="0">
               <a:noAutofit/>
             </a:bodyPr>
             <a:lstStyle/>
             <a:p>
-              <a:pPr indent="0" lvl="0" marL="0" rtl="0" algn="l">
+              <a:pPr marL="0" lvl="0" indent="0" algn="l" rtl="0">
                 <a:spcBef>
                   <a:spcPts val="0"/>
                 </a:spcBef>
@@ -2638,9 +2705,6 @@
                 </a:spcAft>
                 <a:buNone/>
               </a:pPr>
-              <a:r>
-                <a:t/>
-              </a:r>
               <a:endParaRPr/>
             </a:p>
           </p:txBody>
@@ -2658,7 +2722,7 @@
             </a:xfrm>
             <a:prstGeom prst="diagStripe">
               <a:avLst>
-                <a:gd fmla="val 50000" name="adj"/>
+                <a:gd name="adj" fmla="val 50000"/>
               </a:avLst>
             </a:prstGeom>
             <a:solidFill>
@@ -2671,12 +2735,12 @@
             </a:ln>
           </p:spPr>
           <p:txBody>
-            <a:bodyPr anchorCtr="0" anchor="ctr" bIns="91425" lIns="91425" spcFirstLastPara="1" rIns="91425" wrap="square" tIns="91425">
+            <a:bodyPr spcFirstLastPara="1" wrap="square" lIns="91425" tIns="91425" rIns="91425" bIns="91425" anchor="ctr" anchorCtr="0">
               <a:noAutofit/>
             </a:bodyPr>
             <a:lstStyle/>
             <a:p>
-              <a:pPr indent="0" lvl="0" marL="0" rtl="0" algn="l">
+              <a:pPr marL="0" lvl="0" indent="0" algn="l" rtl="0">
                 <a:spcBef>
                   <a:spcPts val="0"/>
                 </a:spcBef>
@@ -2685,9 +2749,6 @@
                 </a:spcAft>
                 <a:buNone/>
               </a:pPr>
-              <a:r>
-                <a:t/>
-              </a:r>
               <a:endParaRPr/>
             </a:p>
           </p:txBody>
@@ -2705,7 +2766,7 @@
             </a:xfrm>
             <a:prstGeom prst="diagStripe">
               <a:avLst>
-                <a:gd fmla="val 50000" name="adj"/>
+                <a:gd name="adj" fmla="val 50000"/>
               </a:avLst>
             </a:prstGeom>
             <a:solidFill>
@@ -2718,12 +2779,12 @@
             </a:ln>
           </p:spPr>
           <p:txBody>
-            <a:bodyPr anchorCtr="0" anchor="ctr" bIns="91425" lIns="91425" spcFirstLastPara="1" rIns="91425" wrap="square" tIns="91425">
+            <a:bodyPr spcFirstLastPara="1" wrap="square" lIns="91425" tIns="91425" rIns="91425" bIns="91425" anchor="ctr" anchorCtr="0">
               <a:noAutofit/>
             </a:bodyPr>
             <a:lstStyle/>
             <a:p>
-              <a:pPr indent="0" lvl="0" marL="0" rtl="0" algn="l">
+              <a:pPr marL="0" lvl="0" indent="0" algn="l" rtl="0">
                 <a:spcBef>
                   <a:spcPts val="0"/>
                 </a:spcBef>
@@ -2732,9 +2793,6 @@
                 </a:spcAft>
                 <a:buNone/>
               </a:pPr>
-              <a:r>
-                <a:t/>
-              </a:r>
               <a:endParaRPr/>
             </a:p>
           </p:txBody>
@@ -2752,7 +2810,7 @@
             </a:xfrm>
             <a:prstGeom prst="diagStripe">
               <a:avLst>
-                <a:gd fmla="val 50000" name="adj"/>
+                <a:gd name="adj" fmla="val 50000"/>
               </a:avLst>
             </a:prstGeom>
             <a:solidFill>
@@ -2765,12 +2823,12 @@
             </a:ln>
           </p:spPr>
           <p:txBody>
-            <a:bodyPr anchorCtr="0" anchor="ctr" bIns="91425" lIns="91425" spcFirstLastPara="1" rIns="91425" wrap="square" tIns="91425">
+            <a:bodyPr spcFirstLastPara="1" wrap="square" lIns="91425" tIns="91425" rIns="91425" bIns="91425" anchor="ctr" anchorCtr="0">
               <a:noAutofit/>
             </a:bodyPr>
             <a:lstStyle/>
             <a:p>
-              <a:pPr indent="0" lvl="0" marL="0" rtl="0" algn="l">
+              <a:pPr marL="0" lvl="0" indent="0" algn="l" rtl="0">
                 <a:spcBef>
                   <a:spcPts val="0"/>
                 </a:spcBef>
@@ -2779,9 +2837,6 @@
                 </a:spcAft>
                 <a:buNone/>
               </a:pPr>
-              <a:r>
-                <a:t/>
-              </a:r>
               <a:endParaRPr/>
             </a:p>
           </p:txBody>
@@ -2799,7 +2854,7 @@
             </a:xfrm>
             <a:prstGeom prst="diagStripe">
               <a:avLst>
-                <a:gd fmla="val 50000" name="adj"/>
+                <a:gd name="adj" fmla="val 50000"/>
               </a:avLst>
             </a:prstGeom>
             <a:solidFill>
@@ -2812,12 +2867,12 @@
             </a:ln>
           </p:spPr>
           <p:txBody>
-            <a:bodyPr anchorCtr="0" anchor="ctr" bIns="91425" lIns="91425" spcFirstLastPara="1" rIns="91425" wrap="square" tIns="91425">
+            <a:bodyPr spcFirstLastPara="1" wrap="square" lIns="91425" tIns="91425" rIns="91425" bIns="91425" anchor="ctr" anchorCtr="0">
               <a:noAutofit/>
             </a:bodyPr>
             <a:lstStyle/>
             <a:p>
-              <a:pPr indent="0" lvl="0" marL="0" rtl="0" algn="l">
+              <a:pPr marL="0" lvl="0" indent="0" algn="l" rtl="0">
                 <a:spcBef>
                   <a:spcPts val="0"/>
                 </a:spcBef>
@@ -2826,9 +2881,6 @@
                 </a:spcAft>
                 <a:buNone/>
               </a:pPr>
-              <a:r>
-                <a:t/>
-              </a:r>
               <a:endParaRPr/>
             </a:p>
           </p:txBody>
@@ -2846,7 +2898,7 @@
             </a:xfrm>
             <a:prstGeom prst="diagStripe">
               <a:avLst>
-                <a:gd fmla="val 50000" name="adj"/>
+                <a:gd name="adj" fmla="val 50000"/>
               </a:avLst>
             </a:prstGeom>
             <a:solidFill>
@@ -2859,12 +2911,12 @@
             </a:ln>
           </p:spPr>
           <p:txBody>
-            <a:bodyPr anchorCtr="0" anchor="ctr" bIns="91425" lIns="91425" spcFirstLastPara="1" rIns="91425" wrap="square" tIns="91425">
+            <a:bodyPr spcFirstLastPara="1" wrap="square" lIns="91425" tIns="91425" rIns="91425" bIns="91425" anchor="ctr" anchorCtr="0">
               <a:noAutofit/>
             </a:bodyPr>
             <a:lstStyle/>
             <a:p>
-              <a:pPr indent="0" lvl="0" marL="0" rtl="0" algn="l">
+              <a:pPr marL="0" lvl="0" indent="0" algn="l" rtl="0">
                 <a:spcBef>
                   <a:spcPts val="0"/>
                 </a:spcBef>
@@ -2873,9 +2925,6 @@
                 </a:spcAft>
                 <a:buNone/>
               </a:pPr>
-              <a:r>
-                <a:t/>
-              </a:r>
               <a:endParaRPr/>
             </a:p>
           </p:txBody>
@@ -2893,7 +2942,7 @@
             </a:xfrm>
             <a:prstGeom prst="diagStripe">
               <a:avLst>
-                <a:gd fmla="val 50000" name="adj"/>
+                <a:gd name="adj" fmla="val 50000"/>
               </a:avLst>
             </a:prstGeom>
             <a:solidFill>
@@ -2904,12 +2953,12 @@
             </a:ln>
           </p:spPr>
           <p:txBody>
-            <a:bodyPr anchorCtr="0" anchor="ctr" bIns="91425" lIns="91425" spcFirstLastPara="1" rIns="91425" wrap="square" tIns="91425">
+            <a:bodyPr spcFirstLastPara="1" wrap="square" lIns="91425" tIns="91425" rIns="91425" bIns="91425" anchor="ctr" anchorCtr="0">
               <a:noAutofit/>
             </a:bodyPr>
             <a:lstStyle/>
             <a:p>
-              <a:pPr indent="0" lvl="0" marL="0" rtl="0" algn="l">
+              <a:pPr marL="0" lvl="0" indent="0" algn="l" rtl="0">
                 <a:spcBef>
                   <a:spcPts val="0"/>
                 </a:spcBef>
@@ -2918,9 +2967,6 @@
                 </a:spcAft>
                 <a:buNone/>
               </a:pPr>
-              <a:r>
-                <a:t/>
-              </a:r>
               <a:endParaRPr/>
             </a:p>
           </p:txBody>
@@ -2938,7 +2984,7 @@
             </a:xfrm>
             <a:prstGeom prst="diagStripe">
               <a:avLst>
-                <a:gd fmla="val 50000" name="adj"/>
+                <a:gd name="adj" fmla="val 50000"/>
               </a:avLst>
             </a:prstGeom>
             <a:solidFill>
@@ -2951,12 +2997,12 @@
             </a:ln>
           </p:spPr>
           <p:txBody>
-            <a:bodyPr anchorCtr="0" anchor="ctr" bIns="91425" lIns="91425" spcFirstLastPara="1" rIns="91425" wrap="square" tIns="91425">
+            <a:bodyPr spcFirstLastPara="1" wrap="square" lIns="91425" tIns="91425" rIns="91425" bIns="91425" anchor="ctr" anchorCtr="0">
               <a:noAutofit/>
             </a:bodyPr>
             <a:lstStyle/>
             <a:p>
-              <a:pPr indent="0" lvl="0" marL="0" rtl="0" algn="l">
+              <a:pPr marL="0" lvl="0" indent="0" algn="l" rtl="0">
                 <a:spcBef>
                   <a:spcPts val="0"/>
                 </a:spcBef>
@@ -2965,9 +3011,6 @@
                 </a:spcAft>
                 <a:buNone/>
               </a:pPr>
-              <a:r>
-                <a:t/>
-              </a:r>
               <a:endParaRPr/>
             </a:p>
           </p:txBody>
@@ -2985,7 +3028,7 @@
             </a:xfrm>
             <a:prstGeom prst="diagStripe">
               <a:avLst>
-                <a:gd fmla="val 50000" name="adj"/>
+                <a:gd name="adj" fmla="val 50000"/>
               </a:avLst>
             </a:prstGeom>
             <a:solidFill>
@@ -2998,12 +3041,12 @@
             </a:ln>
           </p:spPr>
           <p:txBody>
-            <a:bodyPr anchorCtr="0" anchor="ctr" bIns="91425" lIns="91425" spcFirstLastPara="1" rIns="91425" wrap="square" tIns="91425">
+            <a:bodyPr spcFirstLastPara="1" wrap="square" lIns="91425" tIns="91425" rIns="91425" bIns="91425" anchor="ctr" anchorCtr="0">
               <a:noAutofit/>
             </a:bodyPr>
             <a:lstStyle/>
             <a:p>
-              <a:pPr indent="0" lvl="0" marL="0" rtl="0" algn="l">
+              <a:pPr marL="0" lvl="0" indent="0" algn="l" rtl="0">
                 <a:spcBef>
                   <a:spcPts val="0"/>
                 </a:spcBef>
@@ -3012,9 +3055,6 @@
                 </a:spcAft>
                 <a:buNone/>
               </a:pPr>
-              <a:r>
-                <a:t/>
-              </a:r>
               <a:endParaRPr/>
             </a:p>
           </p:txBody>
@@ -3032,7 +3072,7 @@
             </a:xfrm>
             <a:prstGeom prst="diagStripe">
               <a:avLst>
-                <a:gd fmla="val 50000" name="adj"/>
+                <a:gd name="adj" fmla="val 50000"/>
               </a:avLst>
             </a:prstGeom>
             <a:solidFill>
@@ -3045,12 +3085,12 @@
             </a:ln>
           </p:spPr>
           <p:txBody>
-            <a:bodyPr anchorCtr="0" anchor="ctr" bIns="91425" lIns="91425" spcFirstLastPara="1" rIns="91425" wrap="square" tIns="91425">
+            <a:bodyPr spcFirstLastPara="1" wrap="square" lIns="91425" tIns="91425" rIns="91425" bIns="91425" anchor="ctr" anchorCtr="0">
               <a:noAutofit/>
             </a:bodyPr>
             <a:lstStyle/>
             <a:p>
-              <a:pPr indent="0" lvl="0" marL="0" rtl="0" algn="l">
+              <a:pPr marL="0" lvl="0" indent="0" algn="l" rtl="0">
                 <a:spcBef>
                   <a:spcPts val="0"/>
                 </a:spcBef>
@@ -3059,9 +3099,6 @@
                 </a:spcAft>
                 <a:buNone/>
               </a:pPr>
-              <a:r>
-                <a:t/>
-              </a:r>
               <a:endParaRPr/>
             </a:p>
           </p:txBody>
@@ -3079,7 +3116,7 @@
             </a:xfrm>
             <a:prstGeom prst="diagStripe">
               <a:avLst>
-                <a:gd fmla="val 50000" name="adj"/>
+                <a:gd name="adj" fmla="val 50000"/>
               </a:avLst>
             </a:prstGeom>
             <a:solidFill>
@@ -3092,12 +3129,12 @@
             </a:ln>
           </p:spPr>
           <p:txBody>
-            <a:bodyPr anchorCtr="0" anchor="ctr" bIns="91425" lIns="91425" spcFirstLastPara="1" rIns="91425" wrap="square" tIns="91425">
+            <a:bodyPr spcFirstLastPara="1" wrap="square" lIns="91425" tIns="91425" rIns="91425" bIns="91425" anchor="ctr" anchorCtr="0">
               <a:noAutofit/>
             </a:bodyPr>
             <a:lstStyle/>
             <a:p>
-              <a:pPr indent="0" lvl="0" marL="0" rtl="0" algn="l">
+              <a:pPr marL="0" lvl="0" indent="0" algn="l" rtl="0">
                 <a:spcBef>
                   <a:spcPts val="0"/>
                 </a:spcBef>
@@ -3106,9 +3143,6 @@
                 </a:spcAft>
                 <a:buNone/>
               </a:pPr>
-              <a:r>
-                <a:t/>
-              </a:r>
               <a:endParaRPr/>
             </a:p>
           </p:txBody>
@@ -3126,7 +3160,7 @@
             </a:xfrm>
             <a:prstGeom prst="diagStripe">
               <a:avLst>
-                <a:gd fmla="val 50000" name="adj"/>
+                <a:gd name="adj" fmla="val 50000"/>
               </a:avLst>
             </a:prstGeom>
             <a:solidFill>
@@ -3139,12 +3173,12 @@
             </a:ln>
           </p:spPr>
           <p:txBody>
-            <a:bodyPr anchorCtr="0" anchor="ctr" bIns="91425" lIns="91425" spcFirstLastPara="1" rIns="91425" wrap="square" tIns="91425">
+            <a:bodyPr spcFirstLastPara="1" wrap="square" lIns="91425" tIns="91425" rIns="91425" bIns="91425" anchor="ctr" anchorCtr="0">
               <a:noAutofit/>
             </a:bodyPr>
             <a:lstStyle/>
             <a:p>
-              <a:pPr indent="0" lvl="0" marL="0" rtl="0" algn="l">
+              <a:pPr marL="0" lvl="0" indent="0" algn="l" rtl="0">
                 <a:spcBef>
                   <a:spcPts val="0"/>
                 </a:spcBef>
@@ -3153,9 +3187,6 @@
                 </a:spcAft>
                 <a:buNone/>
               </a:pPr>
-              <a:r>
-                <a:t/>
-              </a:r>
               <a:endParaRPr/>
             </a:p>
           </p:txBody>
@@ -3173,7 +3204,7 @@
             </a:xfrm>
             <a:prstGeom prst="diagStripe">
               <a:avLst>
-                <a:gd fmla="val 50000" name="adj"/>
+                <a:gd name="adj" fmla="val 50000"/>
               </a:avLst>
             </a:prstGeom>
             <a:solidFill>
@@ -3184,12 +3215,12 @@
             </a:ln>
           </p:spPr>
           <p:txBody>
-            <a:bodyPr anchorCtr="0" anchor="ctr" bIns="91425" lIns="91425" spcFirstLastPara="1" rIns="91425" wrap="square" tIns="91425">
+            <a:bodyPr spcFirstLastPara="1" wrap="square" lIns="91425" tIns="91425" rIns="91425" bIns="91425" anchor="ctr" anchorCtr="0">
               <a:noAutofit/>
             </a:bodyPr>
             <a:lstStyle/>
             <a:p>
-              <a:pPr indent="0" lvl="0" marL="0" rtl="0" algn="l">
+              <a:pPr marL="0" lvl="0" indent="0" algn="l" rtl="0">
                 <a:spcBef>
                   <a:spcPts val="0"/>
                 </a:spcBef>
@@ -3198,9 +3229,6 @@
                 </a:spcAft>
                 <a:buNone/>
               </a:pPr>
-              <a:r>
-                <a:t/>
-              </a:r>
               <a:endParaRPr/>
             </a:p>
           </p:txBody>
@@ -3218,7 +3246,7 @@
             </a:xfrm>
             <a:prstGeom prst="diagStripe">
               <a:avLst>
-                <a:gd fmla="val 50000" name="adj"/>
+                <a:gd name="adj" fmla="val 50000"/>
               </a:avLst>
             </a:prstGeom>
             <a:solidFill>
@@ -3231,12 +3259,12 @@
             </a:ln>
           </p:spPr>
           <p:txBody>
-            <a:bodyPr anchorCtr="0" anchor="ctr" bIns="91425" lIns="91425" spcFirstLastPara="1" rIns="91425" wrap="square" tIns="91425">
+            <a:bodyPr spcFirstLastPara="1" wrap="square" lIns="91425" tIns="91425" rIns="91425" bIns="91425" anchor="ctr" anchorCtr="0">
               <a:noAutofit/>
             </a:bodyPr>
             <a:lstStyle/>
             <a:p>
-              <a:pPr indent="0" lvl="0" marL="0" rtl="0" algn="l">
+              <a:pPr marL="0" lvl="0" indent="0" algn="l" rtl="0">
                 <a:spcBef>
                   <a:spcPts val="0"/>
                 </a:spcBef>
@@ -3245,9 +3273,6 @@
                 </a:spcAft>
                 <a:buNone/>
               </a:pPr>
-              <a:r>
-                <a:t/>
-              </a:r>
               <a:endParaRPr/>
             </a:p>
           </p:txBody>
@@ -3265,7 +3290,7 @@
             </a:xfrm>
             <a:prstGeom prst="diagStripe">
               <a:avLst>
-                <a:gd fmla="val 50000" name="adj"/>
+                <a:gd name="adj" fmla="val 50000"/>
               </a:avLst>
             </a:prstGeom>
             <a:solidFill>
@@ -3278,12 +3303,12 @@
             </a:ln>
           </p:spPr>
           <p:txBody>
-            <a:bodyPr anchorCtr="0" anchor="ctr" bIns="91425" lIns="91425" spcFirstLastPara="1" rIns="91425" wrap="square" tIns="91425">
+            <a:bodyPr spcFirstLastPara="1" wrap="square" lIns="91425" tIns="91425" rIns="91425" bIns="91425" anchor="ctr" anchorCtr="0">
               <a:noAutofit/>
             </a:bodyPr>
             <a:lstStyle/>
             <a:p>
-              <a:pPr indent="0" lvl="0" marL="0" rtl="0" algn="l">
+              <a:pPr marL="0" lvl="0" indent="0" algn="l" rtl="0">
                 <a:spcBef>
                   <a:spcPts val="0"/>
                 </a:spcBef>
@@ -3292,9 +3317,6 @@
                 </a:spcAft>
                 <a:buNone/>
               </a:pPr>
-              <a:r>
-                <a:t/>
-              </a:r>
               <a:endParaRPr/>
             </a:p>
           </p:txBody>
@@ -3312,7 +3334,7 @@
             </a:xfrm>
             <a:prstGeom prst="diagStripe">
               <a:avLst>
-                <a:gd fmla="val 50000" name="adj"/>
+                <a:gd name="adj" fmla="val 50000"/>
               </a:avLst>
             </a:prstGeom>
             <a:solidFill>
@@ -3325,12 +3347,12 @@
             </a:ln>
           </p:spPr>
           <p:txBody>
-            <a:bodyPr anchorCtr="0" anchor="ctr" bIns="91425" lIns="91425" spcFirstLastPara="1" rIns="91425" wrap="square" tIns="91425">
+            <a:bodyPr spcFirstLastPara="1" wrap="square" lIns="91425" tIns="91425" rIns="91425" bIns="91425" anchor="ctr" anchorCtr="0">
               <a:noAutofit/>
             </a:bodyPr>
             <a:lstStyle/>
             <a:p>
-              <a:pPr indent="0" lvl="0" marL="0" rtl="0" algn="l">
+              <a:pPr marL="0" lvl="0" indent="0" algn="l" rtl="0">
                 <a:spcBef>
                   <a:spcPts val="0"/>
                 </a:spcBef>
@@ -3339,9 +3361,6 @@
                 </a:spcAft>
                 <a:buNone/>
               </a:pPr>
-              <a:r>
-                <a:t/>
-              </a:r>
               <a:endParaRPr/>
             </a:p>
           </p:txBody>
@@ -3359,7 +3378,7 @@
             </a:xfrm>
             <a:prstGeom prst="diagStripe">
               <a:avLst>
-                <a:gd fmla="val 50000" name="adj"/>
+                <a:gd name="adj" fmla="val 50000"/>
               </a:avLst>
             </a:prstGeom>
             <a:solidFill>
@@ -3372,12 +3391,12 @@
             </a:ln>
           </p:spPr>
           <p:txBody>
-            <a:bodyPr anchorCtr="0" anchor="ctr" bIns="91425" lIns="91425" spcFirstLastPara="1" rIns="91425" wrap="square" tIns="91425">
+            <a:bodyPr spcFirstLastPara="1" wrap="square" lIns="91425" tIns="91425" rIns="91425" bIns="91425" anchor="ctr" anchorCtr="0">
               <a:noAutofit/>
             </a:bodyPr>
             <a:lstStyle/>
             <a:p>
-              <a:pPr indent="0" lvl="0" marL="0" rtl="0" algn="l">
+              <a:pPr marL="0" lvl="0" indent="0" algn="l" rtl="0">
                 <a:spcBef>
                   <a:spcPts val="0"/>
                 </a:spcBef>
@@ -3386,9 +3405,6 @@
                 </a:spcAft>
                 <a:buNone/>
               </a:pPr>
-              <a:r>
-                <a:t/>
-              </a:r>
               <a:endParaRPr/>
             </a:p>
           </p:txBody>
@@ -3397,9 +3413,11 @@
       <p:sp>
         <p:nvSpPr>
           <p:cNvPr id="125" name="Google Shape;125;p11"/>
-          <p:cNvSpPr txBox="1"/>
+          <p:cNvSpPr txBox="1">
+            <a:spLocks noGrp="1"/>
+          </p:cNvSpPr>
           <p:nvPr>
-            <p:ph hasCustomPrompt="1" type="title"/>
+            <p:ph type="title" hasCustomPrompt="1"/>
           </p:nvPr>
         </p:nvSpPr>
         <p:spPr>
@@ -3412,7 +3430,7 @@
           </a:prstGeom>
         </p:spPr>
         <p:txBody>
-          <a:bodyPr anchorCtr="0" anchor="t" bIns="91425" lIns="91425" spcFirstLastPara="1" rIns="91425" wrap="square" tIns="91425"/>
+          <a:bodyPr spcFirstLastPara="1" wrap="square" lIns="91425" tIns="91425" rIns="91425" bIns="91425" anchor="t" anchorCtr="0"/>
           <a:lstStyle>
             <a:lvl1pPr lvl="0">
               <a:spcBef>
@@ -3524,9 +3542,11 @@
       <p:sp>
         <p:nvSpPr>
           <p:cNvPr id="126" name="Google Shape;126;p11"/>
-          <p:cNvSpPr txBox="1"/>
+          <p:cNvSpPr txBox="1">
+            <a:spLocks noGrp="1"/>
+          </p:cNvSpPr>
           <p:nvPr>
-            <p:ph idx="1" type="body"/>
+            <p:ph type="body" idx="1"/>
           </p:nvPr>
         </p:nvSpPr>
         <p:spPr>
@@ -3539,9 +3559,9 @@
           </a:prstGeom>
         </p:spPr>
         <p:txBody>
-          <a:bodyPr anchorCtr="0" anchor="t" bIns="91425" lIns="91425" spcFirstLastPara="1" rIns="91425" wrap="square" tIns="91425"/>
+          <a:bodyPr spcFirstLastPara="1" wrap="square" lIns="91425" tIns="91425" rIns="91425" bIns="91425" anchor="t" anchorCtr="0"/>
           <a:lstStyle>
-            <a:lvl1pPr indent="-311150" lvl="0" marL="457200">
+            <a:lvl1pPr marL="457200" lvl="0" indent="-311150">
               <a:spcBef>
                 <a:spcPts val="0"/>
               </a:spcBef>
@@ -3552,7 +3572,7 @@
               <a:buChar char="●"/>
               <a:defRPr/>
             </a:lvl1pPr>
-            <a:lvl2pPr indent="-298450" lvl="1" marL="914400">
+            <a:lvl2pPr marL="914400" lvl="1" indent="-298450">
               <a:spcBef>
                 <a:spcPts val="1600"/>
               </a:spcBef>
@@ -3563,7 +3583,7 @@
               <a:buChar char="○"/>
               <a:defRPr/>
             </a:lvl2pPr>
-            <a:lvl3pPr indent="-298450" lvl="2" marL="1371600">
+            <a:lvl3pPr marL="1371600" lvl="2" indent="-298450">
               <a:spcBef>
                 <a:spcPts val="1600"/>
               </a:spcBef>
@@ -3574,7 +3594,7 @@
               <a:buChar char="■"/>
               <a:defRPr/>
             </a:lvl3pPr>
-            <a:lvl4pPr indent="-298450" lvl="3" marL="1828800">
+            <a:lvl4pPr marL="1828800" lvl="3" indent="-298450">
               <a:spcBef>
                 <a:spcPts val="1600"/>
               </a:spcBef>
@@ -3585,7 +3605,7 @@
               <a:buChar char="●"/>
               <a:defRPr/>
             </a:lvl4pPr>
-            <a:lvl5pPr indent="-298450" lvl="4" marL="2286000">
+            <a:lvl5pPr marL="2286000" lvl="4" indent="-298450">
               <a:spcBef>
                 <a:spcPts val="1600"/>
               </a:spcBef>
@@ -3596,7 +3616,7 @@
               <a:buChar char="○"/>
               <a:defRPr/>
             </a:lvl5pPr>
-            <a:lvl6pPr indent="-298450" lvl="5" marL="2743200">
+            <a:lvl6pPr marL="2743200" lvl="5" indent="-298450">
               <a:spcBef>
                 <a:spcPts val="1600"/>
               </a:spcBef>
@@ -3607,7 +3627,7 @@
               <a:buChar char="■"/>
               <a:defRPr/>
             </a:lvl6pPr>
-            <a:lvl7pPr indent="-298450" lvl="6" marL="3200400">
+            <a:lvl7pPr marL="3200400" lvl="6" indent="-298450">
               <a:spcBef>
                 <a:spcPts val="1600"/>
               </a:spcBef>
@@ -3618,7 +3638,7 @@
               <a:buChar char="●"/>
               <a:defRPr/>
             </a:lvl7pPr>
-            <a:lvl8pPr indent="-298450" lvl="7" marL="3657600">
+            <a:lvl8pPr marL="3657600" lvl="7" indent="-298450">
               <a:spcBef>
                 <a:spcPts val="1600"/>
               </a:spcBef>
@@ -3629,7 +3649,7 @@
               <a:buChar char="○"/>
               <a:defRPr/>
             </a:lvl8pPr>
-            <a:lvl9pPr indent="-298450" lvl="8" marL="4114800">
+            <a:lvl9pPr marL="4114800" lvl="8" indent="-298450">
               <a:spcBef>
                 <a:spcPts val="1600"/>
               </a:spcBef>
@@ -3641,15 +3661,19 @@
               <a:defRPr/>
             </a:lvl9pPr>
           </a:lstStyle>
-          <a:p/>
+          <a:p>
+            <a:endParaRPr/>
+          </a:p>
         </p:txBody>
       </p:sp>
       <p:sp>
         <p:nvSpPr>
           <p:cNvPr id="127" name="Google Shape;127;p11"/>
-          <p:cNvSpPr txBox="1"/>
+          <p:cNvSpPr txBox="1">
+            <a:spLocks noGrp="1"/>
+          </p:cNvSpPr>
           <p:nvPr>
-            <p:ph idx="12" type="sldNum"/>
+            <p:ph type="sldNum" idx="12"/>
           </p:nvPr>
         </p:nvSpPr>
         <p:spPr>
@@ -3662,7 +3686,7 @@
           </a:prstGeom>
         </p:spPr>
         <p:txBody>
-          <a:bodyPr anchorCtr="0" anchor="ctr" bIns="91425" lIns="91425" spcFirstLastPara="1" rIns="91425" wrap="square" tIns="91425">
+          <a:bodyPr spcFirstLastPara="1" wrap="square" lIns="91425" tIns="91425" rIns="91425" bIns="91425" anchor="ctr" anchorCtr="0">
             <a:noAutofit/>
           </a:bodyPr>
           <a:lstStyle>
@@ -3704,7 +3728,7 @@
             </a:lvl9pPr>
           </a:lstStyle>
           <a:p>
-            <a:pPr indent="0" lvl="0" marL="0" rtl="0" algn="r">
+            <a:pPr marL="0" lvl="0" indent="0" algn="r" rtl="0">
               <a:spcBef>
                 <a:spcPts val="0"/>
               </a:spcBef>
@@ -3730,11 +3754,11 @@
 </file>
 
 <file path=ppt/slideLayouts/slideLayout11.xml><?xml version="1.0" encoding="utf-8"?>
-<p:sldLayout xmlns:a="http://schemas.openxmlformats.org/drawingml/2006/main" xmlns:r="http://schemas.openxmlformats.org/officeDocument/2006/relationships" xmlns:mc="http://schemas.openxmlformats.org/markup-compatibility/2006" xmlns:mv="urn:schemas-microsoft-com:mac:vml" xmlns:p="http://schemas.openxmlformats.org/presentationml/2006/main" xmlns:c="http://schemas.openxmlformats.org/drawingml/2006/chart" xmlns:dgm="http://schemas.openxmlformats.org/drawingml/2006/diagram" xmlns:o="urn:schemas-microsoft-com:office:office" xmlns:v="urn:schemas-microsoft-com:vml" xmlns:pvml="urn:schemas-microsoft-com:office:powerpoint" xmlns:com="http://schemas.openxmlformats.org/drawingml/2006/compatibility" xmlns:p14="http://schemas.microsoft.com/office/powerpoint/2010/main" xmlns:p15="http://schemas.microsoft.com/office/powerpoint/2012/main" matchingName="Blank" type="blank">
+<p:sldLayout xmlns:a="http://schemas.openxmlformats.org/drawingml/2006/main" xmlns:r="http://schemas.openxmlformats.org/officeDocument/2006/relationships" xmlns:p="http://schemas.openxmlformats.org/presentationml/2006/main" matchingName="Blank" type="blank">
   <p:cSld name="BLANK">
     <p:spTree>
       <p:nvGrpSpPr>
-        <p:cNvPr id="128" name="Shape 128"/>
+        <p:cNvPr id="1" name="Shape 128"/>
         <p:cNvGrpSpPr/>
         <p:nvPr/>
       </p:nvGrpSpPr>
@@ -3749,9 +3773,11 @@
       <p:sp>
         <p:nvSpPr>
           <p:cNvPr id="129" name="Google Shape;129;p12"/>
-          <p:cNvSpPr txBox="1"/>
+          <p:cNvSpPr txBox="1">
+            <a:spLocks noGrp="1"/>
+          </p:cNvSpPr>
           <p:nvPr>
-            <p:ph idx="12" type="sldNum"/>
+            <p:ph type="sldNum" idx="12"/>
           </p:nvPr>
         </p:nvSpPr>
         <p:spPr>
@@ -3764,7 +3790,7 @@
           </a:prstGeom>
         </p:spPr>
         <p:txBody>
-          <a:bodyPr anchorCtr="0" anchor="ctr" bIns="91425" lIns="91425" spcFirstLastPara="1" rIns="91425" wrap="square" tIns="91425">
+          <a:bodyPr spcFirstLastPara="1" wrap="square" lIns="91425" tIns="91425" rIns="91425" bIns="91425" anchor="ctr" anchorCtr="0">
             <a:noAutofit/>
           </a:bodyPr>
           <a:lstStyle>
@@ -3806,7 +3832,7 @@
             </a:lvl9pPr>
           </a:lstStyle>
           <a:p>
-            <a:pPr indent="0" lvl="0" marL="0" rtl="0" algn="r">
+            <a:pPr marL="0" lvl="0" indent="0" algn="r" rtl="0">
               <a:spcBef>
                 <a:spcPts val="0"/>
               </a:spcBef>
@@ -3832,11 +3858,11 @@
 </file>
 
 <file path=ppt/slideLayouts/slideLayout2.xml><?xml version="1.0" encoding="utf-8"?>
-<p:sldLayout xmlns:a="http://schemas.openxmlformats.org/drawingml/2006/main" xmlns:r="http://schemas.openxmlformats.org/officeDocument/2006/relationships" xmlns:mc="http://schemas.openxmlformats.org/markup-compatibility/2006" xmlns:mv="urn:schemas-microsoft-com:mac:vml" xmlns:p="http://schemas.openxmlformats.org/presentationml/2006/main" xmlns:c="http://schemas.openxmlformats.org/drawingml/2006/chart" xmlns:dgm="http://schemas.openxmlformats.org/drawingml/2006/diagram" xmlns:o="urn:schemas-microsoft-com:office:office" xmlns:v="urn:schemas-microsoft-com:vml" xmlns:pvml="urn:schemas-microsoft-com:office:powerpoint" xmlns:com="http://schemas.openxmlformats.org/drawingml/2006/compatibility" xmlns:p14="http://schemas.microsoft.com/office/powerpoint/2010/main" xmlns:p15="http://schemas.microsoft.com/office/powerpoint/2012/main" matchingName="Section header" type="secHead">
+<p:sldLayout xmlns:a="http://schemas.openxmlformats.org/drawingml/2006/main" xmlns:r="http://schemas.openxmlformats.org/officeDocument/2006/relationships" xmlns:p="http://schemas.openxmlformats.org/presentationml/2006/main" matchingName="Section header" type="secHead">
   <p:cSld name="SECTION_HEADER">
     <p:spTree>
       <p:nvGrpSpPr>
-        <p:cNvPr id="19" name="Shape 19"/>
+        <p:cNvPr id="1" name="Shape 19"/>
         <p:cNvGrpSpPr/>
         <p:nvPr/>
       </p:nvGrpSpPr>
@@ -3875,7 +3901,7 @@
             </a:xfrm>
             <a:prstGeom prst="diagStripe">
               <a:avLst>
-                <a:gd fmla="val 49469" name="adj"/>
+                <a:gd name="adj" fmla="val 49469"/>
               </a:avLst>
             </a:prstGeom>
             <a:solidFill>
@@ -3888,12 +3914,12 @@
             </a:ln>
           </p:spPr>
           <p:txBody>
-            <a:bodyPr anchorCtr="0" anchor="ctr" bIns="91425" lIns="91425" spcFirstLastPara="1" rIns="91425" wrap="square" tIns="91425">
+            <a:bodyPr spcFirstLastPara="1" wrap="square" lIns="91425" tIns="91425" rIns="91425" bIns="91425" anchor="ctr" anchorCtr="0">
               <a:noAutofit/>
             </a:bodyPr>
             <a:lstStyle/>
             <a:p>
-              <a:pPr indent="0" lvl="0" marL="0" rtl="0" algn="l">
+              <a:pPr marL="0" lvl="0" indent="0" algn="l" rtl="0">
                 <a:spcBef>
                   <a:spcPts val="0"/>
                 </a:spcBef>
@@ -3902,9 +3928,6 @@
                 </a:spcAft>
                 <a:buNone/>
               </a:pPr>
-              <a:r>
-                <a:t/>
-              </a:r>
               <a:endParaRPr/>
             </a:p>
           </p:txBody>
@@ -3922,7 +3945,7 @@
             </a:xfrm>
             <a:prstGeom prst="diagStripe">
               <a:avLst>
-                <a:gd fmla="val 0" name="adj"/>
+                <a:gd name="adj" fmla="val 0"/>
               </a:avLst>
             </a:prstGeom>
             <a:solidFill>
@@ -3935,12 +3958,12 @@
             </a:ln>
           </p:spPr>
           <p:txBody>
-            <a:bodyPr anchorCtr="0" anchor="ctr" bIns="91425" lIns="91425" spcFirstLastPara="1" rIns="91425" wrap="square" tIns="91425">
+            <a:bodyPr spcFirstLastPara="1" wrap="square" lIns="91425" tIns="91425" rIns="91425" bIns="91425" anchor="ctr" anchorCtr="0">
               <a:noAutofit/>
             </a:bodyPr>
             <a:lstStyle/>
             <a:p>
-              <a:pPr indent="0" lvl="0" marL="0" rtl="0" algn="l">
+              <a:pPr marL="0" lvl="0" indent="0" algn="l" rtl="0">
                 <a:spcBef>
                   <a:spcPts val="0"/>
                 </a:spcBef>
@@ -3949,9 +3972,6 @@
                 </a:spcAft>
                 <a:buNone/>
               </a:pPr>
-              <a:r>
-                <a:t/>
-              </a:r>
               <a:endParaRPr/>
             </a:p>
           </p:txBody>
@@ -3969,7 +3989,7 @@
             </a:xfrm>
             <a:prstGeom prst="diagStripe">
               <a:avLst>
-                <a:gd fmla="val 50000" name="adj"/>
+                <a:gd name="adj" fmla="val 50000"/>
               </a:avLst>
             </a:prstGeom>
             <a:solidFill>
@@ -3982,12 +4002,12 @@
             </a:ln>
           </p:spPr>
           <p:txBody>
-            <a:bodyPr anchorCtr="0" anchor="ctr" bIns="91425" lIns="91425" spcFirstLastPara="1" rIns="91425" wrap="square" tIns="91425">
+            <a:bodyPr spcFirstLastPara="1" wrap="square" lIns="91425" tIns="91425" rIns="91425" bIns="91425" anchor="ctr" anchorCtr="0">
               <a:noAutofit/>
             </a:bodyPr>
             <a:lstStyle/>
             <a:p>
-              <a:pPr indent="0" lvl="0" marL="0" rtl="0" algn="l">
+              <a:pPr marL="0" lvl="0" indent="0" algn="l" rtl="0">
                 <a:spcBef>
                   <a:spcPts val="0"/>
                 </a:spcBef>
@@ -3996,9 +4016,6 @@
                 </a:spcAft>
                 <a:buNone/>
               </a:pPr>
-              <a:r>
-                <a:t/>
-              </a:r>
               <a:endParaRPr/>
             </a:p>
           </p:txBody>
@@ -4016,7 +4033,7 @@
             </a:xfrm>
             <a:prstGeom prst="diagStripe">
               <a:avLst>
-                <a:gd fmla="val 50000" name="adj"/>
+                <a:gd name="adj" fmla="val 50000"/>
               </a:avLst>
             </a:prstGeom>
             <a:solidFill>
@@ -4029,12 +4046,12 @@
             </a:ln>
           </p:spPr>
           <p:txBody>
-            <a:bodyPr anchorCtr="0" anchor="ctr" bIns="91425" lIns="91425" spcFirstLastPara="1" rIns="91425" wrap="square" tIns="91425">
+            <a:bodyPr spcFirstLastPara="1" wrap="square" lIns="91425" tIns="91425" rIns="91425" bIns="91425" anchor="ctr" anchorCtr="0">
               <a:noAutofit/>
             </a:bodyPr>
             <a:lstStyle/>
             <a:p>
-              <a:pPr indent="0" lvl="0" marL="0" rtl="0" algn="l">
+              <a:pPr marL="0" lvl="0" indent="0" algn="l" rtl="0">
                 <a:spcBef>
                   <a:spcPts val="0"/>
                 </a:spcBef>
@@ -4043,9 +4060,6 @@
                 </a:spcAft>
                 <a:buNone/>
               </a:pPr>
-              <a:r>
-                <a:t/>
-              </a:r>
               <a:endParaRPr/>
             </a:p>
           </p:txBody>
@@ -4063,7 +4077,7 @@
             </a:xfrm>
             <a:prstGeom prst="diagStripe">
               <a:avLst>
-                <a:gd fmla="val 50000" name="adj"/>
+                <a:gd name="adj" fmla="val 50000"/>
               </a:avLst>
             </a:prstGeom>
             <a:solidFill>
@@ -4076,12 +4090,12 @@
             </a:ln>
           </p:spPr>
           <p:txBody>
-            <a:bodyPr anchorCtr="0" anchor="ctr" bIns="91425" lIns="91425" spcFirstLastPara="1" rIns="91425" wrap="square" tIns="91425">
+            <a:bodyPr spcFirstLastPara="1" wrap="square" lIns="91425" tIns="91425" rIns="91425" bIns="91425" anchor="ctr" anchorCtr="0">
               <a:noAutofit/>
             </a:bodyPr>
             <a:lstStyle/>
             <a:p>
-              <a:pPr indent="0" lvl="0" marL="0" rtl="0" algn="l">
+              <a:pPr marL="0" lvl="0" indent="0" algn="l" rtl="0">
                 <a:spcBef>
                   <a:spcPts val="0"/>
                 </a:spcBef>
@@ -4090,9 +4104,6 @@
                 </a:spcAft>
                 <a:buNone/>
               </a:pPr>
-              <a:r>
-                <a:t/>
-              </a:r>
               <a:endParaRPr/>
             </a:p>
           </p:txBody>
@@ -4110,7 +4121,7 @@
             </a:xfrm>
             <a:prstGeom prst="diagStripe">
               <a:avLst>
-                <a:gd fmla="val 50000" name="adj"/>
+                <a:gd name="adj" fmla="val 50000"/>
               </a:avLst>
             </a:prstGeom>
             <a:solidFill>
@@ -4123,12 +4134,12 @@
             </a:ln>
           </p:spPr>
           <p:txBody>
-            <a:bodyPr anchorCtr="0" anchor="ctr" bIns="91425" lIns="91425" spcFirstLastPara="1" rIns="91425" wrap="square" tIns="91425">
+            <a:bodyPr spcFirstLastPara="1" wrap="square" lIns="91425" tIns="91425" rIns="91425" bIns="91425" anchor="ctr" anchorCtr="0">
               <a:noAutofit/>
             </a:bodyPr>
             <a:lstStyle/>
             <a:p>
-              <a:pPr indent="0" lvl="0" marL="0" rtl="0" algn="l">
+              <a:pPr marL="0" lvl="0" indent="0" algn="l" rtl="0">
                 <a:spcBef>
                   <a:spcPts val="0"/>
                 </a:spcBef>
@@ -4137,9 +4148,6 @@
                 </a:spcAft>
                 <a:buNone/>
               </a:pPr>
-              <a:r>
-                <a:t/>
-              </a:r>
               <a:endParaRPr/>
             </a:p>
           </p:txBody>
@@ -4157,7 +4165,7 @@
             </a:xfrm>
             <a:prstGeom prst="diagStripe">
               <a:avLst>
-                <a:gd fmla="val 50000" name="adj"/>
+                <a:gd name="adj" fmla="val 50000"/>
               </a:avLst>
             </a:prstGeom>
             <a:solidFill>
@@ -4170,12 +4178,12 @@
             </a:ln>
           </p:spPr>
           <p:txBody>
-            <a:bodyPr anchorCtr="0" anchor="ctr" bIns="91425" lIns="91425" spcFirstLastPara="1" rIns="91425" wrap="square" tIns="91425">
+            <a:bodyPr spcFirstLastPara="1" wrap="square" lIns="91425" tIns="91425" rIns="91425" bIns="91425" anchor="ctr" anchorCtr="0">
               <a:noAutofit/>
             </a:bodyPr>
             <a:lstStyle/>
             <a:p>
-              <a:pPr indent="0" lvl="0" marL="0" rtl="0" algn="l">
+              <a:pPr marL="0" lvl="0" indent="0" algn="l" rtl="0">
                 <a:spcBef>
                   <a:spcPts val="0"/>
                 </a:spcBef>
@@ -4184,9 +4192,6 @@
                 </a:spcAft>
                 <a:buNone/>
               </a:pPr>
-              <a:r>
-                <a:t/>
-              </a:r>
               <a:endParaRPr/>
             </a:p>
           </p:txBody>
@@ -4204,7 +4209,7 @@
             </a:xfrm>
             <a:prstGeom prst="diagStripe">
               <a:avLst>
-                <a:gd fmla="val 50000" name="adj"/>
+                <a:gd name="adj" fmla="val 50000"/>
               </a:avLst>
             </a:prstGeom>
             <a:solidFill>
@@ -4215,12 +4220,12 @@
             </a:ln>
           </p:spPr>
           <p:txBody>
-            <a:bodyPr anchorCtr="0" anchor="ctr" bIns="91425" lIns="91425" spcFirstLastPara="1" rIns="91425" wrap="square" tIns="91425">
+            <a:bodyPr spcFirstLastPara="1" wrap="square" lIns="91425" tIns="91425" rIns="91425" bIns="91425" anchor="ctr" anchorCtr="0">
               <a:noAutofit/>
             </a:bodyPr>
             <a:lstStyle/>
             <a:p>
-              <a:pPr indent="0" lvl="0" marL="0" rtl="0" algn="l">
+              <a:pPr marL="0" lvl="0" indent="0" algn="l" rtl="0">
                 <a:spcBef>
                   <a:spcPts val="0"/>
                 </a:spcBef>
@@ -4229,9 +4234,6 @@
                 </a:spcAft>
                 <a:buNone/>
               </a:pPr>
-              <a:r>
-                <a:t/>
-              </a:r>
               <a:endParaRPr/>
             </a:p>
           </p:txBody>
@@ -4249,7 +4251,7 @@
             </a:xfrm>
             <a:prstGeom prst="diagStripe">
               <a:avLst>
-                <a:gd fmla="val 50000" name="adj"/>
+                <a:gd name="adj" fmla="val 50000"/>
               </a:avLst>
             </a:prstGeom>
             <a:solidFill>
@@ -4262,12 +4264,12 @@
             </a:ln>
           </p:spPr>
           <p:txBody>
-            <a:bodyPr anchorCtr="0" anchor="ctr" bIns="91425" lIns="91425" spcFirstLastPara="1" rIns="91425" wrap="square" tIns="91425">
+            <a:bodyPr spcFirstLastPara="1" wrap="square" lIns="91425" tIns="91425" rIns="91425" bIns="91425" anchor="ctr" anchorCtr="0">
               <a:noAutofit/>
             </a:bodyPr>
             <a:lstStyle/>
             <a:p>
-              <a:pPr indent="0" lvl="0" marL="0" rtl="0" algn="l">
+              <a:pPr marL="0" lvl="0" indent="0" algn="l" rtl="0">
                 <a:spcBef>
                   <a:spcPts val="0"/>
                 </a:spcBef>
@@ -4276,9 +4278,6 @@
                 </a:spcAft>
                 <a:buNone/>
               </a:pPr>
-              <a:r>
-                <a:t/>
-              </a:r>
               <a:endParaRPr/>
             </a:p>
           </p:txBody>
@@ -4296,7 +4295,7 @@
             </a:xfrm>
             <a:prstGeom prst="diagStripe">
               <a:avLst>
-                <a:gd fmla="val 50000" name="adj"/>
+                <a:gd name="adj" fmla="val 50000"/>
               </a:avLst>
             </a:prstGeom>
             <a:solidFill>
@@ -4309,12 +4308,12 @@
             </a:ln>
           </p:spPr>
           <p:txBody>
-            <a:bodyPr anchorCtr="0" anchor="ctr" bIns="91425" lIns="91425" spcFirstLastPara="1" rIns="91425" wrap="square" tIns="91425">
+            <a:bodyPr spcFirstLastPara="1" wrap="square" lIns="91425" tIns="91425" rIns="91425" bIns="91425" anchor="ctr" anchorCtr="0">
               <a:noAutofit/>
             </a:bodyPr>
             <a:lstStyle/>
             <a:p>
-              <a:pPr indent="0" lvl="0" marL="0" rtl="0" algn="l">
+              <a:pPr marL="0" lvl="0" indent="0" algn="l" rtl="0">
                 <a:spcBef>
                   <a:spcPts val="0"/>
                 </a:spcBef>
@@ -4323,9 +4322,6 @@
                 </a:spcAft>
                 <a:buNone/>
               </a:pPr>
-              <a:r>
-                <a:t/>
-              </a:r>
               <a:endParaRPr/>
             </a:p>
           </p:txBody>
@@ -4343,7 +4339,7 @@
             </a:xfrm>
             <a:prstGeom prst="diagStripe">
               <a:avLst>
-                <a:gd fmla="val 50000" name="adj"/>
+                <a:gd name="adj" fmla="val 50000"/>
               </a:avLst>
             </a:prstGeom>
             <a:solidFill>
@@ -4356,12 +4352,12 @@
             </a:ln>
           </p:spPr>
           <p:txBody>
-            <a:bodyPr anchorCtr="0" anchor="ctr" bIns="91425" lIns="91425" spcFirstLastPara="1" rIns="91425" wrap="square" tIns="91425">
+            <a:bodyPr spcFirstLastPara="1" wrap="square" lIns="91425" tIns="91425" rIns="91425" bIns="91425" anchor="ctr" anchorCtr="0">
               <a:noAutofit/>
             </a:bodyPr>
             <a:lstStyle/>
             <a:p>
-              <a:pPr indent="0" lvl="0" marL="0" rtl="0" algn="l">
+              <a:pPr marL="0" lvl="0" indent="0" algn="l" rtl="0">
                 <a:spcBef>
                   <a:spcPts val="0"/>
                 </a:spcBef>
@@ -4370,9 +4366,6 @@
                 </a:spcAft>
                 <a:buNone/>
               </a:pPr>
-              <a:r>
-                <a:t/>
-              </a:r>
               <a:endParaRPr/>
             </a:p>
           </p:txBody>
@@ -4390,7 +4383,7 @@
             </a:xfrm>
             <a:prstGeom prst="diagStripe">
               <a:avLst>
-                <a:gd fmla="val 50000" name="adj"/>
+                <a:gd name="adj" fmla="val 50000"/>
               </a:avLst>
             </a:prstGeom>
             <a:solidFill>
@@ -4403,12 +4396,12 @@
             </a:ln>
           </p:spPr>
           <p:txBody>
-            <a:bodyPr anchorCtr="0" anchor="ctr" bIns="91425" lIns="91425" spcFirstLastPara="1" rIns="91425" wrap="square" tIns="91425">
+            <a:bodyPr spcFirstLastPara="1" wrap="square" lIns="91425" tIns="91425" rIns="91425" bIns="91425" anchor="ctr" anchorCtr="0">
               <a:noAutofit/>
             </a:bodyPr>
             <a:lstStyle/>
             <a:p>
-              <a:pPr indent="0" lvl="0" marL="0" rtl="0" algn="l">
+              <a:pPr marL="0" lvl="0" indent="0" algn="l" rtl="0">
                 <a:spcBef>
                   <a:spcPts val="0"/>
                 </a:spcBef>
@@ -4417,9 +4410,6 @@
                 </a:spcAft>
                 <a:buNone/>
               </a:pPr>
-              <a:r>
-                <a:t/>
-              </a:r>
               <a:endParaRPr/>
             </a:p>
           </p:txBody>
@@ -4437,7 +4427,7 @@
             </a:xfrm>
             <a:prstGeom prst="diagStripe">
               <a:avLst>
-                <a:gd fmla="val 50000" name="adj"/>
+                <a:gd name="adj" fmla="val 50000"/>
               </a:avLst>
             </a:prstGeom>
             <a:solidFill>
@@ -4450,12 +4440,12 @@
             </a:ln>
           </p:spPr>
           <p:txBody>
-            <a:bodyPr anchorCtr="0" anchor="ctr" bIns="91425" lIns="91425" spcFirstLastPara="1" rIns="91425" wrap="square" tIns="91425">
+            <a:bodyPr spcFirstLastPara="1" wrap="square" lIns="91425" tIns="91425" rIns="91425" bIns="91425" anchor="ctr" anchorCtr="0">
               <a:noAutofit/>
             </a:bodyPr>
             <a:lstStyle/>
             <a:p>
-              <a:pPr indent="0" lvl="0" marL="0" rtl="0" algn="l">
+              <a:pPr marL="0" lvl="0" indent="0" algn="l" rtl="0">
                 <a:spcBef>
                   <a:spcPts val="0"/>
                 </a:spcBef>
@@ -4464,9 +4454,6 @@
                 </a:spcAft>
                 <a:buNone/>
               </a:pPr>
-              <a:r>
-                <a:t/>
-              </a:r>
               <a:endParaRPr/>
             </a:p>
           </p:txBody>
@@ -4484,7 +4471,7 @@
             </a:xfrm>
             <a:prstGeom prst="diagStripe">
               <a:avLst>
-                <a:gd fmla="val 50000" name="adj"/>
+                <a:gd name="adj" fmla="val 50000"/>
               </a:avLst>
             </a:prstGeom>
             <a:solidFill>
@@ -4495,12 +4482,12 @@
             </a:ln>
           </p:spPr>
           <p:txBody>
-            <a:bodyPr anchorCtr="0" anchor="ctr" bIns="91425" lIns="91425" spcFirstLastPara="1" rIns="91425" wrap="square" tIns="91425">
+            <a:bodyPr spcFirstLastPara="1" wrap="square" lIns="91425" tIns="91425" rIns="91425" bIns="91425" anchor="ctr" anchorCtr="0">
               <a:noAutofit/>
             </a:bodyPr>
             <a:lstStyle/>
             <a:p>
-              <a:pPr indent="0" lvl="0" marL="0" rtl="0" algn="l">
+              <a:pPr marL="0" lvl="0" indent="0" algn="l" rtl="0">
                 <a:spcBef>
                   <a:spcPts val="0"/>
                 </a:spcBef>
@@ -4509,9 +4496,6 @@
                 </a:spcAft>
                 <a:buNone/>
               </a:pPr>
-              <a:r>
-                <a:t/>
-              </a:r>
               <a:endParaRPr/>
             </a:p>
           </p:txBody>
@@ -4529,7 +4513,7 @@
             </a:xfrm>
             <a:prstGeom prst="diagStripe">
               <a:avLst>
-                <a:gd fmla="val 50000" name="adj"/>
+                <a:gd name="adj" fmla="val 50000"/>
               </a:avLst>
             </a:prstGeom>
             <a:solidFill>
@@ -4542,12 +4526,12 @@
             </a:ln>
           </p:spPr>
           <p:txBody>
-            <a:bodyPr anchorCtr="0" anchor="ctr" bIns="91425" lIns="91425" spcFirstLastPara="1" rIns="91425" wrap="square" tIns="91425">
+            <a:bodyPr spcFirstLastPara="1" wrap="square" lIns="91425" tIns="91425" rIns="91425" bIns="91425" anchor="ctr" anchorCtr="0">
               <a:noAutofit/>
             </a:bodyPr>
             <a:lstStyle/>
             <a:p>
-              <a:pPr indent="0" lvl="0" marL="0" rtl="0" algn="l">
+              <a:pPr marL="0" lvl="0" indent="0" algn="l" rtl="0">
                 <a:spcBef>
                   <a:spcPts val="0"/>
                 </a:spcBef>
@@ -4556,9 +4540,6 @@
                 </a:spcAft>
                 <a:buNone/>
               </a:pPr>
-              <a:r>
-                <a:t/>
-              </a:r>
               <a:endParaRPr/>
             </a:p>
           </p:txBody>
@@ -4576,7 +4557,7 @@
             </a:xfrm>
             <a:prstGeom prst="diagStripe">
               <a:avLst>
-                <a:gd fmla="val 50000" name="adj"/>
+                <a:gd name="adj" fmla="val 50000"/>
               </a:avLst>
             </a:prstGeom>
             <a:solidFill>
@@ -4589,12 +4570,12 @@
             </a:ln>
           </p:spPr>
           <p:txBody>
-            <a:bodyPr anchorCtr="0" anchor="ctr" bIns="91425" lIns="91425" spcFirstLastPara="1" rIns="91425" wrap="square" tIns="91425">
+            <a:bodyPr spcFirstLastPara="1" wrap="square" lIns="91425" tIns="91425" rIns="91425" bIns="91425" anchor="ctr" anchorCtr="0">
               <a:noAutofit/>
             </a:bodyPr>
             <a:lstStyle/>
             <a:p>
-              <a:pPr indent="0" lvl="0" marL="0" rtl="0" algn="l">
+              <a:pPr marL="0" lvl="0" indent="0" algn="l" rtl="0">
                 <a:spcBef>
                   <a:spcPts val="0"/>
                 </a:spcBef>
@@ -4603,9 +4584,6 @@
                 </a:spcAft>
                 <a:buNone/>
               </a:pPr>
-              <a:r>
-                <a:t/>
-              </a:r>
               <a:endParaRPr/>
             </a:p>
           </p:txBody>
@@ -4623,7 +4601,7 @@
             </a:xfrm>
             <a:prstGeom prst="diagStripe">
               <a:avLst>
-                <a:gd fmla="val 50000" name="adj"/>
+                <a:gd name="adj" fmla="val 50000"/>
               </a:avLst>
             </a:prstGeom>
             <a:solidFill>
@@ -4636,12 +4614,12 @@
             </a:ln>
           </p:spPr>
           <p:txBody>
-            <a:bodyPr anchorCtr="0" anchor="ctr" bIns="91425" lIns="91425" spcFirstLastPara="1" rIns="91425" wrap="square" tIns="91425">
+            <a:bodyPr spcFirstLastPara="1" wrap="square" lIns="91425" tIns="91425" rIns="91425" bIns="91425" anchor="ctr" anchorCtr="0">
               <a:noAutofit/>
             </a:bodyPr>
             <a:lstStyle/>
             <a:p>
-              <a:pPr indent="0" lvl="0" marL="0" rtl="0" algn="l">
+              <a:pPr marL="0" lvl="0" indent="0" algn="l" rtl="0">
                 <a:spcBef>
                   <a:spcPts val="0"/>
                 </a:spcBef>
@@ -4650,9 +4628,6 @@
                 </a:spcAft>
                 <a:buNone/>
               </a:pPr>
-              <a:r>
-                <a:t/>
-              </a:r>
               <a:endParaRPr/>
             </a:p>
           </p:txBody>
@@ -4670,7 +4645,7 @@
             </a:xfrm>
             <a:prstGeom prst="diagStripe">
               <a:avLst>
-                <a:gd fmla="val 50000" name="adj"/>
+                <a:gd name="adj" fmla="val 50000"/>
               </a:avLst>
             </a:prstGeom>
             <a:solidFill>
@@ -4683,12 +4658,12 @@
             </a:ln>
           </p:spPr>
           <p:txBody>
-            <a:bodyPr anchorCtr="0" anchor="ctr" bIns="91425" lIns="91425" spcFirstLastPara="1" rIns="91425" wrap="square" tIns="91425">
+            <a:bodyPr spcFirstLastPara="1" wrap="square" lIns="91425" tIns="91425" rIns="91425" bIns="91425" anchor="ctr" anchorCtr="0">
               <a:noAutofit/>
             </a:bodyPr>
             <a:lstStyle/>
             <a:p>
-              <a:pPr indent="0" lvl="0" marL="0" rtl="0" algn="l">
+              <a:pPr marL="0" lvl="0" indent="0" algn="l" rtl="0">
                 <a:spcBef>
                   <a:spcPts val="0"/>
                 </a:spcBef>
@@ -4697,9 +4672,6 @@
                 </a:spcAft>
                 <a:buNone/>
               </a:pPr>
-              <a:r>
-                <a:t/>
-              </a:r>
               <a:endParaRPr/>
             </a:p>
           </p:txBody>
@@ -4708,7 +4680,9 @@
       <p:sp>
         <p:nvSpPr>
           <p:cNvPr id="39" name="Google Shape;39;p3"/>
-          <p:cNvSpPr txBox="1"/>
+          <p:cNvSpPr txBox="1">
+            <a:spLocks noGrp="1"/>
+          </p:cNvSpPr>
           <p:nvPr>
             <p:ph type="title"/>
           </p:nvPr>
@@ -4723,7 +4697,7 @@
           </a:prstGeom>
         </p:spPr>
         <p:txBody>
-          <a:bodyPr anchorCtr="0" anchor="ctr" bIns="91425" lIns="91425" spcFirstLastPara="1" rIns="91425" wrap="square" tIns="91425"/>
+          <a:bodyPr spcFirstLastPara="1" wrap="square" lIns="91425" tIns="91425" rIns="91425" bIns="91425" anchor="ctr" anchorCtr="0"/>
           <a:lstStyle>
             <a:lvl1pPr lvl="0">
               <a:spcBef>
@@ -4825,15 +4799,19 @@
               <a:defRPr/>
             </a:lvl9pPr>
           </a:lstStyle>
-          <a:p/>
+          <a:p>
+            <a:endParaRPr/>
+          </a:p>
         </p:txBody>
       </p:sp>
       <p:sp>
         <p:nvSpPr>
           <p:cNvPr id="40" name="Google Shape;40;p3"/>
-          <p:cNvSpPr txBox="1"/>
+          <p:cNvSpPr txBox="1">
+            <a:spLocks noGrp="1"/>
+          </p:cNvSpPr>
           <p:nvPr>
-            <p:ph idx="12" type="sldNum"/>
+            <p:ph type="sldNum" idx="12"/>
           </p:nvPr>
         </p:nvSpPr>
         <p:spPr>
@@ -4846,7 +4824,7 @@
           </a:prstGeom>
         </p:spPr>
         <p:txBody>
-          <a:bodyPr anchorCtr="0" anchor="ctr" bIns="91425" lIns="91425" spcFirstLastPara="1" rIns="91425" wrap="square" tIns="91425">
+          <a:bodyPr spcFirstLastPara="1" wrap="square" lIns="91425" tIns="91425" rIns="91425" bIns="91425" anchor="ctr" anchorCtr="0">
             <a:noAutofit/>
           </a:bodyPr>
           <a:lstStyle>
@@ -4888,7 +4866,7 @@
             </a:lvl9pPr>
           </a:lstStyle>
           <a:p>
-            <a:pPr indent="0" lvl="0" marL="0" rtl="0" algn="r">
+            <a:pPr marL="0" lvl="0" indent="0" algn="r" rtl="0">
               <a:spcBef>
                 <a:spcPts val="0"/>
               </a:spcBef>
@@ -4914,11 +4892,11 @@
 </file>
 
 <file path=ppt/slideLayouts/slideLayout3.xml><?xml version="1.0" encoding="utf-8"?>
-<p:sldLayout xmlns:a="http://schemas.openxmlformats.org/drawingml/2006/main" xmlns:r="http://schemas.openxmlformats.org/officeDocument/2006/relationships" xmlns:mc="http://schemas.openxmlformats.org/markup-compatibility/2006" xmlns:mv="urn:schemas-microsoft-com:mac:vml" xmlns:p="http://schemas.openxmlformats.org/presentationml/2006/main" xmlns:c="http://schemas.openxmlformats.org/drawingml/2006/chart" xmlns:dgm="http://schemas.openxmlformats.org/drawingml/2006/diagram" xmlns:o="urn:schemas-microsoft-com:office:office" xmlns:v="urn:schemas-microsoft-com:vml" xmlns:pvml="urn:schemas-microsoft-com:office:powerpoint" xmlns:com="http://schemas.openxmlformats.org/drawingml/2006/compatibility" xmlns:p14="http://schemas.microsoft.com/office/powerpoint/2010/main" xmlns:p15="http://schemas.microsoft.com/office/powerpoint/2012/main" matchingName="Title and body" type="tx">
+<p:sldLayout xmlns:a="http://schemas.openxmlformats.org/drawingml/2006/main" xmlns:r="http://schemas.openxmlformats.org/officeDocument/2006/relationships" xmlns:p="http://schemas.openxmlformats.org/presentationml/2006/main" matchingName="Title and body" type="tx">
   <p:cSld name="TITLE_AND_BODY">
     <p:spTree>
       <p:nvGrpSpPr>
-        <p:cNvPr id="41" name="Shape 41"/>
+        <p:cNvPr id="1" name="Shape 41"/>
         <p:cNvGrpSpPr/>
         <p:nvPr/>
       </p:nvGrpSpPr>
@@ -4957,7 +4935,7 @@
             </a:xfrm>
             <a:prstGeom prst="diagStripe">
               <a:avLst>
-                <a:gd fmla="val 50000" name="adj"/>
+                <a:gd name="adj" fmla="val 50000"/>
               </a:avLst>
             </a:prstGeom>
             <a:solidFill>
@@ -4968,12 +4946,12 @@
             </a:ln>
           </p:spPr>
           <p:txBody>
-            <a:bodyPr anchorCtr="0" anchor="ctr" bIns="91425" lIns="91425" spcFirstLastPara="1" rIns="91425" wrap="square" tIns="91425">
+            <a:bodyPr spcFirstLastPara="1" wrap="square" lIns="91425" tIns="91425" rIns="91425" bIns="91425" anchor="ctr" anchorCtr="0">
               <a:noAutofit/>
             </a:bodyPr>
             <a:lstStyle/>
             <a:p>
-              <a:pPr indent="0" lvl="0" marL="0" rtl="0" algn="l">
+              <a:pPr marL="0" lvl="0" indent="0" algn="l" rtl="0">
                 <a:spcBef>
                   <a:spcPts val="0"/>
                 </a:spcBef>
@@ -4982,9 +4960,6 @@
                 </a:spcAft>
                 <a:buNone/>
               </a:pPr>
-              <a:r>
-                <a:t/>
-              </a:r>
               <a:endParaRPr/>
             </a:p>
           </p:txBody>
@@ -5002,7 +4977,7 @@
             </a:xfrm>
             <a:prstGeom prst="diagStripe">
               <a:avLst>
-                <a:gd fmla="val 50000" name="adj"/>
+                <a:gd name="adj" fmla="val 50000"/>
               </a:avLst>
             </a:prstGeom>
             <a:solidFill>
@@ -5013,12 +4988,12 @@
             </a:ln>
           </p:spPr>
           <p:txBody>
-            <a:bodyPr anchorCtr="0" anchor="ctr" bIns="91425" lIns="91425" spcFirstLastPara="1" rIns="91425" wrap="square" tIns="91425">
+            <a:bodyPr spcFirstLastPara="1" wrap="square" lIns="91425" tIns="91425" rIns="91425" bIns="91425" anchor="ctr" anchorCtr="0">
               <a:noAutofit/>
             </a:bodyPr>
             <a:lstStyle/>
             <a:p>
-              <a:pPr indent="0" lvl="0" marL="0" rtl="0" algn="l">
+              <a:pPr marL="0" lvl="0" indent="0" algn="l" rtl="0">
                 <a:spcBef>
                   <a:spcPts val="0"/>
                 </a:spcBef>
@@ -5027,9 +5002,6 @@
                 </a:spcAft>
                 <a:buNone/>
               </a:pPr>
-              <a:r>
-                <a:t/>
-              </a:r>
               <a:endParaRPr/>
             </a:p>
           </p:txBody>
@@ -5038,7 +5010,9 @@
       <p:sp>
         <p:nvSpPr>
           <p:cNvPr id="45" name="Google Shape;45;p4"/>
-          <p:cNvSpPr txBox="1"/>
+          <p:cNvSpPr txBox="1">
+            <a:spLocks noGrp="1"/>
+          </p:cNvSpPr>
           <p:nvPr>
             <p:ph type="title"/>
           </p:nvPr>
@@ -5053,7 +5027,7 @@
           </a:prstGeom>
         </p:spPr>
         <p:txBody>
-          <a:bodyPr anchorCtr="0" anchor="t" bIns="91425" lIns="91425" spcFirstLastPara="1" rIns="91425" wrap="square" tIns="91425"/>
+          <a:bodyPr spcFirstLastPara="1" wrap="square" lIns="91425" tIns="91425" rIns="91425" bIns="91425" anchor="t" anchorCtr="0"/>
           <a:lstStyle>
             <a:lvl1pPr lvl="0">
               <a:spcBef>
@@ -5155,15 +5129,19 @@
               <a:defRPr sz="2400"/>
             </a:lvl9pPr>
           </a:lstStyle>
-          <a:p/>
+          <a:p>
+            <a:endParaRPr/>
+          </a:p>
         </p:txBody>
       </p:sp>
       <p:sp>
         <p:nvSpPr>
           <p:cNvPr id="46" name="Google Shape;46;p4"/>
-          <p:cNvSpPr txBox="1"/>
+          <p:cNvSpPr txBox="1">
+            <a:spLocks noGrp="1"/>
+          </p:cNvSpPr>
           <p:nvPr>
-            <p:ph idx="1" type="body"/>
+            <p:ph type="body" idx="1"/>
           </p:nvPr>
         </p:nvSpPr>
         <p:spPr>
@@ -5176,9 +5154,9 @@
           </a:prstGeom>
         </p:spPr>
         <p:txBody>
-          <a:bodyPr anchorCtr="0" anchor="t" bIns="91425" lIns="91425" spcFirstLastPara="1" rIns="91425" wrap="square" tIns="91425"/>
+          <a:bodyPr spcFirstLastPara="1" wrap="square" lIns="91425" tIns="91425" rIns="91425" bIns="91425" anchor="t" anchorCtr="0"/>
           <a:lstStyle>
-            <a:lvl1pPr indent="-311150" lvl="0" marL="457200">
+            <a:lvl1pPr marL="457200" lvl="0" indent="-311150">
               <a:spcBef>
                 <a:spcPts val="0"/>
               </a:spcBef>
@@ -5189,7 +5167,7 @@
               <a:buChar char="●"/>
               <a:defRPr/>
             </a:lvl1pPr>
-            <a:lvl2pPr indent="-298450" lvl="1" marL="914400">
+            <a:lvl2pPr marL="914400" lvl="1" indent="-298450">
               <a:spcBef>
                 <a:spcPts val="1600"/>
               </a:spcBef>
@@ -5200,7 +5178,7 @@
               <a:buChar char="○"/>
               <a:defRPr/>
             </a:lvl2pPr>
-            <a:lvl3pPr indent="-298450" lvl="2" marL="1371600">
+            <a:lvl3pPr marL="1371600" lvl="2" indent="-298450">
               <a:spcBef>
                 <a:spcPts val="1600"/>
               </a:spcBef>
@@ -5211,7 +5189,7 @@
               <a:buChar char="■"/>
               <a:defRPr/>
             </a:lvl3pPr>
-            <a:lvl4pPr indent="-298450" lvl="3" marL="1828800">
+            <a:lvl4pPr marL="1828800" lvl="3" indent="-298450">
               <a:spcBef>
                 <a:spcPts val="1600"/>
               </a:spcBef>
@@ -5222,7 +5200,7 @@
               <a:buChar char="●"/>
               <a:defRPr/>
             </a:lvl4pPr>
-            <a:lvl5pPr indent="-298450" lvl="4" marL="2286000">
+            <a:lvl5pPr marL="2286000" lvl="4" indent="-298450">
               <a:spcBef>
                 <a:spcPts val="1600"/>
               </a:spcBef>
@@ -5233,7 +5211,7 @@
               <a:buChar char="○"/>
               <a:defRPr/>
             </a:lvl5pPr>
-            <a:lvl6pPr indent="-298450" lvl="5" marL="2743200">
+            <a:lvl6pPr marL="2743200" lvl="5" indent="-298450">
               <a:spcBef>
                 <a:spcPts val="1600"/>
               </a:spcBef>
@@ -5244,7 +5222,7 @@
               <a:buChar char="■"/>
               <a:defRPr/>
             </a:lvl6pPr>
-            <a:lvl7pPr indent="-298450" lvl="6" marL="3200400">
+            <a:lvl7pPr marL="3200400" lvl="6" indent="-298450">
               <a:spcBef>
                 <a:spcPts val="1600"/>
               </a:spcBef>
@@ -5255,7 +5233,7 @@
               <a:buChar char="●"/>
               <a:defRPr/>
             </a:lvl7pPr>
-            <a:lvl8pPr indent="-298450" lvl="7" marL="3657600">
+            <a:lvl8pPr marL="3657600" lvl="7" indent="-298450">
               <a:spcBef>
                 <a:spcPts val="1600"/>
               </a:spcBef>
@@ -5266,7 +5244,7 @@
               <a:buChar char="○"/>
               <a:defRPr/>
             </a:lvl8pPr>
-            <a:lvl9pPr indent="-298450" lvl="8" marL="4114800">
+            <a:lvl9pPr marL="4114800" lvl="8" indent="-298450">
               <a:spcBef>
                 <a:spcPts val="1600"/>
               </a:spcBef>
@@ -5278,15 +5256,19 @@
               <a:defRPr/>
             </a:lvl9pPr>
           </a:lstStyle>
-          <a:p/>
+          <a:p>
+            <a:endParaRPr/>
+          </a:p>
         </p:txBody>
       </p:sp>
       <p:sp>
         <p:nvSpPr>
           <p:cNvPr id="47" name="Google Shape;47;p4"/>
-          <p:cNvSpPr txBox="1"/>
+          <p:cNvSpPr txBox="1">
+            <a:spLocks noGrp="1"/>
+          </p:cNvSpPr>
           <p:nvPr>
-            <p:ph idx="12" type="sldNum"/>
+            <p:ph type="sldNum" idx="12"/>
           </p:nvPr>
         </p:nvSpPr>
         <p:spPr>
@@ -5299,7 +5281,7 @@
           </a:prstGeom>
         </p:spPr>
         <p:txBody>
-          <a:bodyPr anchorCtr="0" anchor="ctr" bIns="91425" lIns="91425" spcFirstLastPara="1" rIns="91425" wrap="square" tIns="91425">
+          <a:bodyPr spcFirstLastPara="1" wrap="square" lIns="91425" tIns="91425" rIns="91425" bIns="91425" anchor="ctr" anchorCtr="0">
             <a:noAutofit/>
           </a:bodyPr>
           <a:lstStyle>
@@ -5341,7 +5323,7 @@
             </a:lvl9pPr>
           </a:lstStyle>
           <a:p>
-            <a:pPr indent="0" lvl="0" marL="0" rtl="0" algn="r">
+            <a:pPr marL="0" lvl="0" indent="0" algn="r" rtl="0">
               <a:spcBef>
                 <a:spcPts val="0"/>
               </a:spcBef>
@@ -5367,11 +5349,11 @@
 </file>
 
 <file path=ppt/slideLayouts/slideLayout4.xml><?xml version="1.0" encoding="utf-8"?>
-<p:sldLayout xmlns:a="http://schemas.openxmlformats.org/drawingml/2006/main" xmlns:r="http://schemas.openxmlformats.org/officeDocument/2006/relationships" xmlns:mc="http://schemas.openxmlformats.org/markup-compatibility/2006" xmlns:mv="urn:schemas-microsoft-com:mac:vml" xmlns:p="http://schemas.openxmlformats.org/presentationml/2006/main" xmlns:c="http://schemas.openxmlformats.org/drawingml/2006/chart" xmlns:dgm="http://schemas.openxmlformats.org/drawingml/2006/diagram" xmlns:o="urn:schemas-microsoft-com:office:office" xmlns:v="urn:schemas-microsoft-com:vml" xmlns:pvml="urn:schemas-microsoft-com:office:powerpoint" xmlns:com="http://schemas.openxmlformats.org/drawingml/2006/compatibility" xmlns:p14="http://schemas.microsoft.com/office/powerpoint/2010/main" xmlns:p15="http://schemas.microsoft.com/office/powerpoint/2012/main" matchingName="Title and two columns" type="twoColTx">
+<p:sldLayout xmlns:a="http://schemas.openxmlformats.org/drawingml/2006/main" xmlns:r="http://schemas.openxmlformats.org/officeDocument/2006/relationships" xmlns:p="http://schemas.openxmlformats.org/presentationml/2006/main" matchingName="Title and two columns" type="twoColTx">
   <p:cSld name="TITLE_AND_TWO_COLUMNS">
     <p:spTree>
       <p:nvGrpSpPr>
-        <p:cNvPr id="48" name="Shape 48"/>
+        <p:cNvPr id="1" name="Shape 48"/>
         <p:cNvGrpSpPr/>
         <p:nvPr/>
       </p:nvGrpSpPr>
@@ -5410,7 +5392,7 @@
             </a:xfrm>
             <a:prstGeom prst="diagStripe">
               <a:avLst>
-                <a:gd fmla="val 50000" name="adj"/>
+                <a:gd name="adj" fmla="val 50000"/>
               </a:avLst>
             </a:prstGeom>
             <a:solidFill>
@@ -5421,12 +5403,12 @@
             </a:ln>
           </p:spPr>
           <p:txBody>
-            <a:bodyPr anchorCtr="0" anchor="ctr" bIns="91425" lIns="91425" spcFirstLastPara="1" rIns="91425" wrap="square" tIns="91425">
+            <a:bodyPr spcFirstLastPara="1" wrap="square" lIns="91425" tIns="91425" rIns="91425" bIns="91425" anchor="ctr" anchorCtr="0">
               <a:noAutofit/>
             </a:bodyPr>
             <a:lstStyle/>
             <a:p>
-              <a:pPr indent="0" lvl="0" marL="0" rtl="0" algn="l">
+              <a:pPr marL="0" lvl="0" indent="0" algn="l" rtl="0">
                 <a:spcBef>
                   <a:spcPts val="0"/>
                 </a:spcBef>
@@ -5435,9 +5417,6 @@
                 </a:spcAft>
                 <a:buNone/>
               </a:pPr>
-              <a:r>
-                <a:t/>
-              </a:r>
               <a:endParaRPr/>
             </a:p>
           </p:txBody>
@@ -5455,7 +5434,7 @@
             </a:xfrm>
             <a:prstGeom prst="diagStripe">
               <a:avLst>
-                <a:gd fmla="val 50000" name="adj"/>
+                <a:gd name="adj" fmla="val 50000"/>
               </a:avLst>
             </a:prstGeom>
             <a:solidFill>
@@ -5466,12 +5445,12 @@
             </a:ln>
           </p:spPr>
           <p:txBody>
-            <a:bodyPr anchorCtr="0" anchor="ctr" bIns="91425" lIns="91425" spcFirstLastPara="1" rIns="91425" wrap="square" tIns="91425">
+            <a:bodyPr spcFirstLastPara="1" wrap="square" lIns="91425" tIns="91425" rIns="91425" bIns="91425" anchor="ctr" anchorCtr="0">
               <a:noAutofit/>
             </a:bodyPr>
             <a:lstStyle/>
             <a:p>
-              <a:pPr indent="0" lvl="0" marL="0" rtl="0" algn="l">
+              <a:pPr marL="0" lvl="0" indent="0" algn="l" rtl="0">
                 <a:spcBef>
                   <a:spcPts val="0"/>
                 </a:spcBef>
@@ -5480,9 +5459,6 @@
                 </a:spcAft>
                 <a:buNone/>
               </a:pPr>
-              <a:r>
-                <a:t/>
-              </a:r>
               <a:endParaRPr/>
             </a:p>
           </p:txBody>
@@ -5491,7 +5467,9 @@
       <p:sp>
         <p:nvSpPr>
           <p:cNvPr id="52" name="Google Shape;52;p5"/>
-          <p:cNvSpPr txBox="1"/>
+          <p:cNvSpPr txBox="1">
+            <a:spLocks noGrp="1"/>
+          </p:cNvSpPr>
           <p:nvPr>
             <p:ph type="title"/>
           </p:nvPr>
@@ -5506,7 +5484,7 @@
           </a:prstGeom>
         </p:spPr>
         <p:txBody>
-          <a:bodyPr anchorCtr="0" anchor="t" bIns="91425" lIns="91425" spcFirstLastPara="1" rIns="91425" wrap="square" tIns="91425"/>
+          <a:bodyPr spcFirstLastPara="1" wrap="square" lIns="91425" tIns="91425" rIns="91425" bIns="91425" anchor="t" anchorCtr="0"/>
           <a:lstStyle>
             <a:lvl1pPr lvl="0">
               <a:spcBef>
@@ -5608,15 +5586,19 @@
               <a:defRPr sz="2400"/>
             </a:lvl9pPr>
           </a:lstStyle>
-          <a:p/>
+          <a:p>
+            <a:endParaRPr/>
+          </a:p>
         </p:txBody>
       </p:sp>
       <p:sp>
         <p:nvSpPr>
           <p:cNvPr id="53" name="Google Shape;53;p5"/>
-          <p:cNvSpPr txBox="1"/>
+          <p:cNvSpPr txBox="1">
+            <a:spLocks noGrp="1"/>
+          </p:cNvSpPr>
           <p:nvPr>
-            <p:ph idx="1" type="body"/>
+            <p:ph type="body" idx="1"/>
           </p:nvPr>
         </p:nvSpPr>
         <p:spPr>
@@ -5629,9 +5611,9 @@
           </a:prstGeom>
         </p:spPr>
         <p:txBody>
-          <a:bodyPr anchorCtr="0" anchor="t" bIns="91425" lIns="91425" spcFirstLastPara="1" rIns="91425" wrap="square" tIns="91425"/>
+          <a:bodyPr spcFirstLastPara="1" wrap="square" lIns="91425" tIns="91425" rIns="91425" bIns="91425" anchor="t" anchorCtr="0"/>
           <a:lstStyle>
-            <a:lvl1pPr indent="-311150" lvl="0" marL="457200">
+            <a:lvl1pPr marL="457200" lvl="0" indent="-311150">
               <a:spcBef>
                 <a:spcPts val="0"/>
               </a:spcBef>
@@ -5642,7 +5624,7 @@
               <a:buChar char="●"/>
               <a:defRPr/>
             </a:lvl1pPr>
-            <a:lvl2pPr indent="-298450" lvl="1" marL="914400">
+            <a:lvl2pPr marL="914400" lvl="1" indent="-298450">
               <a:spcBef>
                 <a:spcPts val="1600"/>
               </a:spcBef>
@@ -5653,7 +5635,7 @@
               <a:buChar char="○"/>
               <a:defRPr/>
             </a:lvl2pPr>
-            <a:lvl3pPr indent="-298450" lvl="2" marL="1371600">
+            <a:lvl3pPr marL="1371600" lvl="2" indent="-298450">
               <a:spcBef>
                 <a:spcPts val="1600"/>
               </a:spcBef>
@@ -5664,7 +5646,7 @@
               <a:buChar char="■"/>
               <a:defRPr/>
             </a:lvl3pPr>
-            <a:lvl4pPr indent="-298450" lvl="3" marL="1828800">
+            <a:lvl4pPr marL="1828800" lvl="3" indent="-298450">
               <a:spcBef>
                 <a:spcPts val="1600"/>
               </a:spcBef>
@@ -5675,7 +5657,7 @@
               <a:buChar char="●"/>
               <a:defRPr/>
             </a:lvl4pPr>
-            <a:lvl5pPr indent="-298450" lvl="4" marL="2286000">
+            <a:lvl5pPr marL="2286000" lvl="4" indent="-298450">
               <a:spcBef>
                 <a:spcPts val="1600"/>
               </a:spcBef>
@@ -5686,7 +5668,7 @@
               <a:buChar char="○"/>
               <a:defRPr/>
             </a:lvl5pPr>
-            <a:lvl6pPr indent="-298450" lvl="5" marL="2743200">
+            <a:lvl6pPr marL="2743200" lvl="5" indent="-298450">
               <a:spcBef>
                 <a:spcPts val="1600"/>
               </a:spcBef>
@@ -5697,7 +5679,7 @@
               <a:buChar char="■"/>
               <a:defRPr/>
             </a:lvl6pPr>
-            <a:lvl7pPr indent="-298450" lvl="6" marL="3200400">
+            <a:lvl7pPr marL="3200400" lvl="6" indent="-298450">
               <a:spcBef>
                 <a:spcPts val="1600"/>
               </a:spcBef>
@@ -5708,7 +5690,7 @@
               <a:buChar char="●"/>
               <a:defRPr/>
             </a:lvl7pPr>
-            <a:lvl8pPr indent="-298450" lvl="7" marL="3657600">
+            <a:lvl8pPr marL="3657600" lvl="7" indent="-298450">
               <a:spcBef>
                 <a:spcPts val="1600"/>
               </a:spcBef>
@@ -5719,7 +5701,7 @@
               <a:buChar char="○"/>
               <a:defRPr/>
             </a:lvl8pPr>
-            <a:lvl9pPr indent="-298450" lvl="8" marL="4114800">
+            <a:lvl9pPr marL="4114800" lvl="8" indent="-298450">
               <a:spcBef>
                 <a:spcPts val="1600"/>
               </a:spcBef>
@@ -5731,15 +5713,19 @@
               <a:defRPr/>
             </a:lvl9pPr>
           </a:lstStyle>
-          <a:p/>
+          <a:p>
+            <a:endParaRPr/>
+          </a:p>
         </p:txBody>
       </p:sp>
       <p:sp>
         <p:nvSpPr>
           <p:cNvPr id="54" name="Google Shape;54;p5"/>
-          <p:cNvSpPr txBox="1"/>
+          <p:cNvSpPr txBox="1">
+            <a:spLocks noGrp="1"/>
+          </p:cNvSpPr>
           <p:nvPr>
-            <p:ph idx="2" type="body"/>
+            <p:ph type="body" idx="2"/>
           </p:nvPr>
         </p:nvSpPr>
         <p:spPr>
@@ -5752,9 +5738,9 @@
           </a:prstGeom>
         </p:spPr>
         <p:txBody>
-          <a:bodyPr anchorCtr="0" anchor="t" bIns="91425" lIns="91425" spcFirstLastPara="1" rIns="91425" wrap="square" tIns="91425"/>
+          <a:bodyPr spcFirstLastPara="1" wrap="square" lIns="91425" tIns="91425" rIns="91425" bIns="91425" anchor="t" anchorCtr="0"/>
           <a:lstStyle>
-            <a:lvl1pPr indent="-311150" lvl="0" marL="457200">
+            <a:lvl1pPr marL="457200" lvl="0" indent="-311150">
               <a:spcBef>
                 <a:spcPts val="0"/>
               </a:spcBef>
@@ -5765,7 +5751,7 @@
               <a:buChar char="●"/>
               <a:defRPr/>
             </a:lvl1pPr>
-            <a:lvl2pPr indent="-298450" lvl="1" marL="914400">
+            <a:lvl2pPr marL="914400" lvl="1" indent="-298450">
               <a:spcBef>
                 <a:spcPts val="1600"/>
               </a:spcBef>
@@ -5776,7 +5762,7 @@
               <a:buChar char="○"/>
               <a:defRPr/>
             </a:lvl2pPr>
-            <a:lvl3pPr indent="-298450" lvl="2" marL="1371600">
+            <a:lvl3pPr marL="1371600" lvl="2" indent="-298450">
               <a:spcBef>
                 <a:spcPts val="1600"/>
               </a:spcBef>
@@ -5787,7 +5773,7 @@
               <a:buChar char="■"/>
               <a:defRPr/>
             </a:lvl3pPr>
-            <a:lvl4pPr indent="-298450" lvl="3" marL="1828800">
+            <a:lvl4pPr marL="1828800" lvl="3" indent="-298450">
               <a:spcBef>
                 <a:spcPts val="1600"/>
               </a:spcBef>
@@ -5798,7 +5784,7 @@
               <a:buChar char="●"/>
               <a:defRPr/>
             </a:lvl4pPr>
-            <a:lvl5pPr indent="-298450" lvl="4" marL="2286000">
+            <a:lvl5pPr marL="2286000" lvl="4" indent="-298450">
               <a:spcBef>
                 <a:spcPts val="1600"/>
               </a:spcBef>
@@ -5809,7 +5795,7 @@
               <a:buChar char="○"/>
               <a:defRPr/>
             </a:lvl5pPr>
-            <a:lvl6pPr indent="-298450" lvl="5" marL="2743200">
+            <a:lvl6pPr marL="2743200" lvl="5" indent="-298450">
               <a:spcBef>
                 <a:spcPts val="1600"/>
               </a:spcBef>
@@ -5820,7 +5806,7 @@
               <a:buChar char="■"/>
               <a:defRPr/>
             </a:lvl6pPr>
-            <a:lvl7pPr indent="-298450" lvl="6" marL="3200400">
+            <a:lvl7pPr marL="3200400" lvl="6" indent="-298450">
               <a:spcBef>
                 <a:spcPts val="1600"/>
               </a:spcBef>
@@ -5831,7 +5817,7 @@
               <a:buChar char="●"/>
               <a:defRPr/>
             </a:lvl7pPr>
-            <a:lvl8pPr indent="-298450" lvl="7" marL="3657600">
+            <a:lvl8pPr marL="3657600" lvl="7" indent="-298450">
               <a:spcBef>
                 <a:spcPts val="1600"/>
               </a:spcBef>
@@ -5842,7 +5828,7 @@
               <a:buChar char="○"/>
               <a:defRPr/>
             </a:lvl8pPr>
-            <a:lvl9pPr indent="-298450" lvl="8" marL="4114800">
+            <a:lvl9pPr marL="4114800" lvl="8" indent="-298450">
               <a:spcBef>
                 <a:spcPts val="1600"/>
               </a:spcBef>
@@ -5854,15 +5840,19 @@
               <a:defRPr/>
             </a:lvl9pPr>
           </a:lstStyle>
-          <a:p/>
+          <a:p>
+            <a:endParaRPr/>
+          </a:p>
         </p:txBody>
       </p:sp>
       <p:sp>
         <p:nvSpPr>
           <p:cNvPr id="55" name="Google Shape;55;p5"/>
-          <p:cNvSpPr txBox="1"/>
+          <p:cNvSpPr txBox="1">
+            <a:spLocks noGrp="1"/>
+          </p:cNvSpPr>
           <p:nvPr>
-            <p:ph idx="12" type="sldNum"/>
+            <p:ph type="sldNum" idx="12"/>
           </p:nvPr>
         </p:nvSpPr>
         <p:spPr>
@@ -5875,7 +5865,7 @@
           </a:prstGeom>
         </p:spPr>
         <p:txBody>
-          <a:bodyPr anchorCtr="0" anchor="ctr" bIns="91425" lIns="91425" spcFirstLastPara="1" rIns="91425" wrap="square" tIns="91425">
+          <a:bodyPr spcFirstLastPara="1" wrap="square" lIns="91425" tIns="91425" rIns="91425" bIns="91425" anchor="ctr" anchorCtr="0">
             <a:noAutofit/>
           </a:bodyPr>
           <a:lstStyle>
@@ -5917,7 +5907,7 @@
             </a:lvl9pPr>
           </a:lstStyle>
           <a:p>
-            <a:pPr indent="0" lvl="0" marL="0" rtl="0" algn="r">
+            <a:pPr marL="0" lvl="0" indent="0" algn="r" rtl="0">
               <a:spcBef>
                 <a:spcPts val="0"/>
               </a:spcBef>
@@ -5943,11 +5933,11 @@
 </file>
 
 <file path=ppt/slideLayouts/slideLayout5.xml><?xml version="1.0" encoding="utf-8"?>
-<p:sldLayout xmlns:a="http://schemas.openxmlformats.org/drawingml/2006/main" xmlns:r="http://schemas.openxmlformats.org/officeDocument/2006/relationships" xmlns:mc="http://schemas.openxmlformats.org/markup-compatibility/2006" xmlns:mv="urn:schemas-microsoft-com:mac:vml" xmlns:p="http://schemas.openxmlformats.org/presentationml/2006/main" xmlns:c="http://schemas.openxmlformats.org/drawingml/2006/chart" xmlns:dgm="http://schemas.openxmlformats.org/drawingml/2006/diagram" xmlns:o="urn:schemas-microsoft-com:office:office" xmlns:v="urn:schemas-microsoft-com:vml" xmlns:pvml="urn:schemas-microsoft-com:office:powerpoint" xmlns:com="http://schemas.openxmlformats.org/drawingml/2006/compatibility" xmlns:p14="http://schemas.microsoft.com/office/powerpoint/2010/main" xmlns:p15="http://schemas.microsoft.com/office/powerpoint/2012/main" matchingName="Title only" type="titleOnly">
+<p:sldLayout xmlns:a="http://schemas.openxmlformats.org/drawingml/2006/main" xmlns:r="http://schemas.openxmlformats.org/officeDocument/2006/relationships" xmlns:p="http://schemas.openxmlformats.org/presentationml/2006/main" matchingName="Title only" type="titleOnly">
   <p:cSld name="TITLE_ONLY">
     <p:spTree>
       <p:nvGrpSpPr>
-        <p:cNvPr id="56" name="Shape 56"/>
+        <p:cNvPr id="1" name="Shape 56"/>
         <p:cNvGrpSpPr/>
         <p:nvPr/>
       </p:nvGrpSpPr>
@@ -5986,7 +5976,7 @@
             </a:xfrm>
             <a:prstGeom prst="diagStripe">
               <a:avLst>
-                <a:gd fmla="val 50000" name="adj"/>
+                <a:gd name="adj" fmla="val 50000"/>
               </a:avLst>
             </a:prstGeom>
             <a:solidFill>
@@ -5997,12 +5987,12 @@
             </a:ln>
           </p:spPr>
           <p:txBody>
-            <a:bodyPr anchorCtr="0" anchor="ctr" bIns="91425" lIns="91425" spcFirstLastPara="1" rIns="91425" wrap="square" tIns="91425">
+            <a:bodyPr spcFirstLastPara="1" wrap="square" lIns="91425" tIns="91425" rIns="91425" bIns="91425" anchor="ctr" anchorCtr="0">
               <a:noAutofit/>
             </a:bodyPr>
             <a:lstStyle/>
             <a:p>
-              <a:pPr indent="0" lvl="0" marL="0" rtl="0" algn="l">
+              <a:pPr marL="0" lvl="0" indent="0" algn="l" rtl="0">
                 <a:spcBef>
                   <a:spcPts val="0"/>
                 </a:spcBef>
@@ -6011,9 +6001,6 @@
                 </a:spcAft>
                 <a:buNone/>
               </a:pPr>
-              <a:r>
-                <a:t/>
-              </a:r>
               <a:endParaRPr/>
             </a:p>
           </p:txBody>
@@ -6031,7 +6018,7 @@
             </a:xfrm>
             <a:prstGeom prst="diagStripe">
               <a:avLst>
-                <a:gd fmla="val 50000" name="adj"/>
+                <a:gd name="adj" fmla="val 50000"/>
               </a:avLst>
             </a:prstGeom>
             <a:solidFill>
@@ -6042,12 +6029,12 @@
             </a:ln>
           </p:spPr>
           <p:txBody>
-            <a:bodyPr anchorCtr="0" anchor="ctr" bIns="91425" lIns="91425" spcFirstLastPara="1" rIns="91425" wrap="square" tIns="91425">
+            <a:bodyPr spcFirstLastPara="1" wrap="square" lIns="91425" tIns="91425" rIns="91425" bIns="91425" anchor="ctr" anchorCtr="0">
               <a:noAutofit/>
             </a:bodyPr>
             <a:lstStyle/>
             <a:p>
-              <a:pPr indent="0" lvl="0" marL="0" rtl="0" algn="l">
+              <a:pPr marL="0" lvl="0" indent="0" algn="l" rtl="0">
                 <a:spcBef>
                   <a:spcPts val="0"/>
                 </a:spcBef>
@@ -6056,9 +6043,6 @@
                 </a:spcAft>
                 <a:buNone/>
               </a:pPr>
-              <a:r>
-                <a:t/>
-              </a:r>
               <a:endParaRPr/>
             </a:p>
           </p:txBody>
@@ -6067,7 +6051,9 @@
       <p:sp>
         <p:nvSpPr>
           <p:cNvPr id="60" name="Google Shape;60;p6"/>
-          <p:cNvSpPr txBox="1"/>
+          <p:cNvSpPr txBox="1">
+            <a:spLocks noGrp="1"/>
+          </p:cNvSpPr>
           <p:nvPr>
             <p:ph type="title"/>
           </p:nvPr>
@@ -6082,7 +6068,7 @@
           </a:prstGeom>
         </p:spPr>
         <p:txBody>
-          <a:bodyPr anchorCtr="0" anchor="t" bIns="91425" lIns="91425" spcFirstLastPara="1" rIns="91425" wrap="square" tIns="91425"/>
+          <a:bodyPr spcFirstLastPara="1" wrap="square" lIns="91425" tIns="91425" rIns="91425" bIns="91425" anchor="t" anchorCtr="0"/>
           <a:lstStyle>
             <a:lvl1pPr lvl="0">
               <a:spcBef>
@@ -6184,15 +6170,19 @@
               <a:defRPr sz="2400"/>
             </a:lvl9pPr>
           </a:lstStyle>
-          <a:p/>
+          <a:p>
+            <a:endParaRPr/>
+          </a:p>
         </p:txBody>
       </p:sp>
       <p:sp>
         <p:nvSpPr>
           <p:cNvPr id="61" name="Google Shape;61;p6"/>
-          <p:cNvSpPr txBox="1"/>
+          <p:cNvSpPr txBox="1">
+            <a:spLocks noGrp="1"/>
+          </p:cNvSpPr>
           <p:nvPr>
-            <p:ph idx="12" type="sldNum"/>
+            <p:ph type="sldNum" idx="12"/>
           </p:nvPr>
         </p:nvSpPr>
         <p:spPr>
@@ -6205,7 +6195,7 @@
           </a:prstGeom>
         </p:spPr>
         <p:txBody>
-          <a:bodyPr anchorCtr="0" anchor="ctr" bIns="91425" lIns="91425" spcFirstLastPara="1" rIns="91425" wrap="square" tIns="91425">
+          <a:bodyPr spcFirstLastPara="1" wrap="square" lIns="91425" tIns="91425" rIns="91425" bIns="91425" anchor="ctr" anchorCtr="0">
             <a:noAutofit/>
           </a:bodyPr>
           <a:lstStyle>
@@ -6247,7 +6237,7 @@
             </a:lvl9pPr>
           </a:lstStyle>
           <a:p>
-            <a:pPr indent="0" lvl="0" marL="0" rtl="0" algn="r">
+            <a:pPr marL="0" lvl="0" indent="0" algn="r" rtl="0">
               <a:spcBef>
                 <a:spcPts val="0"/>
               </a:spcBef>
@@ -6273,11 +6263,11 @@
 </file>
 
 <file path=ppt/slideLayouts/slideLayout6.xml><?xml version="1.0" encoding="utf-8"?>
-<p:sldLayout xmlns:a="http://schemas.openxmlformats.org/drawingml/2006/main" xmlns:r="http://schemas.openxmlformats.org/officeDocument/2006/relationships" xmlns:mc="http://schemas.openxmlformats.org/markup-compatibility/2006" xmlns:mv="urn:schemas-microsoft-com:mac:vml" xmlns:p="http://schemas.openxmlformats.org/presentationml/2006/main" xmlns:c="http://schemas.openxmlformats.org/drawingml/2006/chart" xmlns:dgm="http://schemas.openxmlformats.org/drawingml/2006/diagram" xmlns:o="urn:schemas-microsoft-com:office:office" xmlns:v="urn:schemas-microsoft-com:vml" xmlns:pvml="urn:schemas-microsoft-com:office:powerpoint" xmlns:com="http://schemas.openxmlformats.org/drawingml/2006/compatibility" xmlns:p14="http://schemas.microsoft.com/office/powerpoint/2010/main" xmlns:p15="http://schemas.microsoft.com/office/powerpoint/2012/main" matchingName="One column text">
+<p:sldLayout xmlns:a="http://schemas.openxmlformats.org/drawingml/2006/main" xmlns:r="http://schemas.openxmlformats.org/officeDocument/2006/relationships" xmlns:p="http://schemas.openxmlformats.org/presentationml/2006/main" matchingName="One column text">
   <p:cSld name="ONE_COLUMN_TEXT">
     <p:spTree>
       <p:nvGrpSpPr>
-        <p:cNvPr id="62" name="Shape 62"/>
+        <p:cNvPr id="1" name="Shape 62"/>
         <p:cNvGrpSpPr/>
         <p:nvPr/>
       </p:nvGrpSpPr>
@@ -6316,7 +6306,7 @@
             </a:xfrm>
             <a:prstGeom prst="diagStripe">
               <a:avLst>
-                <a:gd fmla="val 50000" name="adj"/>
+                <a:gd name="adj" fmla="val 50000"/>
               </a:avLst>
             </a:prstGeom>
             <a:solidFill>
@@ -6327,12 +6317,12 @@
             </a:ln>
           </p:spPr>
           <p:txBody>
-            <a:bodyPr anchorCtr="0" anchor="ctr" bIns="91425" lIns="91425" spcFirstLastPara="1" rIns="91425" wrap="square" tIns="91425">
+            <a:bodyPr spcFirstLastPara="1" wrap="square" lIns="91425" tIns="91425" rIns="91425" bIns="91425" anchor="ctr" anchorCtr="0">
               <a:noAutofit/>
             </a:bodyPr>
             <a:lstStyle/>
             <a:p>
-              <a:pPr indent="0" lvl="0" marL="0" rtl="0" algn="l">
+              <a:pPr marL="0" lvl="0" indent="0" algn="l" rtl="0">
                 <a:spcBef>
                   <a:spcPts val="0"/>
                 </a:spcBef>
@@ -6341,9 +6331,6 @@
                 </a:spcAft>
                 <a:buNone/>
               </a:pPr>
-              <a:r>
-                <a:t/>
-              </a:r>
               <a:endParaRPr/>
             </a:p>
           </p:txBody>
@@ -6361,7 +6348,7 @@
             </a:xfrm>
             <a:prstGeom prst="diagStripe">
               <a:avLst>
-                <a:gd fmla="val 50000" name="adj"/>
+                <a:gd name="adj" fmla="val 50000"/>
               </a:avLst>
             </a:prstGeom>
             <a:solidFill>
@@ -6372,12 +6359,12 @@
             </a:ln>
           </p:spPr>
           <p:txBody>
-            <a:bodyPr anchorCtr="0" anchor="ctr" bIns="91425" lIns="91425" spcFirstLastPara="1" rIns="91425" wrap="square" tIns="91425">
+            <a:bodyPr spcFirstLastPara="1" wrap="square" lIns="91425" tIns="91425" rIns="91425" bIns="91425" anchor="ctr" anchorCtr="0">
               <a:noAutofit/>
             </a:bodyPr>
             <a:lstStyle/>
             <a:p>
-              <a:pPr indent="0" lvl="0" marL="0" rtl="0" algn="l">
+              <a:pPr marL="0" lvl="0" indent="0" algn="l" rtl="0">
                 <a:spcBef>
                   <a:spcPts val="0"/>
                 </a:spcBef>
@@ -6386,9 +6373,6 @@
                 </a:spcAft>
                 <a:buNone/>
               </a:pPr>
-              <a:r>
-                <a:t/>
-              </a:r>
               <a:endParaRPr/>
             </a:p>
           </p:txBody>
@@ -6397,7 +6381,9 @@
       <p:sp>
         <p:nvSpPr>
           <p:cNvPr id="66" name="Google Shape;66;p7"/>
-          <p:cNvSpPr txBox="1"/>
+          <p:cNvSpPr txBox="1">
+            <a:spLocks noGrp="1"/>
+          </p:cNvSpPr>
           <p:nvPr>
             <p:ph type="title"/>
           </p:nvPr>
@@ -6412,7 +6398,7 @@
           </a:prstGeom>
         </p:spPr>
         <p:txBody>
-          <a:bodyPr anchorCtr="0" anchor="t" bIns="91425" lIns="91425" spcFirstLastPara="1" rIns="91425" wrap="square" tIns="91425"/>
+          <a:bodyPr spcFirstLastPara="1" wrap="square" lIns="91425" tIns="91425" rIns="91425" bIns="91425" anchor="t" anchorCtr="0"/>
           <a:lstStyle>
             <a:lvl1pPr lvl="0">
               <a:spcBef>
@@ -6514,15 +6500,19 @@
               <a:defRPr sz="2400"/>
             </a:lvl9pPr>
           </a:lstStyle>
-          <a:p/>
+          <a:p>
+            <a:endParaRPr/>
+          </a:p>
         </p:txBody>
       </p:sp>
       <p:sp>
         <p:nvSpPr>
           <p:cNvPr id="67" name="Google Shape;67;p7"/>
-          <p:cNvSpPr txBox="1"/>
+          <p:cNvSpPr txBox="1">
+            <a:spLocks noGrp="1"/>
+          </p:cNvSpPr>
           <p:nvPr>
-            <p:ph idx="1" type="body"/>
+            <p:ph type="body" idx="1"/>
           </p:nvPr>
         </p:nvSpPr>
         <p:spPr>
@@ -6535,9 +6525,9 @@
           </a:prstGeom>
         </p:spPr>
         <p:txBody>
-          <a:bodyPr anchorCtr="0" anchor="t" bIns="91425" lIns="91425" spcFirstLastPara="1" rIns="91425" wrap="square" tIns="91425"/>
+          <a:bodyPr spcFirstLastPara="1" wrap="square" lIns="91425" tIns="91425" rIns="91425" bIns="91425" anchor="t" anchorCtr="0"/>
           <a:lstStyle>
-            <a:lvl1pPr indent="-311150" lvl="0" marL="457200">
+            <a:lvl1pPr marL="457200" lvl="0" indent="-311150">
               <a:spcBef>
                 <a:spcPts val="0"/>
               </a:spcBef>
@@ -6548,7 +6538,7 @@
               <a:buChar char="●"/>
               <a:defRPr/>
             </a:lvl1pPr>
-            <a:lvl2pPr indent="-298450" lvl="1" marL="914400">
+            <a:lvl2pPr marL="914400" lvl="1" indent="-298450">
               <a:spcBef>
                 <a:spcPts val="1600"/>
               </a:spcBef>
@@ -6559,7 +6549,7 @@
               <a:buChar char="○"/>
               <a:defRPr/>
             </a:lvl2pPr>
-            <a:lvl3pPr indent="-298450" lvl="2" marL="1371600">
+            <a:lvl3pPr marL="1371600" lvl="2" indent="-298450">
               <a:spcBef>
                 <a:spcPts val="1600"/>
               </a:spcBef>
@@ -6570,7 +6560,7 @@
               <a:buChar char="■"/>
               <a:defRPr/>
             </a:lvl3pPr>
-            <a:lvl4pPr indent="-298450" lvl="3" marL="1828800">
+            <a:lvl4pPr marL="1828800" lvl="3" indent="-298450">
               <a:spcBef>
                 <a:spcPts val="1600"/>
               </a:spcBef>
@@ -6581,7 +6571,7 @@
               <a:buChar char="●"/>
               <a:defRPr/>
             </a:lvl4pPr>
-            <a:lvl5pPr indent="-298450" lvl="4" marL="2286000">
+            <a:lvl5pPr marL="2286000" lvl="4" indent="-298450">
               <a:spcBef>
                 <a:spcPts val="1600"/>
               </a:spcBef>
@@ -6592,7 +6582,7 @@
               <a:buChar char="○"/>
               <a:defRPr/>
             </a:lvl5pPr>
-            <a:lvl6pPr indent="-298450" lvl="5" marL="2743200">
+            <a:lvl6pPr marL="2743200" lvl="5" indent="-298450">
               <a:spcBef>
                 <a:spcPts val="1600"/>
               </a:spcBef>
@@ -6603,7 +6593,7 @@
               <a:buChar char="■"/>
               <a:defRPr/>
             </a:lvl6pPr>
-            <a:lvl7pPr indent="-298450" lvl="6" marL="3200400">
+            <a:lvl7pPr marL="3200400" lvl="6" indent="-298450">
               <a:spcBef>
                 <a:spcPts val="1600"/>
               </a:spcBef>
@@ -6614,7 +6604,7 @@
               <a:buChar char="●"/>
               <a:defRPr/>
             </a:lvl7pPr>
-            <a:lvl8pPr indent="-298450" lvl="7" marL="3657600">
+            <a:lvl8pPr marL="3657600" lvl="7" indent="-298450">
               <a:spcBef>
                 <a:spcPts val="1600"/>
               </a:spcBef>
@@ -6625,7 +6615,7 @@
               <a:buChar char="○"/>
               <a:defRPr/>
             </a:lvl8pPr>
-            <a:lvl9pPr indent="-298450" lvl="8" marL="4114800">
+            <a:lvl9pPr marL="4114800" lvl="8" indent="-298450">
               <a:spcBef>
                 <a:spcPts val="1600"/>
               </a:spcBef>
@@ -6637,15 +6627,19 @@
               <a:defRPr/>
             </a:lvl9pPr>
           </a:lstStyle>
-          <a:p/>
+          <a:p>
+            <a:endParaRPr/>
+          </a:p>
         </p:txBody>
       </p:sp>
       <p:sp>
         <p:nvSpPr>
           <p:cNvPr id="68" name="Google Shape;68;p7"/>
-          <p:cNvSpPr txBox="1"/>
+          <p:cNvSpPr txBox="1">
+            <a:spLocks noGrp="1"/>
+          </p:cNvSpPr>
           <p:nvPr>
-            <p:ph idx="12" type="sldNum"/>
+            <p:ph type="sldNum" idx="12"/>
           </p:nvPr>
         </p:nvSpPr>
         <p:spPr>
@@ -6658,7 +6652,7 @@
           </a:prstGeom>
         </p:spPr>
         <p:txBody>
-          <a:bodyPr anchorCtr="0" anchor="ctr" bIns="91425" lIns="91425" spcFirstLastPara="1" rIns="91425" wrap="square" tIns="91425">
+          <a:bodyPr spcFirstLastPara="1" wrap="square" lIns="91425" tIns="91425" rIns="91425" bIns="91425" anchor="ctr" anchorCtr="0">
             <a:noAutofit/>
           </a:bodyPr>
           <a:lstStyle>
@@ -6700,7 +6694,7 @@
             </a:lvl9pPr>
           </a:lstStyle>
           <a:p>
-            <a:pPr indent="0" lvl="0" marL="0" rtl="0" algn="r">
+            <a:pPr marL="0" lvl="0" indent="0" algn="r" rtl="0">
               <a:spcBef>
                 <a:spcPts val="0"/>
               </a:spcBef>
@@ -6726,11 +6720,11 @@
 </file>
 
 <file path=ppt/slideLayouts/slideLayout7.xml><?xml version="1.0" encoding="utf-8"?>
-<p:sldLayout xmlns:a="http://schemas.openxmlformats.org/drawingml/2006/main" xmlns:r="http://schemas.openxmlformats.org/officeDocument/2006/relationships" xmlns:mc="http://schemas.openxmlformats.org/markup-compatibility/2006" xmlns:mv="urn:schemas-microsoft-com:mac:vml" xmlns:p="http://schemas.openxmlformats.org/presentationml/2006/main" xmlns:c="http://schemas.openxmlformats.org/drawingml/2006/chart" xmlns:dgm="http://schemas.openxmlformats.org/drawingml/2006/diagram" xmlns:o="urn:schemas-microsoft-com:office:office" xmlns:v="urn:schemas-microsoft-com:vml" xmlns:pvml="urn:schemas-microsoft-com:office:powerpoint" xmlns:com="http://schemas.openxmlformats.org/drawingml/2006/compatibility" xmlns:p14="http://schemas.microsoft.com/office/powerpoint/2010/main" xmlns:p15="http://schemas.microsoft.com/office/powerpoint/2012/main" matchingName="Main point">
+<p:sldLayout xmlns:a="http://schemas.openxmlformats.org/drawingml/2006/main" xmlns:r="http://schemas.openxmlformats.org/officeDocument/2006/relationships" xmlns:p="http://schemas.openxmlformats.org/presentationml/2006/main" matchingName="Main point">
   <p:cSld name="MAIN_POINT">
     <p:spTree>
       <p:nvGrpSpPr>
-        <p:cNvPr id="69" name="Shape 69"/>
+        <p:cNvPr id="1" name="Shape 69"/>
         <p:cNvGrpSpPr/>
         <p:nvPr/>
       </p:nvGrpSpPr>
@@ -6769,7 +6763,7 @@
             </a:xfrm>
             <a:prstGeom prst="diagStripe">
               <a:avLst>
-                <a:gd fmla="val 49469" name="adj"/>
+                <a:gd name="adj" fmla="val 49469"/>
               </a:avLst>
             </a:prstGeom>
             <a:solidFill>
@@ -6782,12 +6776,12 @@
             </a:ln>
           </p:spPr>
           <p:txBody>
-            <a:bodyPr anchorCtr="0" anchor="ctr" bIns="91425" lIns="91425" spcFirstLastPara="1" rIns="91425" wrap="square" tIns="91425">
+            <a:bodyPr spcFirstLastPara="1" wrap="square" lIns="91425" tIns="91425" rIns="91425" bIns="91425" anchor="ctr" anchorCtr="0">
               <a:noAutofit/>
             </a:bodyPr>
             <a:lstStyle/>
             <a:p>
-              <a:pPr indent="0" lvl="0" marL="0" rtl="0" algn="l">
+              <a:pPr marL="0" lvl="0" indent="0" algn="l" rtl="0">
                 <a:spcBef>
                   <a:spcPts val="0"/>
                 </a:spcBef>
@@ -6796,9 +6790,6 @@
                 </a:spcAft>
                 <a:buNone/>
               </a:pPr>
-              <a:r>
-                <a:t/>
-              </a:r>
               <a:endParaRPr/>
             </a:p>
           </p:txBody>
@@ -6816,7 +6807,7 @@
             </a:xfrm>
             <a:prstGeom prst="diagStripe">
               <a:avLst>
-                <a:gd fmla="val 0" name="adj"/>
+                <a:gd name="adj" fmla="val 0"/>
               </a:avLst>
             </a:prstGeom>
             <a:solidFill>
@@ -6829,12 +6820,12 @@
             </a:ln>
           </p:spPr>
           <p:txBody>
-            <a:bodyPr anchorCtr="0" anchor="ctr" bIns="91425" lIns="91425" spcFirstLastPara="1" rIns="91425" wrap="square" tIns="91425">
+            <a:bodyPr spcFirstLastPara="1" wrap="square" lIns="91425" tIns="91425" rIns="91425" bIns="91425" anchor="ctr" anchorCtr="0">
               <a:noAutofit/>
             </a:bodyPr>
             <a:lstStyle/>
             <a:p>
-              <a:pPr indent="0" lvl="0" marL="0" rtl="0" algn="l">
+              <a:pPr marL="0" lvl="0" indent="0" algn="l" rtl="0">
                 <a:spcBef>
                   <a:spcPts val="0"/>
                 </a:spcBef>
@@ -6843,9 +6834,6 @@
                 </a:spcAft>
                 <a:buNone/>
               </a:pPr>
-              <a:r>
-                <a:t/>
-              </a:r>
               <a:endParaRPr/>
             </a:p>
           </p:txBody>
@@ -6863,7 +6851,7 @@
             </a:xfrm>
             <a:prstGeom prst="diagStripe">
               <a:avLst>
-                <a:gd fmla="val 50000" name="adj"/>
+                <a:gd name="adj" fmla="val 50000"/>
               </a:avLst>
             </a:prstGeom>
             <a:solidFill>
@@ -6876,12 +6864,12 @@
             </a:ln>
           </p:spPr>
           <p:txBody>
-            <a:bodyPr anchorCtr="0" anchor="ctr" bIns="91425" lIns="91425" spcFirstLastPara="1" rIns="91425" wrap="square" tIns="91425">
+            <a:bodyPr spcFirstLastPara="1" wrap="square" lIns="91425" tIns="91425" rIns="91425" bIns="91425" anchor="ctr" anchorCtr="0">
               <a:noAutofit/>
             </a:bodyPr>
             <a:lstStyle/>
             <a:p>
-              <a:pPr indent="0" lvl="0" marL="0" rtl="0" algn="l">
+              <a:pPr marL="0" lvl="0" indent="0" algn="l" rtl="0">
                 <a:spcBef>
                   <a:spcPts val="0"/>
                 </a:spcBef>
@@ -6890,9 +6878,6 @@
                 </a:spcAft>
                 <a:buNone/>
               </a:pPr>
-              <a:r>
-                <a:t/>
-              </a:r>
               <a:endParaRPr/>
             </a:p>
           </p:txBody>
@@ -6910,7 +6895,7 @@
             </a:xfrm>
             <a:prstGeom prst="diagStripe">
               <a:avLst>
-                <a:gd fmla="val 50000" name="adj"/>
+                <a:gd name="adj" fmla="val 50000"/>
               </a:avLst>
             </a:prstGeom>
             <a:solidFill>
@@ -6923,12 +6908,12 @@
             </a:ln>
           </p:spPr>
           <p:txBody>
-            <a:bodyPr anchorCtr="0" anchor="ctr" bIns="91425" lIns="91425" spcFirstLastPara="1" rIns="91425" wrap="square" tIns="91425">
+            <a:bodyPr spcFirstLastPara="1" wrap="square" lIns="91425" tIns="91425" rIns="91425" bIns="91425" anchor="ctr" anchorCtr="0">
               <a:noAutofit/>
             </a:bodyPr>
             <a:lstStyle/>
             <a:p>
-              <a:pPr indent="0" lvl="0" marL="0" rtl="0" algn="l">
+              <a:pPr marL="0" lvl="0" indent="0" algn="l" rtl="0">
                 <a:spcBef>
                   <a:spcPts val="0"/>
                 </a:spcBef>
@@ -6937,9 +6922,6 @@
                 </a:spcAft>
                 <a:buNone/>
               </a:pPr>
-              <a:r>
-                <a:t/>
-              </a:r>
               <a:endParaRPr/>
             </a:p>
           </p:txBody>
@@ -6957,7 +6939,7 @@
             </a:xfrm>
             <a:prstGeom prst="diagStripe">
               <a:avLst>
-                <a:gd fmla="val 50000" name="adj"/>
+                <a:gd name="adj" fmla="val 50000"/>
               </a:avLst>
             </a:prstGeom>
             <a:solidFill>
@@ -6970,12 +6952,12 @@
             </a:ln>
           </p:spPr>
           <p:txBody>
-            <a:bodyPr anchorCtr="0" anchor="ctr" bIns="91425" lIns="91425" spcFirstLastPara="1" rIns="91425" wrap="square" tIns="91425">
+            <a:bodyPr spcFirstLastPara="1" wrap="square" lIns="91425" tIns="91425" rIns="91425" bIns="91425" anchor="ctr" anchorCtr="0">
               <a:noAutofit/>
             </a:bodyPr>
             <a:lstStyle/>
             <a:p>
-              <a:pPr indent="0" lvl="0" marL="0" rtl="0" algn="l">
+              <a:pPr marL="0" lvl="0" indent="0" algn="l" rtl="0">
                 <a:spcBef>
                   <a:spcPts val="0"/>
                 </a:spcBef>
@@ -6984,9 +6966,6 @@
                 </a:spcAft>
                 <a:buNone/>
               </a:pPr>
-              <a:r>
-                <a:t/>
-              </a:r>
               <a:endParaRPr/>
             </a:p>
           </p:txBody>
@@ -7004,7 +6983,7 @@
             </a:xfrm>
             <a:prstGeom prst="diagStripe">
               <a:avLst>
-                <a:gd fmla="val 50000" name="adj"/>
+                <a:gd name="adj" fmla="val 50000"/>
               </a:avLst>
             </a:prstGeom>
             <a:solidFill>
@@ -7017,12 +6996,12 @@
             </a:ln>
           </p:spPr>
           <p:txBody>
-            <a:bodyPr anchorCtr="0" anchor="ctr" bIns="91425" lIns="91425" spcFirstLastPara="1" rIns="91425" wrap="square" tIns="91425">
+            <a:bodyPr spcFirstLastPara="1" wrap="square" lIns="91425" tIns="91425" rIns="91425" bIns="91425" anchor="ctr" anchorCtr="0">
               <a:noAutofit/>
             </a:bodyPr>
             <a:lstStyle/>
             <a:p>
-              <a:pPr indent="0" lvl="0" marL="0" rtl="0" algn="l">
+              <a:pPr marL="0" lvl="0" indent="0" algn="l" rtl="0">
                 <a:spcBef>
                   <a:spcPts val="0"/>
                 </a:spcBef>
@@ -7031,9 +7010,6 @@
                 </a:spcAft>
                 <a:buNone/>
               </a:pPr>
-              <a:r>
-                <a:t/>
-              </a:r>
               <a:endParaRPr/>
             </a:p>
           </p:txBody>
@@ -7051,7 +7027,7 @@
             </a:xfrm>
             <a:prstGeom prst="diagStripe">
               <a:avLst>
-                <a:gd fmla="val 50000" name="adj"/>
+                <a:gd name="adj" fmla="val 50000"/>
               </a:avLst>
             </a:prstGeom>
             <a:solidFill>
@@ -7064,12 +7040,12 @@
             </a:ln>
           </p:spPr>
           <p:txBody>
-            <a:bodyPr anchorCtr="0" anchor="ctr" bIns="91425" lIns="91425" spcFirstLastPara="1" rIns="91425" wrap="square" tIns="91425">
+            <a:bodyPr spcFirstLastPara="1" wrap="square" lIns="91425" tIns="91425" rIns="91425" bIns="91425" anchor="ctr" anchorCtr="0">
               <a:noAutofit/>
             </a:bodyPr>
             <a:lstStyle/>
             <a:p>
-              <a:pPr indent="0" lvl="0" marL="0" rtl="0" algn="l">
+              <a:pPr marL="0" lvl="0" indent="0" algn="l" rtl="0">
                 <a:spcBef>
                   <a:spcPts val="0"/>
                 </a:spcBef>
@@ -7078,9 +7054,6 @@
                 </a:spcAft>
                 <a:buNone/>
               </a:pPr>
-              <a:r>
-                <a:t/>
-              </a:r>
               <a:endParaRPr/>
             </a:p>
           </p:txBody>
@@ -7098,7 +7071,7 @@
             </a:xfrm>
             <a:prstGeom prst="diagStripe">
               <a:avLst>
-                <a:gd fmla="val 50000" name="adj"/>
+                <a:gd name="adj" fmla="val 50000"/>
               </a:avLst>
             </a:prstGeom>
             <a:solidFill>
@@ -7109,12 +7082,12 @@
             </a:ln>
           </p:spPr>
           <p:txBody>
-            <a:bodyPr anchorCtr="0" anchor="ctr" bIns="91425" lIns="91425" spcFirstLastPara="1" rIns="91425" wrap="square" tIns="91425">
+            <a:bodyPr spcFirstLastPara="1" wrap="square" lIns="91425" tIns="91425" rIns="91425" bIns="91425" anchor="ctr" anchorCtr="0">
               <a:noAutofit/>
             </a:bodyPr>
             <a:lstStyle/>
             <a:p>
-              <a:pPr indent="0" lvl="0" marL="0" rtl="0" algn="l">
+              <a:pPr marL="0" lvl="0" indent="0" algn="l" rtl="0">
                 <a:spcBef>
                   <a:spcPts val="0"/>
                 </a:spcBef>
@@ -7123,9 +7096,6 @@
                 </a:spcAft>
                 <a:buNone/>
               </a:pPr>
-              <a:r>
-                <a:t/>
-              </a:r>
               <a:endParaRPr/>
             </a:p>
           </p:txBody>
@@ -7143,7 +7113,7 @@
             </a:xfrm>
             <a:prstGeom prst="diagStripe">
               <a:avLst>
-                <a:gd fmla="val 50000" name="adj"/>
+                <a:gd name="adj" fmla="val 50000"/>
               </a:avLst>
             </a:prstGeom>
             <a:solidFill>
@@ -7156,12 +7126,12 @@
             </a:ln>
           </p:spPr>
           <p:txBody>
-            <a:bodyPr anchorCtr="0" anchor="ctr" bIns="91425" lIns="91425" spcFirstLastPara="1" rIns="91425" wrap="square" tIns="91425">
+            <a:bodyPr spcFirstLastPara="1" wrap="square" lIns="91425" tIns="91425" rIns="91425" bIns="91425" anchor="ctr" anchorCtr="0">
               <a:noAutofit/>
             </a:bodyPr>
             <a:lstStyle/>
             <a:p>
-              <a:pPr indent="0" lvl="0" marL="0" rtl="0" algn="l">
+              <a:pPr marL="0" lvl="0" indent="0" algn="l" rtl="0">
                 <a:spcBef>
                   <a:spcPts val="0"/>
                 </a:spcBef>
@@ -7170,9 +7140,6 @@
                 </a:spcAft>
                 <a:buNone/>
               </a:pPr>
-              <a:r>
-                <a:t/>
-              </a:r>
               <a:endParaRPr/>
             </a:p>
           </p:txBody>
@@ -7190,7 +7157,7 @@
             </a:xfrm>
             <a:prstGeom prst="diagStripe">
               <a:avLst>
-                <a:gd fmla="val 50000" name="adj"/>
+                <a:gd name="adj" fmla="val 50000"/>
               </a:avLst>
             </a:prstGeom>
             <a:solidFill>
@@ -7203,12 +7170,12 @@
             </a:ln>
           </p:spPr>
           <p:txBody>
-            <a:bodyPr anchorCtr="0" anchor="ctr" bIns="91425" lIns="91425" spcFirstLastPara="1" rIns="91425" wrap="square" tIns="91425">
+            <a:bodyPr spcFirstLastPara="1" wrap="square" lIns="91425" tIns="91425" rIns="91425" bIns="91425" anchor="ctr" anchorCtr="0">
               <a:noAutofit/>
             </a:bodyPr>
             <a:lstStyle/>
             <a:p>
-              <a:pPr indent="0" lvl="0" marL="0" rtl="0" algn="l">
+              <a:pPr marL="0" lvl="0" indent="0" algn="l" rtl="0">
                 <a:spcBef>
                   <a:spcPts val="0"/>
                 </a:spcBef>
@@ -7217,9 +7184,6 @@
                 </a:spcAft>
                 <a:buNone/>
               </a:pPr>
-              <a:r>
-                <a:t/>
-              </a:r>
               <a:endParaRPr/>
             </a:p>
           </p:txBody>
@@ -7237,7 +7201,7 @@
             </a:xfrm>
             <a:prstGeom prst="diagStripe">
               <a:avLst>
-                <a:gd fmla="val 50000" name="adj"/>
+                <a:gd name="adj" fmla="val 50000"/>
               </a:avLst>
             </a:prstGeom>
             <a:solidFill>
@@ -7250,12 +7214,12 @@
             </a:ln>
           </p:spPr>
           <p:txBody>
-            <a:bodyPr anchorCtr="0" anchor="ctr" bIns="91425" lIns="91425" spcFirstLastPara="1" rIns="91425" wrap="square" tIns="91425">
+            <a:bodyPr spcFirstLastPara="1" wrap="square" lIns="91425" tIns="91425" rIns="91425" bIns="91425" anchor="ctr" anchorCtr="0">
               <a:noAutofit/>
             </a:bodyPr>
             <a:lstStyle/>
             <a:p>
-              <a:pPr indent="0" lvl="0" marL="0" rtl="0" algn="l">
+              <a:pPr marL="0" lvl="0" indent="0" algn="l" rtl="0">
                 <a:spcBef>
                   <a:spcPts val="0"/>
                 </a:spcBef>
@@ -7264,9 +7228,6 @@
                 </a:spcAft>
                 <a:buNone/>
               </a:pPr>
-              <a:r>
-                <a:t/>
-              </a:r>
               <a:endParaRPr/>
             </a:p>
           </p:txBody>
@@ -7284,7 +7245,7 @@
             </a:xfrm>
             <a:prstGeom prst="diagStripe">
               <a:avLst>
-                <a:gd fmla="val 50000" name="adj"/>
+                <a:gd name="adj" fmla="val 50000"/>
               </a:avLst>
             </a:prstGeom>
             <a:solidFill>
@@ -7297,12 +7258,12 @@
             </a:ln>
           </p:spPr>
           <p:txBody>
-            <a:bodyPr anchorCtr="0" anchor="ctr" bIns="91425" lIns="91425" spcFirstLastPara="1" rIns="91425" wrap="square" tIns="91425">
+            <a:bodyPr spcFirstLastPara="1" wrap="square" lIns="91425" tIns="91425" rIns="91425" bIns="91425" anchor="ctr" anchorCtr="0">
               <a:noAutofit/>
             </a:bodyPr>
             <a:lstStyle/>
             <a:p>
-              <a:pPr indent="0" lvl="0" marL="0" rtl="0" algn="l">
+              <a:pPr marL="0" lvl="0" indent="0" algn="l" rtl="0">
                 <a:spcBef>
                   <a:spcPts val="0"/>
                 </a:spcBef>
@@ -7311,9 +7272,6 @@
                 </a:spcAft>
                 <a:buNone/>
               </a:pPr>
-              <a:r>
-                <a:t/>
-              </a:r>
               <a:endParaRPr/>
             </a:p>
           </p:txBody>
@@ -7331,7 +7289,7 @@
             </a:xfrm>
             <a:prstGeom prst="diagStripe">
               <a:avLst>
-                <a:gd fmla="val 50000" name="adj"/>
+                <a:gd name="adj" fmla="val 50000"/>
               </a:avLst>
             </a:prstGeom>
             <a:solidFill>
@@ -7344,12 +7302,12 @@
             </a:ln>
           </p:spPr>
           <p:txBody>
-            <a:bodyPr anchorCtr="0" anchor="ctr" bIns="91425" lIns="91425" spcFirstLastPara="1" rIns="91425" wrap="square" tIns="91425">
+            <a:bodyPr spcFirstLastPara="1" wrap="square" lIns="91425" tIns="91425" rIns="91425" bIns="91425" anchor="ctr" anchorCtr="0">
               <a:noAutofit/>
             </a:bodyPr>
             <a:lstStyle/>
             <a:p>
-              <a:pPr indent="0" lvl="0" marL="0" rtl="0" algn="l">
+              <a:pPr marL="0" lvl="0" indent="0" algn="l" rtl="0">
                 <a:spcBef>
                   <a:spcPts val="0"/>
                 </a:spcBef>
@@ -7358,9 +7316,6 @@
                 </a:spcAft>
                 <a:buNone/>
               </a:pPr>
-              <a:r>
-                <a:t/>
-              </a:r>
               <a:endParaRPr/>
             </a:p>
           </p:txBody>
@@ -7378,7 +7333,7 @@
             </a:xfrm>
             <a:prstGeom prst="diagStripe">
               <a:avLst>
-                <a:gd fmla="val 50000" name="adj"/>
+                <a:gd name="adj" fmla="val 50000"/>
               </a:avLst>
             </a:prstGeom>
             <a:solidFill>
@@ -7389,12 +7344,12 @@
             </a:ln>
           </p:spPr>
           <p:txBody>
-            <a:bodyPr anchorCtr="0" anchor="ctr" bIns="91425" lIns="91425" spcFirstLastPara="1" rIns="91425" wrap="square" tIns="91425">
+            <a:bodyPr spcFirstLastPara="1" wrap="square" lIns="91425" tIns="91425" rIns="91425" bIns="91425" anchor="ctr" anchorCtr="0">
               <a:noAutofit/>
             </a:bodyPr>
             <a:lstStyle/>
             <a:p>
-              <a:pPr indent="0" lvl="0" marL="0" rtl="0" algn="l">
+              <a:pPr marL="0" lvl="0" indent="0" algn="l" rtl="0">
                 <a:spcBef>
                   <a:spcPts val="0"/>
                 </a:spcBef>
@@ -7403,9 +7358,6 @@
                 </a:spcAft>
                 <a:buNone/>
               </a:pPr>
-              <a:r>
-                <a:t/>
-              </a:r>
               <a:endParaRPr/>
             </a:p>
           </p:txBody>
@@ -7423,7 +7375,7 @@
             </a:xfrm>
             <a:prstGeom prst="diagStripe">
               <a:avLst>
-                <a:gd fmla="val 50000" name="adj"/>
+                <a:gd name="adj" fmla="val 50000"/>
               </a:avLst>
             </a:prstGeom>
             <a:solidFill>
@@ -7436,12 +7388,12 @@
             </a:ln>
           </p:spPr>
           <p:txBody>
-            <a:bodyPr anchorCtr="0" anchor="ctr" bIns="91425" lIns="91425" spcFirstLastPara="1" rIns="91425" wrap="square" tIns="91425">
+            <a:bodyPr spcFirstLastPara="1" wrap="square" lIns="91425" tIns="91425" rIns="91425" bIns="91425" anchor="ctr" anchorCtr="0">
               <a:noAutofit/>
             </a:bodyPr>
             <a:lstStyle/>
             <a:p>
-              <a:pPr indent="0" lvl="0" marL="0" rtl="0" algn="l">
+              <a:pPr marL="0" lvl="0" indent="0" algn="l" rtl="0">
                 <a:spcBef>
                   <a:spcPts val="0"/>
                 </a:spcBef>
@@ -7450,9 +7402,6 @@
                 </a:spcAft>
                 <a:buNone/>
               </a:pPr>
-              <a:r>
-                <a:t/>
-              </a:r>
               <a:endParaRPr/>
             </a:p>
           </p:txBody>
@@ -7470,7 +7419,7 @@
             </a:xfrm>
             <a:prstGeom prst="diagStripe">
               <a:avLst>
-                <a:gd fmla="val 50000" name="adj"/>
+                <a:gd name="adj" fmla="val 50000"/>
               </a:avLst>
             </a:prstGeom>
             <a:solidFill>
@@ -7483,12 +7432,12 @@
             </a:ln>
           </p:spPr>
           <p:txBody>
-            <a:bodyPr anchorCtr="0" anchor="ctr" bIns="91425" lIns="91425" spcFirstLastPara="1" rIns="91425" wrap="square" tIns="91425">
+            <a:bodyPr spcFirstLastPara="1" wrap="square" lIns="91425" tIns="91425" rIns="91425" bIns="91425" anchor="ctr" anchorCtr="0">
               <a:noAutofit/>
             </a:bodyPr>
             <a:lstStyle/>
             <a:p>
-              <a:pPr indent="0" lvl="0" marL="0" rtl="0" algn="l">
+              <a:pPr marL="0" lvl="0" indent="0" algn="l" rtl="0">
                 <a:spcBef>
                   <a:spcPts val="0"/>
                 </a:spcBef>
@@ -7497,9 +7446,6 @@
                 </a:spcAft>
                 <a:buNone/>
               </a:pPr>
-              <a:r>
-                <a:t/>
-              </a:r>
               <a:endParaRPr/>
             </a:p>
           </p:txBody>
@@ -7517,7 +7463,7 @@
             </a:xfrm>
             <a:prstGeom prst="diagStripe">
               <a:avLst>
-                <a:gd fmla="val 50000" name="adj"/>
+                <a:gd name="adj" fmla="val 50000"/>
               </a:avLst>
             </a:prstGeom>
             <a:solidFill>
@@ -7530,12 +7476,12 @@
             </a:ln>
           </p:spPr>
           <p:txBody>
-            <a:bodyPr anchorCtr="0" anchor="ctr" bIns="91425" lIns="91425" spcFirstLastPara="1" rIns="91425" wrap="square" tIns="91425">
+            <a:bodyPr spcFirstLastPara="1" wrap="square" lIns="91425" tIns="91425" rIns="91425" bIns="91425" anchor="ctr" anchorCtr="0">
               <a:noAutofit/>
             </a:bodyPr>
             <a:lstStyle/>
             <a:p>
-              <a:pPr indent="0" lvl="0" marL="0" rtl="0" algn="l">
+              <a:pPr marL="0" lvl="0" indent="0" algn="l" rtl="0">
                 <a:spcBef>
                   <a:spcPts val="0"/>
                 </a:spcBef>
@@ -7544,9 +7490,6 @@
                 </a:spcAft>
                 <a:buNone/>
               </a:pPr>
-              <a:r>
-                <a:t/>
-              </a:r>
               <a:endParaRPr/>
             </a:p>
           </p:txBody>
@@ -7564,7 +7507,7 @@
             </a:xfrm>
             <a:prstGeom prst="diagStripe">
               <a:avLst>
-                <a:gd fmla="val 50000" name="adj"/>
+                <a:gd name="adj" fmla="val 50000"/>
               </a:avLst>
             </a:prstGeom>
             <a:solidFill>
@@ -7577,12 +7520,12 @@
             </a:ln>
           </p:spPr>
           <p:txBody>
-            <a:bodyPr anchorCtr="0" anchor="ctr" bIns="91425" lIns="91425" spcFirstLastPara="1" rIns="91425" wrap="square" tIns="91425">
+            <a:bodyPr spcFirstLastPara="1" wrap="square" lIns="91425" tIns="91425" rIns="91425" bIns="91425" anchor="ctr" anchorCtr="0">
               <a:noAutofit/>
             </a:bodyPr>
             <a:lstStyle/>
             <a:p>
-              <a:pPr indent="0" lvl="0" marL="0" rtl="0" algn="l">
+              <a:pPr marL="0" lvl="0" indent="0" algn="l" rtl="0">
                 <a:spcBef>
                   <a:spcPts val="0"/>
                 </a:spcBef>
@@ -7591,9 +7534,6 @@
                 </a:spcAft>
                 <a:buNone/>
               </a:pPr>
-              <a:r>
-                <a:t/>
-              </a:r>
               <a:endParaRPr/>
             </a:p>
           </p:txBody>
@@ -7602,7 +7542,9 @@
       <p:sp>
         <p:nvSpPr>
           <p:cNvPr id="89" name="Google Shape;89;p8"/>
-          <p:cNvSpPr txBox="1"/>
+          <p:cNvSpPr txBox="1">
+            <a:spLocks noGrp="1"/>
+          </p:cNvSpPr>
           <p:nvPr>
             <p:ph type="title"/>
           </p:nvPr>
@@ -7617,7 +7559,7 @@
           </a:prstGeom>
         </p:spPr>
         <p:txBody>
-          <a:bodyPr anchorCtr="0" anchor="ctr" bIns="91425" lIns="91425" spcFirstLastPara="1" rIns="91425" wrap="square" tIns="91425"/>
+          <a:bodyPr spcFirstLastPara="1" wrap="square" lIns="91425" tIns="91425" rIns="91425" bIns="91425" anchor="ctr" anchorCtr="0"/>
           <a:lstStyle>
             <a:lvl1pPr lvl="0">
               <a:spcBef>
@@ -7719,15 +7661,19 @@
               <a:defRPr/>
             </a:lvl9pPr>
           </a:lstStyle>
-          <a:p/>
+          <a:p>
+            <a:endParaRPr/>
+          </a:p>
         </p:txBody>
       </p:sp>
       <p:sp>
         <p:nvSpPr>
           <p:cNvPr id="90" name="Google Shape;90;p8"/>
-          <p:cNvSpPr txBox="1"/>
+          <p:cNvSpPr txBox="1">
+            <a:spLocks noGrp="1"/>
+          </p:cNvSpPr>
           <p:nvPr>
-            <p:ph idx="12" type="sldNum"/>
+            <p:ph type="sldNum" idx="12"/>
           </p:nvPr>
         </p:nvSpPr>
         <p:spPr>
@@ -7740,7 +7686,7 @@
           </a:prstGeom>
         </p:spPr>
         <p:txBody>
-          <a:bodyPr anchorCtr="0" anchor="ctr" bIns="91425" lIns="91425" spcFirstLastPara="1" rIns="91425" wrap="square" tIns="91425">
+          <a:bodyPr spcFirstLastPara="1" wrap="square" lIns="91425" tIns="91425" rIns="91425" bIns="91425" anchor="ctr" anchorCtr="0">
             <a:noAutofit/>
           </a:bodyPr>
           <a:lstStyle>
@@ -7782,7 +7728,7 @@
             </a:lvl9pPr>
           </a:lstStyle>
           <a:p>
-            <a:pPr indent="0" lvl="0" marL="0" rtl="0" algn="r">
+            <a:pPr marL="0" lvl="0" indent="0" algn="r" rtl="0">
               <a:spcBef>
                 <a:spcPts val="0"/>
               </a:spcBef>
@@ -7808,11 +7754,11 @@
 </file>
 
 <file path=ppt/slideLayouts/slideLayout8.xml><?xml version="1.0" encoding="utf-8"?>
-<p:sldLayout xmlns:a="http://schemas.openxmlformats.org/drawingml/2006/main" xmlns:r="http://schemas.openxmlformats.org/officeDocument/2006/relationships" xmlns:mc="http://schemas.openxmlformats.org/markup-compatibility/2006" xmlns:mv="urn:schemas-microsoft-com:mac:vml" xmlns:p="http://schemas.openxmlformats.org/presentationml/2006/main" xmlns:c="http://schemas.openxmlformats.org/drawingml/2006/chart" xmlns:dgm="http://schemas.openxmlformats.org/drawingml/2006/diagram" xmlns:o="urn:schemas-microsoft-com:office:office" xmlns:v="urn:schemas-microsoft-com:vml" xmlns:pvml="urn:schemas-microsoft-com:office:powerpoint" xmlns:com="http://schemas.openxmlformats.org/drawingml/2006/compatibility" xmlns:p14="http://schemas.microsoft.com/office/powerpoint/2010/main" xmlns:p15="http://schemas.microsoft.com/office/powerpoint/2012/main" matchingName="Section title and description">
+<p:sldLayout xmlns:a="http://schemas.openxmlformats.org/drawingml/2006/main" xmlns:r="http://schemas.openxmlformats.org/officeDocument/2006/relationships" xmlns:p="http://schemas.openxmlformats.org/presentationml/2006/main" matchingName="Section title and description">
   <p:cSld name="SECTION_TITLE_AND_DESCRIPTION">
     <p:spTree>
       <p:nvGrpSpPr>
-        <p:cNvPr id="91" name="Shape 91"/>
+        <p:cNvPr id="1" name="Shape 91"/>
         <p:cNvGrpSpPr/>
         <p:nvPr/>
       </p:nvGrpSpPr>
@@ -7851,7 +7797,7 @@
             </a:xfrm>
             <a:prstGeom prst="diagStripe">
               <a:avLst>
-                <a:gd fmla="val 50000" name="adj"/>
+                <a:gd name="adj" fmla="val 50000"/>
               </a:avLst>
             </a:prstGeom>
             <a:solidFill>
@@ -7862,12 +7808,12 @@
             </a:ln>
           </p:spPr>
           <p:txBody>
-            <a:bodyPr anchorCtr="0" anchor="ctr" bIns="91425" lIns="91425" spcFirstLastPara="1" rIns="91425" wrap="square" tIns="91425">
+            <a:bodyPr spcFirstLastPara="1" wrap="square" lIns="91425" tIns="91425" rIns="91425" bIns="91425" anchor="ctr" anchorCtr="0">
               <a:noAutofit/>
             </a:bodyPr>
             <a:lstStyle/>
             <a:p>
-              <a:pPr indent="0" lvl="0" marL="0" rtl="0" algn="l">
+              <a:pPr marL="0" lvl="0" indent="0" algn="l" rtl="0">
                 <a:spcBef>
                   <a:spcPts val="0"/>
                 </a:spcBef>
@@ -7876,9 +7822,6 @@
                 </a:spcAft>
                 <a:buNone/>
               </a:pPr>
-              <a:r>
-                <a:t/>
-              </a:r>
               <a:endParaRPr/>
             </a:p>
           </p:txBody>
@@ -7896,7 +7839,7 @@
             </a:xfrm>
             <a:prstGeom prst="diagStripe">
               <a:avLst>
-                <a:gd fmla="val 50000" name="adj"/>
+                <a:gd name="adj" fmla="val 50000"/>
               </a:avLst>
             </a:prstGeom>
             <a:solidFill>
@@ -7907,12 +7850,12 @@
             </a:ln>
           </p:spPr>
           <p:txBody>
-            <a:bodyPr anchorCtr="0" anchor="ctr" bIns="91425" lIns="91425" spcFirstLastPara="1" rIns="91425" wrap="square" tIns="91425">
+            <a:bodyPr spcFirstLastPara="1" wrap="square" lIns="91425" tIns="91425" rIns="91425" bIns="91425" anchor="ctr" anchorCtr="0">
               <a:noAutofit/>
             </a:bodyPr>
             <a:lstStyle/>
             <a:p>
-              <a:pPr indent="0" lvl="0" marL="0" rtl="0" algn="l">
+              <a:pPr marL="0" lvl="0" indent="0" algn="l" rtl="0">
                 <a:spcBef>
                   <a:spcPts val="0"/>
                 </a:spcBef>
@@ -7921,9 +7864,6 @@
                 </a:spcAft>
                 <a:buNone/>
               </a:pPr>
-              <a:r>
-                <a:t/>
-              </a:r>
               <a:endParaRPr/>
             </a:p>
           </p:txBody>
@@ -7932,7 +7872,9 @@
       <p:sp>
         <p:nvSpPr>
           <p:cNvPr id="95" name="Google Shape;95;p9"/>
-          <p:cNvSpPr txBox="1"/>
+          <p:cNvSpPr txBox="1">
+            <a:spLocks noGrp="1"/>
+          </p:cNvSpPr>
           <p:nvPr>
             <p:ph type="title"/>
           </p:nvPr>
@@ -7947,7 +7889,7 @@
           </a:prstGeom>
         </p:spPr>
         <p:txBody>
-          <a:bodyPr anchorCtr="0" anchor="t" bIns="91425" lIns="91425" spcFirstLastPara="1" rIns="91425" wrap="square" tIns="91425"/>
+          <a:bodyPr spcFirstLastPara="1" wrap="square" lIns="91425" tIns="91425" rIns="91425" bIns="91425" anchor="t" anchorCtr="0"/>
           <a:lstStyle>
             <a:lvl1pPr lvl="0">
               <a:spcBef>
@@ -8049,15 +7991,19 @@
               <a:defRPr sz="2400"/>
             </a:lvl9pPr>
           </a:lstStyle>
-          <a:p/>
+          <a:p>
+            <a:endParaRPr/>
+          </a:p>
         </p:txBody>
       </p:sp>
       <p:sp>
         <p:nvSpPr>
           <p:cNvPr id="96" name="Google Shape;96;p9"/>
-          <p:cNvSpPr txBox="1"/>
+          <p:cNvSpPr txBox="1">
+            <a:spLocks noGrp="1"/>
+          </p:cNvSpPr>
           <p:nvPr>
-            <p:ph idx="1" type="subTitle"/>
+            <p:ph type="subTitle" idx="1"/>
           </p:nvPr>
         </p:nvSpPr>
         <p:spPr>
@@ -8070,7 +8016,7 @@
           </a:prstGeom>
         </p:spPr>
         <p:txBody>
-          <a:bodyPr anchorCtr="0" anchor="t" bIns="91425" lIns="91425" spcFirstLastPara="1" rIns="91425" wrap="square" tIns="91425"/>
+          <a:bodyPr spcFirstLastPara="1" wrap="square" lIns="91425" tIns="91425" rIns="91425" bIns="91425" anchor="t" anchorCtr="0"/>
           <a:lstStyle>
             <a:lvl1pPr lvl="0">
               <a:lnSpc>
@@ -8199,15 +8145,19 @@
               <a:defRPr sz="1300"/>
             </a:lvl9pPr>
           </a:lstStyle>
-          <a:p/>
+          <a:p>
+            <a:endParaRPr/>
+          </a:p>
         </p:txBody>
       </p:sp>
       <p:sp>
         <p:nvSpPr>
           <p:cNvPr id="97" name="Google Shape;97;p9"/>
-          <p:cNvSpPr txBox="1"/>
+          <p:cNvSpPr txBox="1">
+            <a:spLocks noGrp="1"/>
+          </p:cNvSpPr>
           <p:nvPr>
-            <p:ph idx="2" type="body"/>
+            <p:ph type="body" idx="2"/>
           </p:nvPr>
         </p:nvSpPr>
         <p:spPr>
@@ -8220,9 +8170,9 @@
           </a:prstGeom>
         </p:spPr>
         <p:txBody>
-          <a:bodyPr anchorCtr="0" anchor="t" bIns="91425" lIns="91425" spcFirstLastPara="1" rIns="91425" wrap="square" tIns="91425"/>
+          <a:bodyPr spcFirstLastPara="1" wrap="square" lIns="91425" tIns="91425" rIns="91425" bIns="91425" anchor="t" anchorCtr="0"/>
           <a:lstStyle>
-            <a:lvl1pPr indent="-311150" lvl="0" marL="457200">
+            <a:lvl1pPr marL="457200" lvl="0" indent="-311150">
               <a:spcBef>
                 <a:spcPts val="0"/>
               </a:spcBef>
@@ -8233,7 +8183,7 @@
               <a:buChar char="●"/>
               <a:defRPr/>
             </a:lvl1pPr>
-            <a:lvl2pPr indent="-298450" lvl="1" marL="914400">
+            <a:lvl2pPr marL="914400" lvl="1" indent="-298450">
               <a:spcBef>
                 <a:spcPts val="1600"/>
               </a:spcBef>
@@ -8244,7 +8194,7 @@
               <a:buChar char="○"/>
               <a:defRPr/>
             </a:lvl2pPr>
-            <a:lvl3pPr indent="-298450" lvl="2" marL="1371600">
+            <a:lvl3pPr marL="1371600" lvl="2" indent="-298450">
               <a:spcBef>
                 <a:spcPts val="1600"/>
               </a:spcBef>
@@ -8255,7 +8205,7 @@
               <a:buChar char="■"/>
               <a:defRPr/>
             </a:lvl3pPr>
-            <a:lvl4pPr indent="-298450" lvl="3" marL="1828800">
+            <a:lvl4pPr marL="1828800" lvl="3" indent="-298450">
               <a:spcBef>
                 <a:spcPts val="1600"/>
               </a:spcBef>
@@ -8266,7 +8216,7 @@
               <a:buChar char="●"/>
               <a:defRPr/>
             </a:lvl4pPr>
-            <a:lvl5pPr indent="-298450" lvl="4" marL="2286000">
+            <a:lvl5pPr marL="2286000" lvl="4" indent="-298450">
               <a:spcBef>
                 <a:spcPts val="1600"/>
               </a:spcBef>
@@ -8277,7 +8227,7 @@
               <a:buChar char="○"/>
               <a:defRPr/>
             </a:lvl5pPr>
-            <a:lvl6pPr indent="-298450" lvl="5" marL="2743200">
+            <a:lvl6pPr marL="2743200" lvl="5" indent="-298450">
               <a:spcBef>
                 <a:spcPts val="1600"/>
               </a:spcBef>
@@ -8288,7 +8238,7 @@
               <a:buChar char="■"/>
               <a:defRPr/>
             </a:lvl6pPr>
-            <a:lvl7pPr indent="-298450" lvl="6" marL="3200400">
+            <a:lvl7pPr marL="3200400" lvl="6" indent="-298450">
               <a:spcBef>
                 <a:spcPts val="1600"/>
               </a:spcBef>
@@ -8299,7 +8249,7 @@
               <a:buChar char="●"/>
               <a:defRPr/>
             </a:lvl7pPr>
-            <a:lvl8pPr indent="-298450" lvl="7" marL="3657600">
+            <a:lvl8pPr marL="3657600" lvl="7" indent="-298450">
               <a:spcBef>
                 <a:spcPts val="1600"/>
               </a:spcBef>
@@ -8310,7 +8260,7 @@
               <a:buChar char="○"/>
               <a:defRPr/>
             </a:lvl8pPr>
-            <a:lvl9pPr indent="-298450" lvl="8" marL="4114800">
+            <a:lvl9pPr marL="4114800" lvl="8" indent="-298450">
               <a:spcBef>
                 <a:spcPts val="1600"/>
               </a:spcBef>
@@ -8322,15 +8272,19 @@
               <a:defRPr/>
             </a:lvl9pPr>
           </a:lstStyle>
-          <a:p/>
+          <a:p>
+            <a:endParaRPr/>
+          </a:p>
         </p:txBody>
       </p:sp>
       <p:sp>
         <p:nvSpPr>
           <p:cNvPr id="98" name="Google Shape;98;p9"/>
-          <p:cNvSpPr txBox="1"/>
+          <p:cNvSpPr txBox="1">
+            <a:spLocks noGrp="1"/>
+          </p:cNvSpPr>
           <p:nvPr>
-            <p:ph idx="12" type="sldNum"/>
+            <p:ph type="sldNum" idx="12"/>
           </p:nvPr>
         </p:nvSpPr>
         <p:spPr>
@@ -8343,7 +8297,7 @@
           </a:prstGeom>
         </p:spPr>
         <p:txBody>
-          <a:bodyPr anchorCtr="0" anchor="ctr" bIns="91425" lIns="91425" spcFirstLastPara="1" rIns="91425" wrap="square" tIns="91425">
+          <a:bodyPr spcFirstLastPara="1" wrap="square" lIns="91425" tIns="91425" rIns="91425" bIns="91425" anchor="ctr" anchorCtr="0">
             <a:noAutofit/>
           </a:bodyPr>
           <a:lstStyle>
@@ -8385,7 +8339,7 @@
             </a:lvl9pPr>
           </a:lstStyle>
           <a:p>
-            <a:pPr indent="0" lvl="0" marL="0" rtl="0" algn="r">
+            <a:pPr marL="0" lvl="0" indent="0" algn="r" rtl="0">
               <a:spcBef>
                 <a:spcPts val="0"/>
               </a:spcBef>
@@ -8411,11 +8365,11 @@
 </file>
 
 <file path=ppt/slideLayouts/slideLayout9.xml><?xml version="1.0" encoding="utf-8"?>
-<p:sldLayout xmlns:a="http://schemas.openxmlformats.org/drawingml/2006/main" xmlns:r="http://schemas.openxmlformats.org/officeDocument/2006/relationships" xmlns:mc="http://schemas.openxmlformats.org/markup-compatibility/2006" xmlns:mv="urn:schemas-microsoft-com:mac:vml" xmlns:p="http://schemas.openxmlformats.org/presentationml/2006/main" xmlns:c="http://schemas.openxmlformats.org/drawingml/2006/chart" xmlns:dgm="http://schemas.openxmlformats.org/drawingml/2006/diagram" xmlns:o="urn:schemas-microsoft-com:office:office" xmlns:v="urn:schemas-microsoft-com:vml" xmlns:pvml="urn:schemas-microsoft-com:office:powerpoint" xmlns:com="http://schemas.openxmlformats.org/drawingml/2006/compatibility" xmlns:p14="http://schemas.microsoft.com/office/powerpoint/2010/main" xmlns:p15="http://schemas.microsoft.com/office/powerpoint/2012/main" matchingName="Caption">
+<p:sldLayout xmlns:a="http://schemas.openxmlformats.org/drawingml/2006/main" xmlns:r="http://schemas.openxmlformats.org/officeDocument/2006/relationships" xmlns:p="http://schemas.openxmlformats.org/presentationml/2006/main" matchingName="Caption">
   <p:cSld name="CAPTION_ONLY">
     <p:spTree>
       <p:nvGrpSpPr>
-        <p:cNvPr id="99" name="Shape 99"/>
+        <p:cNvPr id="1" name="Shape 99"/>
         <p:cNvGrpSpPr/>
         <p:nvPr/>
       </p:nvGrpSpPr>
@@ -8454,7 +8408,7 @@
             </a:xfrm>
             <a:prstGeom prst="diagStripe">
               <a:avLst>
-                <a:gd fmla="val 50000" name="adj"/>
+                <a:gd name="adj" fmla="val 50000"/>
               </a:avLst>
             </a:prstGeom>
             <a:solidFill>
@@ -8467,12 +8421,12 @@
             </a:ln>
           </p:spPr>
           <p:txBody>
-            <a:bodyPr anchorCtr="0" anchor="ctr" bIns="91425" lIns="91425" spcFirstLastPara="1" rIns="91425" wrap="square" tIns="91425">
+            <a:bodyPr spcFirstLastPara="1" wrap="square" lIns="91425" tIns="91425" rIns="91425" bIns="91425" anchor="ctr" anchorCtr="0">
               <a:noAutofit/>
             </a:bodyPr>
             <a:lstStyle/>
             <a:p>
-              <a:pPr indent="0" lvl="0" marL="0" rtl="0" algn="l">
+              <a:pPr marL="0" lvl="0" indent="0" algn="l" rtl="0">
                 <a:spcBef>
                   <a:spcPts val="0"/>
                 </a:spcBef>
@@ -8481,9 +8435,6 @@
                 </a:spcAft>
                 <a:buNone/>
               </a:pPr>
-              <a:r>
-                <a:t/>
-              </a:r>
               <a:endParaRPr/>
             </a:p>
           </p:txBody>
@@ -8501,7 +8452,7 @@
             </a:xfrm>
             <a:prstGeom prst="diagStripe">
               <a:avLst>
-                <a:gd fmla="val 50000" name="adj"/>
+                <a:gd name="adj" fmla="val 50000"/>
               </a:avLst>
             </a:prstGeom>
             <a:solidFill>
@@ -8514,12 +8465,12 @@
             </a:ln>
           </p:spPr>
           <p:txBody>
-            <a:bodyPr anchorCtr="0" anchor="ctr" bIns="91425" lIns="91425" spcFirstLastPara="1" rIns="91425" wrap="square" tIns="91425">
+            <a:bodyPr spcFirstLastPara="1" wrap="square" lIns="91425" tIns="91425" rIns="91425" bIns="91425" anchor="ctr" anchorCtr="0">
               <a:noAutofit/>
             </a:bodyPr>
             <a:lstStyle/>
             <a:p>
-              <a:pPr indent="0" lvl="0" marL="0" rtl="0" algn="l">
+              <a:pPr marL="0" lvl="0" indent="0" algn="l" rtl="0">
                 <a:spcBef>
                   <a:spcPts val="0"/>
                 </a:spcBef>
@@ -8528,9 +8479,6 @@
                 </a:spcAft>
                 <a:buNone/>
               </a:pPr>
-              <a:r>
-                <a:t/>
-              </a:r>
               <a:endParaRPr/>
             </a:p>
           </p:txBody>
@@ -8539,9 +8487,11 @@
       <p:sp>
         <p:nvSpPr>
           <p:cNvPr id="103" name="Google Shape;103;p10"/>
-          <p:cNvSpPr txBox="1"/>
+          <p:cNvSpPr txBox="1">
+            <a:spLocks noGrp="1"/>
+          </p:cNvSpPr>
           <p:nvPr>
-            <p:ph idx="1" type="body"/>
+            <p:ph type="body" idx="1"/>
           </p:nvPr>
         </p:nvSpPr>
         <p:spPr>
@@ -8554,9 +8504,9 @@
           </a:prstGeom>
         </p:spPr>
         <p:txBody>
-          <a:bodyPr anchorCtr="0" anchor="ctr" bIns="91425" lIns="91425" spcFirstLastPara="1" rIns="91425" wrap="square" tIns="91425"/>
+          <a:bodyPr spcFirstLastPara="1" wrap="square" lIns="91425" tIns="91425" rIns="91425" bIns="91425" anchor="ctr" anchorCtr="0"/>
           <a:lstStyle>
-            <a:lvl1pPr indent="-228600" lvl="0" marL="457200">
+            <a:lvl1pPr marL="457200" lvl="0" indent="-228600">
               <a:lnSpc>
                 <a:spcPct val="100000"/>
               </a:lnSpc>
@@ -8571,15 +8521,19 @@
               <a:defRPr/>
             </a:lvl1pPr>
           </a:lstStyle>
-          <a:p/>
+          <a:p>
+            <a:endParaRPr/>
+          </a:p>
         </p:txBody>
       </p:sp>
       <p:sp>
         <p:nvSpPr>
           <p:cNvPr id="104" name="Google Shape;104;p10"/>
-          <p:cNvSpPr txBox="1"/>
+          <p:cNvSpPr txBox="1">
+            <a:spLocks noGrp="1"/>
+          </p:cNvSpPr>
           <p:nvPr>
-            <p:ph idx="12" type="sldNum"/>
+            <p:ph type="sldNum" idx="12"/>
           </p:nvPr>
         </p:nvSpPr>
         <p:spPr>
@@ -8592,7 +8546,7 @@
           </a:prstGeom>
         </p:spPr>
         <p:txBody>
-          <a:bodyPr anchorCtr="0" anchor="ctr" bIns="91425" lIns="91425" spcFirstLastPara="1" rIns="91425" wrap="square" tIns="91425">
+          <a:bodyPr spcFirstLastPara="1" wrap="square" lIns="91425" tIns="91425" rIns="91425" bIns="91425" anchor="ctr" anchorCtr="0">
             <a:noAutofit/>
           </a:bodyPr>
           <a:lstStyle>
@@ -8634,7 +8588,7 @@
             </a:lvl9pPr>
           </a:lstStyle>
           <a:p>
-            <a:pPr indent="0" lvl="0" marL="0" rtl="0" algn="r">
+            <a:pPr marL="0" lvl="0" indent="0" algn="r" rtl="0">
               <a:spcBef>
                 <a:spcPts val="0"/>
               </a:spcBef>
@@ -8660,18 +8614,19 @@
 </file>
 
 <file path=ppt/slideMasters/slideMaster1.xml><?xml version="1.0" encoding="utf-8"?>
-<p:sldMaster xmlns:a="http://schemas.openxmlformats.org/drawingml/2006/main" xmlns:r="http://schemas.openxmlformats.org/officeDocument/2006/relationships" xmlns:mc="http://schemas.openxmlformats.org/markup-compatibility/2006" xmlns:mv="urn:schemas-microsoft-com:mac:vml" xmlns:p="http://schemas.openxmlformats.org/presentationml/2006/main" xmlns:c="http://schemas.openxmlformats.org/drawingml/2006/chart" xmlns:dgm="http://schemas.openxmlformats.org/drawingml/2006/diagram" xmlns:o="urn:schemas-microsoft-com:office:office" xmlns:v="urn:schemas-microsoft-com:vml" xmlns:pvml="urn:schemas-microsoft-com:office:powerpoint" xmlns:com="http://schemas.openxmlformats.org/drawingml/2006/compatibility" xmlns:p14="http://schemas.microsoft.com/office/powerpoint/2010/main" xmlns:p15="http://schemas.microsoft.com/office/powerpoint/2012/main">
+<p:sldMaster xmlns:a="http://schemas.openxmlformats.org/drawingml/2006/main" xmlns:r="http://schemas.openxmlformats.org/officeDocument/2006/relationships" xmlns:p="http://schemas.openxmlformats.org/presentationml/2006/main">
   <p:cSld name="focus">
     <p:bg>
       <p:bgPr>
         <a:solidFill>
           <a:schemeClr val="dk1"/>
         </a:solidFill>
+        <a:effectLst/>
       </p:bgPr>
     </p:bg>
     <p:spTree>
       <p:nvGrpSpPr>
-        <p:cNvPr id="5" name="Shape 5"/>
+        <p:cNvPr id="1" name="Shape 5"/>
         <p:cNvGrpSpPr/>
         <p:nvPr/>
       </p:nvGrpSpPr>
@@ -8686,7 +8641,9 @@
       <p:sp>
         <p:nvSpPr>
           <p:cNvPr id="6" name="Google Shape;6;p1"/>
-          <p:cNvSpPr txBox="1"/>
+          <p:cNvSpPr txBox="1">
+            <a:spLocks noGrp="1"/>
+          </p:cNvSpPr>
           <p:nvPr>
             <p:ph type="title"/>
           </p:nvPr>
@@ -8705,7 +8662,7 @@
           </a:ln>
         </p:spPr>
         <p:txBody>
-          <a:bodyPr anchorCtr="0" anchor="t" bIns="91425" lIns="91425" spcFirstLastPara="1" rIns="91425" wrap="square" tIns="91425"/>
+          <a:bodyPr spcFirstLastPara="1" wrap="square" lIns="91425" tIns="91425" rIns="91425" bIns="91425" anchor="t" anchorCtr="0"/>
           <a:lstStyle>
             <a:lvl1pPr lvl="0">
               <a:spcBef>
@@ -8915,15 +8872,19 @@
               </a:defRPr>
             </a:lvl9pPr>
           </a:lstStyle>
-          <a:p/>
+          <a:p>
+            <a:endParaRPr/>
+          </a:p>
         </p:txBody>
       </p:sp>
       <p:sp>
         <p:nvSpPr>
           <p:cNvPr id="7" name="Google Shape;7;p1"/>
-          <p:cNvSpPr txBox="1"/>
+          <p:cNvSpPr txBox="1">
+            <a:spLocks noGrp="1"/>
+          </p:cNvSpPr>
           <p:nvPr>
-            <p:ph idx="1" type="body"/>
+            <p:ph type="body" idx="1"/>
           </p:nvPr>
         </p:nvSpPr>
         <p:spPr>
@@ -8940,9 +8901,9 @@
           </a:ln>
         </p:spPr>
         <p:txBody>
-          <a:bodyPr anchorCtr="0" anchor="t" bIns="91425" lIns="91425" spcFirstLastPara="1" rIns="91425" wrap="square" tIns="91425"/>
+          <a:bodyPr spcFirstLastPara="1" wrap="square" lIns="91425" tIns="91425" rIns="91425" bIns="91425" anchor="t" anchorCtr="0"/>
           <a:lstStyle>
-            <a:lvl1pPr indent="-311150" lvl="0" marL="457200">
+            <a:lvl1pPr marL="457200" lvl="0" indent="-311150">
               <a:lnSpc>
                 <a:spcPct val="115000"/>
               </a:lnSpc>
@@ -8968,7 +8929,7 @@
                 <a:sym typeface="Lato"/>
               </a:defRPr>
             </a:lvl1pPr>
-            <a:lvl2pPr indent="-298450" lvl="1" marL="914400">
+            <a:lvl2pPr marL="914400" lvl="1" indent="-298450">
               <a:lnSpc>
                 <a:spcPct val="115000"/>
               </a:lnSpc>
@@ -8994,7 +8955,7 @@
                 <a:sym typeface="Lato"/>
               </a:defRPr>
             </a:lvl2pPr>
-            <a:lvl3pPr indent="-298450" lvl="2" marL="1371600">
+            <a:lvl3pPr marL="1371600" lvl="2" indent="-298450">
               <a:lnSpc>
                 <a:spcPct val="115000"/>
               </a:lnSpc>
@@ -9020,7 +8981,7 @@
                 <a:sym typeface="Lato"/>
               </a:defRPr>
             </a:lvl3pPr>
-            <a:lvl4pPr indent="-298450" lvl="3" marL="1828800">
+            <a:lvl4pPr marL="1828800" lvl="3" indent="-298450">
               <a:lnSpc>
                 <a:spcPct val="115000"/>
               </a:lnSpc>
@@ -9046,7 +9007,7 @@
                 <a:sym typeface="Lato"/>
               </a:defRPr>
             </a:lvl4pPr>
-            <a:lvl5pPr indent="-298450" lvl="4" marL="2286000">
+            <a:lvl5pPr marL="2286000" lvl="4" indent="-298450">
               <a:lnSpc>
                 <a:spcPct val="115000"/>
               </a:lnSpc>
@@ -9072,7 +9033,7 @@
                 <a:sym typeface="Lato"/>
               </a:defRPr>
             </a:lvl5pPr>
-            <a:lvl6pPr indent="-298450" lvl="5" marL="2743200">
+            <a:lvl6pPr marL="2743200" lvl="5" indent="-298450">
               <a:lnSpc>
                 <a:spcPct val="115000"/>
               </a:lnSpc>
@@ -9098,7 +9059,7 @@
                 <a:sym typeface="Lato"/>
               </a:defRPr>
             </a:lvl6pPr>
-            <a:lvl7pPr indent="-298450" lvl="6" marL="3200400">
+            <a:lvl7pPr marL="3200400" lvl="6" indent="-298450">
               <a:lnSpc>
                 <a:spcPct val="115000"/>
               </a:lnSpc>
@@ -9124,7 +9085,7 @@
                 <a:sym typeface="Lato"/>
               </a:defRPr>
             </a:lvl7pPr>
-            <a:lvl8pPr indent="-298450" lvl="7" marL="3657600">
+            <a:lvl8pPr marL="3657600" lvl="7" indent="-298450">
               <a:lnSpc>
                 <a:spcPct val="115000"/>
               </a:lnSpc>
@@ -9150,7 +9111,7 @@
                 <a:sym typeface="Lato"/>
               </a:defRPr>
             </a:lvl8pPr>
-            <a:lvl9pPr indent="-298450" lvl="8" marL="4114800">
+            <a:lvl9pPr marL="4114800" lvl="8" indent="-298450">
               <a:lnSpc>
                 <a:spcPct val="115000"/>
               </a:lnSpc>
@@ -9177,15 +9138,19 @@
               </a:defRPr>
             </a:lvl9pPr>
           </a:lstStyle>
-          <a:p/>
+          <a:p>
+            <a:endParaRPr/>
+          </a:p>
         </p:txBody>
       </p:sp>
       <p:sp>
         <p:nvSpPr>
           <p:cNvPr id="8" name="Google Shape;8;p1"/>
-          <p:cNvSpPr txBox="1"/>
+          <p:cNvSpPr txBox="1">
+            <a:spLocks noGrp="1"/>
+          </p:cNvSpPr>
           <p:nvPr>
-            <p:ph idx="12" type="sldNum"/>
+            <p:ph type="sldNum" idx="12"/>
           </p:nvPr>
         </p:nvSpPr>
         <p:spPr>
@@ -9202,7 +9167,7 @@
           </a:ln>
         </p:spPr>
         <p:txBody>
-          <a:bodyPr anchorCtr="0" anchor="ctr" bIns="91425" lIns="91425" spcFirstLastPara="1" rIns="91425" wrap="square" tIns="91425">
+          <a:bodyPr spcFirstLastPara="1" wrap="square" lIns="91425" tIns="91425" rIns="91425" bIns="91425" anchor="ctr" anchorCtr="0">
             <a:noAutofit/>
           </a:bodyPr>
           <a:lstStyle>
@@ -9316,7 +9281,7 @@
             </a:lvl9pPr>
           </a:lstStyle>
           <a:p>
-            <a:pPr indent="0" lvl="0" marL="0" rtl="0" algn="r">
+            <a:pPr marL="0" lvl="0" indent="0" algn="r" rtl="0">
               <a:spcBef>
                 <a:spcPts val="0"/>
               </a:spcBef>
@@ -9335,7 +9300,7 @@
       </p:sp>
     </p:spTree>
   </p:cSld>
-  <p:clrMap accent1="accent1" accent2="accent2" accent3="accent3" accent4="accent4" accent5="accent5" accent6="accent6" bg1="lt1" bg2="dk2" tx1="dk1" tx2="lt2" folHlink="folHlink" hlink="hlink"/>
+  <p:clrMap bg1="lt1" tx1="dk1" bg2="dk2" tx2="lt2" accent1="accent1" accent2="accent2" accent3="accent3" accent4="accent4" accent5="accent5" accent6="accent6" hlink="hlink" folHlink="folHlink"/>
   <p:sldLayoutIdLst>
     <p:sldLayoutId id="2147483648" r:id="rId1"/>
     <p:sldLayoutId id="2147483649" r:id="rId2"/>
@@ -9349,10 +9314,10 @@
     <p:sldLayoutId id="2147483657" r:id="rId10"/>
     <p:sldLayoutId id="2147483658" r:id="rId11"/>
   </p:sldLayoutIdLst>
-  <p:hf dt="0" ftr="0" hdr="0" sldNum="0"/>
+  <p:hf sldNum="0" hdr="0" ftr="0" dt="0"/>
   <p:txStyles>
     <p:titleStyle>
-      <a:defPPr lvl="0" marR="0" rtl="0" algn="l">
+      <a:defPPr marR="0" lvl="0" algn="l" rtl="0">
         <a:lnSpc>
           <a:spcPct val="100000"/>
         </a:lnSpc>
@@ -9363,7 +9328,7 @@
           <a:spcPts val="0"/>
         </a:spcAft>
       </a:defPPr>
-      <a:lvl1pPr lvl="0" marR="0" rtl="0" algn="l">
+      <a:lvl1pPr marR="0" lvl="0" algn="l" rtl="0">
         <a:lnSpc>
           <a:spcPct val="100000"/>
         </a:lnSpc>
@@ -9377,7 +9342,7 @@
           <a:srgbClr val="000000"/>
         </a:buClr>
         <a:buFont typeface="Arial"/>
-        <a:defRPr b="0" i="0" sz="1400" u="none" cap="none" strike="noStrike">
+        <a:defRPr sz="1400" b="0" i="0" u="none" strike="noStrike" cap="none">
           <a:solidFill>
             <a:srgbClr val="000000"/>
           </a:solidFill>
@@ -9387,7 +9352,7 @@
           <a:sym typeface="Arial"/>
         </a:defRPr>
       </a:lvl1pPr>
-      <a:lvl2pPr lvl="1" marR="0" rtl="0" algn="l">
+      <a:lvl2pPr marR="0" lvl="1" algn="l" rtl="0">
         <a:lnSpc>
           <a:spcPct val="100000"/>
         </a:lnSpc>
@@ -9401,7 +9366,7 @@
           <a:srgbClr val="000000"/>
         </a:buClr>
         <a:buFont typeface="Arial"/>
-        <a:defRPr b="0" i="0" sz="1400" u="none" cap="none" strike="noStrike">
+        <a:defRPr sz="1400" b="0" i="0" u="none" strike="noStrike" cap="none">
           <a:solidFill>
             <a:srgbClr val="000000"/>
           </a:solidFill>
@@ -9411,7 +9376,7 @@
           <a:sym typeface="Arial"/>
         </a:defRPr>
       </a:lvl2pPr>
-      <a:lvl3pPr lvl="2" marR="0" rtl="0" algn="l">
+      <a:lvl3pPr marR="0" lvl="2" algn="l" rtl="0">
         <a:lnSpc>
           <a:spcPct val="100000"/>
         </a:lnSpc>
@@ -9425,7 +9390,7 @@
           <a:srgbClr val="000000"/>
         </a:buClr>
         <a:buFont typeface="Arial"/>
-        <a:defRPr b="0" i="0" sz="1400" u="none" cap="none" strike="noStrike">
+        <a:defRPr sz="1400" b="0" i="0" u="none" strike="noStrike" cap="none">
           <a:solidFill>
             <a:srgbClr val="000000"/>
           </a:solidFill>
@@ -9435,7 +9400,7 @@
           <a:sym typeface="Arial"/>
         </a:defRPr>
       </a:lvl3pPr>
-      <a:lvl4pPr lvl="3" marR="0" rtl="0" algn="l">
+      <a:lvl4pPr marR="0" lvl="3" algn="l" rtl="0">
         <a:lnSpc>
           <a:spcPct val="100000"/>
         </a:lnSpc>
@@ -9449,7 +9414,7 @@
           <a:srgbClr val="000000"/>
         </a:buClr>
         <a:buFont typeface="Arial"/>
-        <a:defRPr b="0" i="0" sz="1400" u="none" cap="none" strike="noStrike">
+        <a:defRPr sz="1400" b="0" i="0" u="none" strike="noStrike" cap="none">
           <a:solidFill>
             <a:srgbClr val="000000"/>
           </a:solidFill>
@@ -9459,7 +9424,7 @@
           <a:sym typeface="Arial"/>
         </a:defRPr>
       </a:lvl4pPr>
-      <a:lvl5pPr lvl="4" marR="0" rtl="0" algn="l">
+      <a:lvl5pPr marR="0" lvl="4" algn="l" rtl="0">
         <a:lnSpc>
           <a:spcPct val="100000"/>
         </a:lnSpc>
@@ -9473,7 +9438,7 @@
           <a:srgbClr val="000000"/>
         </a:buClr>
         <a:buFont typeface="Arial"/>
-        <a:defRPr b="0" i="0" sz="1400" u="none" cap="none" strike="noStrike">
+        <a:defRPr sz="1400" b="0" i="0" u="none" strike="noStrike" cap="none">
           <a:solidFill>
             <a:srgbClr val="000000"/>
           </a:solidFill>
@@ -9483,7 +9448,7 @@
           <a:sym typeface="Arial"/>
         </a:defRPr>
       </a:lvl5pPr>
-      <a:lvl6pPr lvl="5" marR="0" rtl="0" algn="l">
+      <a:lvl6pPr marR="0" lvl="5" algn="l" rtl="0">
         <a:lnSpc>
           <a:spcPct val="100000"/>
         </a:lnSpc>
@@ -9497,7 +9462,7 @@
           <a:srgbClr val="000000"/>
         </a:buClr>
         <a:buFont typeface="Arial"/>
-        <a:defRPr b="0" i="0" sz="1400" u="none" cap="none" strike="noStrike">
+        <a:defRPr sz="1400" b="0" i="0" u="none" strike="noStrike" cap="none">
           <a:solidFill>
             <a:srgbClr val="000000"/>
           </a:solidFill>
@@ -9507,7 +9472,7 @@
           <a:sym typeface="Arial"/>
         </a:defRPr>
       </a:lvl6pPr>
-      <a:lvl7pPr lvl="6" marR="0" rtl="0" algn="l">
+      <a:lvl7pPr marR="0" lvl="6" algn="l" rtl="0">
         <a:lnSpc>
           <a:spcPct val="100000"/>
         </a:lnSpc>
@@ -9521,7 +9486,7 @@
           <a:srgbClr val="000000"/>
         </a:buClr>
         <a:buFont typeface="Arial"/>
-        <a:defRPr b="0" i="0" sz="1400" u="none" cap="none" strike="noStrike">
+        <a:defRPr sz="1400" b="0" i="0" u="none" strike="noStrike" cap="none">
           <a:solidFill>
             <a:srgbClr val="000000"/>
           </a:solidFill>
@@ -9531,7 +9496,7 @@
           <a:sym typeface="Arial"/>
         </a:defRPr>
       </a:lvl7pPr>
-      <a:lvl8pPr lvl="7" marR="0" rtl="0" algn="l">
+      <a:lvl8pPr marR="0" lvl="7" algn="l" rtl="0">
         <a:lnSpc>
           <a:spcPct val="100000"/>
         </a:lnSpc>
@@ -9545,7 +9510,7 @@
           <a:srgbClr val="000000"/>
         </a:buClr>
         <a:buFont typeface="Arial"/>
-        <a:defRPr b="0" i="0" sz="1400" u="none" cap="none" strike="noStrike">
+        <a:defRPr sz="1400" b="0" i="0" u="none" strike="noStrike" cap="none">
           <a:solidFill>
             <a:srgbClr val="000000"/>
           </a:solidFill>
@@ -9555,7 +9520,7 @@
           <a:sym typeface="Arial"/>
         </a:defRPr>
       </a:lvl8pPr>
-      <a:lvl9pPr lvl="8" marR="0" rtl="0" algn="l">
+      <a:lvl9pPr marR="0" lvl="8" algn="l" rtl="0">
         <a:lnSpc>
           <a:spcPct val="100000"/>
         </a:lnSpc>
@@ -9569,7 +9534,7 @@
           <a:srgbClr val="000000"/>
         </a:buClr>
         <a:buFont typeface="Arial"/>
-        <a:defRPr b="0" i="0" sz="1400" u="none" cap="none" strike="noStrike">
+        <a:defRPr sz="1400" b="0" i="0" u="none" strike="noStrike" cap="none">
           <a:solidFill>
             <a:srgbClr val="000000"/>
           </a:solidFill>
@@ -9581,7 +9546,7 @@
       </a:lvl9pPr>
     </p:titleStyle>
     <p:bodyStyle>
-      <a:defPPr lvl="0" marR="0" rtl="0" algn="l">
+      <a:defPPr marR="0" lvl="0" algn="l" rtl="0">
         <a:lnSpc>
           <a:spcPct val="100000"/>
         </a:lnSpc>
@@ -9592,7 +9557,7 @@
           <a:spcPts val="0"/>
         </a:spcAft>
       </a:defPPr>
-      <a:lvl1pPr lvl="0" marR="0" rtl="0" algn="l">
+      <a:lvl1pPr marR="0" lvl="0" algn="l" rtl="0">
         <a:lnSpc>
           <a:spcPct val="100000"/>
         </a:lnSpc>
@@ -9606,7 +9571,7 @@
           <a:srgbClr val="000000"/>
         </a:buClr>
         <a:buFont typeface="Arial"/>
-        <a:defRPr b="0" i="0" sz="1400" u="none" cap="none" strike="noStrike">
+        <a:defRPr sz="1400" b="0" i="0" u="none" strike="noStrike" cap="none">
           <a:solidFill>
             <a:srgbClr val="000000"/>
           </a:solidFill>
@@ -9616,7 +9581,7 @@
           <a:sym typeface="Arial"/>
         </a:defRPr>
       </a:lvl1pPr>
-      <a:lvl2pPr lvl="1" marR="0" rtl="0" algn="l">
+      <a:lvl2pPr marR="0" lvl="1" algn="l" rtl="0">
         <a:lnSpc>
           <a:spcPct val="100000"/>
         </a:lnSpc>
@@ -9630,7 +9595,7 @@
           <a:srgbClr val="000000"/>
         </a:buClr>
         <a:buFont typeface="Arial"/>
-        <a:defRPr b="0" i="0" sz="1400" u="none" cap="none" strike="noStrike">
+        <a:defRPr sz="1400" b="0" i="0" u="none" strike="noStrike" cap="none">
           <a:solidFill>
             <a:srgbClr val="000000"/>
           </a:solidFill>
@@ -9640,7 +9605,7 @@
           <a:sym typeface="Arial"/>
         </a:defRPr>
       </a:lvl2pPr>
-      <a:lvl3pPr lvl="2" marR="0" rtl="0" algn="l">
+      <a:lvl3pPr marR="0" lvl="2" algn="l" rtl="0">
         <a:lnSpc>
           <a:spcPct val="100000"/>
         </a:lnSpc>
@@ -9654,7 +9619,7 @@
           <a:srgbClr val="000000"/>
         </a:buClr>
         <a:buFont typeface="Arial"/>
-        <a:defRPr b="0" i="0" sz="1400" u="none" cap="none" strike="noStrike">
+        <a:defRPr sz="1400" b="0" i="0" u="none" strike="noStrike" cap="none">
           <a:solidFill>
             <a:srgbClr val="000000"/>
           </a:solidFill>
@@ -9664,7 +9629,7 @@
           <a:sym typeface="Arial"/>
         </a:defRPr>
       </a:lvl3pPr>
-      <a:lvl4pPr lvl="3" marR="0" rtl="0" algn="l">
+      <a:lvl4pPr marR="0" lvl="3" algn="l" rtl="0">
         <a:lnSpc>
           <a:spcPct val="100000"/>
         </a:lnSpc>
@@ -9678,7 +9643,7 @@
           <a:srgbClr val="000000"/>
         </a:buClr>
         <a:buFont typeface="Arial"/>
-        <a:defRPr b="0" i="0" sz="1400" u="none" cap="none" strike="noStrike">
+        <a:defRPr sz="1400" b="0" i="0" u="none" strike="noStrike" cap="none">
           <a:solidFill>
             <a:srgbClr val="000000"/>
           </a:solidFill>
@@ -9688,7 +9653,7 @@
           <a:sym typeface="Arial"/>
         </a:defRPr>
       </a:lvl4pPr>
-      <a:lvl5pPr lvl="4" marR="0" rtl="0" algn="l">
+      <a:lvl5pPr marR="0" lvl="4" algn="l" rtl="0">
         <a:lnSpc>
           <a:spcPct val="100000"/>
         </a:lnSpc>
@@ -9702,7 +9667,7 @@
           <a:srgbClr val="000000"/>
         </a:buClr>
         <a:buFont typeface="Arial"/>
-        <a:defRPr b="0" i="0" sz="1400" u="none" cap="none" strike="noStrike">
+        <a:defRPr sz="1400" b="0" i="0" u="none" strike="noStrike" cap="none">
           <a:solidFill>
             <a:srgbClr val="000000"/>
           </a:solidFill>
@@ -9712,7 +9677,7 @@
           <a:sym typeface="Arial"/>
         </a:defRPr>
       </a:lvl5pPr>
-      <a:lvl6pPr lvl="5" marR="0" rtl="0" algn="l">
+      <a:lvl6pPr marR="0" lvl="5" algn="l" rtl="0">
         <a:lnSpc>
           <a:spcPct val="100000"/>
         </a:lnSpc>
@@ -9726,7 +9691,7 @@
           <a:srgbClr val="000000"/>
         </a:buClr>
         <a:buFont typeface="Arial"/>
-        <a:defRPr b="0" i="0" sz="1400" u="none" cap="none" strike="noStrike">
+        <a:defRPr sz="1400" b="0" i="0" u="none" strike="noStrike" cap="none">
           <a:solidFill>
             <a:srgbClr val="000000"/>
           </a:solidFill>
@@ -9736,7 +9701,7 @@
           <a:sym typeface="Arial"/>
         </a:defRPr>
       </a:lvl6pPr>
-      <a:lvl7pPr lvl="6" marR="0" rtl="0" algn="l">
+      <a:lvl7pPr marR="0" lvl="6" algn="l" rtl="0">
         <a:lnSpc>
           <a:spcPct val="100000"/>
         </a:lnSpc>
@@ -9750,7 +9715,7 @@
           <a:srgbClr val="000000"/>
         </a:buClr>
         <a:buFont typeface="Arial"/>
-        <a:defRPr b="0" i="0" sz="1400" u="none" cap="none" strike="noStrike">
+        <a:defRPr sz="1400" b="0" i="0" u="none" strike="noStrike" cap="none">
           <a:solidFill>
             <a:srgbClr val="000000"/>
           </a:solidFill>
@@ -9760,7 +9725,7 @@
           <a:sym typeface="Arial"/>
         </a:defRPr>
       </a:lvl7pPr>
-      <a:lvl8pPr lvl="7" marR="0" rtl="0" algn="l">
+      <a:lvl8pPr marR="0" lvl="7" algn="l" rtl="0">
         <a:lnSpc>
           <a:spcPct val="100000"/>
         </a:lnSpc>
@@ -9774,7 +9739,7 @@
           <a:srgbClr val="000000"/>
         </a:buClr>
         <a:buFont typeface="Arial"/>
-        <a:defRPr b="0" i="0" sz="1400" u="none" cap="none" strike="noStrike">
+        <a:defRPr sz="1400" b="0" i="0" u="none" strike="noStrike" cap="none">
           <a:solidFill>
             <a:srgbClr val="000000"/>
           </a:solidFill>
@@ -9784,7 +9749,7 @@
           <a:sym typeface="Arial"/>
         </a:defRPr>
       </a:lvl8pPr>
-      <a:lvl9pPr lvl="8" marR="0" rtl="0" algn="l">
+      <a:lvl9pPr marR="0" lvl="8" algn="l" rtl="0">
         <a:lnSpc>
           <a:spcPct val="100000"/>
         </a:lnSpc>
@@ -9798,7 +9763,7 @@
           <a:srgbClr val="000000"/>
         </a:buClr>
         <a:buFont typeface="Arial"/>
-        <a:defRPr b="0" i="0" sz="1400" u="none" cap="none" strike="noStrike">
+        <a:defRPr sz="1400" b="0" i="0" u="none" strike="noStrike" cap="none">
           <a:solidFill>
             <a:srgbClr val="000000"/>
           </a:solidFill>
@@ -9810,7 +9775,7 @@
       </a:lvl9pPr>
     </p:bodyStyle>
     <p:otherStyle>
-      <a:defPPr lvl="0" marR="0" rtl="0" algn="l">
+      <a:defPPr marR="0" lvl="0" algn="l" rtl="0">
         <a:lnSpc>
           <a:spcPct val="100000"/>
         </a:lnSpc>
@@ -9821,7 +9786,7 @@
           <a:spcPts val="0"/>
         </a:spcAft>
       </a:defPPr>
-      <a:lvl1pPr lvl="0" marR="0" rtl="0" algn="l">
+      <a:lvl1pPr marR="0" lvl="0" algn="l" rtl="0">
         <a:lnSpc>
           <a:spcPct val="100000"/>
         </a:lnSpc>
@@ -9835,7 +9800,7 @@
           <a:srgbClr val="000000"/>
         </a:buClr>
         <a:buFont typeface="Arial"/>
-        <a:defRPr b="0" i="0" sz="1400" u="none" cap="none" strike="noStrike">
+        <a:defRPr sz="1400" b="0" i="0" u="none" strike="noStrike" cap="none">
           <a:solidFill>
             <a:srgbClr val="000000"/>
           </a:solidFill>
@@ -9845,7 +9810,7 @@
           <a:sym typeface="Arial"/>
         </a:defRPr>
       </a:lvl1pPr>
-      <a:lvl2pPr lvl="1" marR="0" rtl="0" algn="l">
+      <a:lvl2pPr marR="0" lvl="1" algn="l" rtl="0">
         <a:lnSpc>
           <a:spcPct val="100000"/>
         </a:lnSpc>
@@ -9859,7 +9824,7 @@
           <a:srgbClr val="000000"/>
         </a:buClr>
         <a:buFont typeface="Arial"/>
-        <a:defRPr b="0" i="0" sz="1400" u="none" cap="none" strike="noStrike">
+        <a:defRPr sz="1400" b="0" i="0" u="none" strike="noStrike" cap="none">
           <a:solidFill>
             <a:srgbClr val="000000"/>
           </a:solidFill>
@@ -9869,7 +9834,7 @@
           <a:sym typeface="Arial"/>
         </a:defRPr>
       </a:lvl2pPr>
-      <a:lvl3pPr lvl="2" marR="0" rtl="0" algn="l">
+      <a:lvl3pPr marR="0" lvl="2" algn="l" rtl="0">
         <a:lnSpc>
           <a:spcPct val="100000"/>
         </a:lnSpc>
@@ -9883,7 +9848,7 @@
           <a:srgbClr val="000000"/>
         </a:buClr>
         <a:buFont typeface="Arial"/>
-        <a:defRPr b="0" i="0" sz="1400" u="none" cap="none" strike="noStrike">
+        <a:defRPr sz="1400" b="0" i="0" u="none" strike="noStrike" cap="none">
           <a:solidFill>
             <a:srgbClr val="000000"/>
           </a:solidFill>
@@ -9893,7 +9858,7 @@
           <a:sym typeface="Arial"/>
         </a:defRPr>
       </a:lvl3pPr>
-      <a:lvl4pPr lvl="3" marR="0" rtl="0" algn="l">
+      <a:lvl4pPr marR="0" lvl="3" algn="l" rtl="0">
         <a:lnSpc>
           <a:spcPct val="100000"/>
         </a:lnSpc>
@@ -9907,7 +9872,7 @@
           <a:srgbClr val="000000"/>
         </a:buClr>
         <a:buFont typeface="Arial"/>
-        <a:defRPr b="0" i="0" sz="1400" u="none" cap="none" strike="noStrike">
+        <a:defRPr sz="1400" b="0" i="0" u="none" strike="noStrike" cap="none">
           <a:solidFill>
             <a:srgbClr val="000000"/>
           </a:solidFill>
@@ -9917,7 +9882,7 @@
           <a:sym typeface="Arial"/>
         </a:defRPr>
       </a:lvl4pPr>
-      <a:lvl5pPr lvl="4" marR="0" rtl="0" algn="l">
+      <a:lvl5pPr marR="0" lvl="4" algn="l" rtl="0">
         <a:lnSpc>
           <a:spcPct val="100000"/>
         </a:lnSpc>
@@ -9931,7 +9896,7 @@
           <a:srgbClr val="000000"/>
         </a:buClr>
         <a:buFont typeface="Arial"/>
-        <a:defRPr b="0" i="0" sz="1400" u="none" cap="none" strike="noStrike">
+        <a:defRPr sz="1400" b="0" i="0" u="none" strike="noStrike" cap="none">
           <a:solidFill>
             <a:srgbClr val="000000"/>
           </a:solidFill>
@@ -9941,7 +9906,7 @@
           <a:sym typeface="Arial"/>
         </a:defRPr>
       </a:lvl5pPr>
-      <a:lvl6pPr lvl="5" marR="0" rtl="0" algn="l">
+      <a:lvl6pPr marR="0" lvl="5" algn="l" rtl="0">
         <a:lnSpc>
           <a:spcPct val="100000"/>
         </a:lnSpc>
@@ -9955,7 +9920,7 @@
           <a:srgbClr val="000000"/>
         </a:buClr>
         <a:buFont typeface="Arial"/>
-        <a:defRPr b="0" i="0" sz="1400" u="none" cap="none" strike="noStrike">
+        <a:defRPr sz="1400" b="0" i="0" u="none" strike="noStrike" cap="none">
           <a:solidFill>
             <a:srgbClr val="000000"/>
           </a:solidFill>
@@ -9965,7 +9930,7 @@
           <a:sym typeface="Arial"/>
         </a:defRPr>
       </a:lvl6pPr>
-      <a:lvl7pPr lvl="6" marR="0" rtl="0" algn="l">
+      <a:lvl7pPr marR="0" lvl="6" algn="l" rtl="0">
         <a:lnSpc>
           <a:spcPct val="100000"/>
         </a:lnSpc>
@@ -9979,7 +9944,7 @@
           <a:srgbClr val="000000"/>
         </a:buClr>
         <a:buFont typeface="Arial"/>
-        <a:defRPr b="0" i="0" sz="1400" u="none" cap="none" strike="noStrike">
+        <a:defRPr sz="1400" b="0" i="0" u="none" strike="noStrike" cap="none">
           <a:solidFill>
             <a:srgbClr val="000000"/>
           </a:solidFill>
@@ -9989,7 +9954,7 @@
           <a:sym typeface="Arial"/>
         </a:defRPr>
       </a:lvl7pPr>
-      <a:lvl8pPr lvl="7" marR="0" rtl="0" algn="l">
+      <a:lvl8pPr marR="0" lvl="7" algn="l" rtl="0">
         <a:lnSpc>
           <a:spcPct val="100000"/>
         </a:lnSpc>
@@ -10003,7 +9968,7 @@
           <a:srgbClr val="000000"/>
         </a:buClr>
         <a:buFont typeface="Arial"/>
-        <a:defRPr b="0" i="0" sz="1400" u="none" cap="none" strike="noStrike">
+        <a:defRPr sz="1400" b="0" i="0" u="none" strike="noStrike" cap="none">
           <a:solidFill>
             <a:srgbClr val="000000"/>
           </a:solidFill>
@@ -10013,7 +9978,7 @@
           <a:sym typeface="Arial"/>
         </a:defRPr>
       </a:lvl8pPr>
-      <a:lvl9pPr lvl="8" marR="0" rtl="0" algn="l">
+      <a:lvl9pPr marR="0" lvl="8" algn="l" rtl="0">
         <a:lnSpc>
           <a:spcPct val="100000"/>
         </a:lnSpc>
@@ -10027,7 +9992,7 @@
           <a:srgbClr val="000000"/>
         </a:buClr>
         <a:buFont typeface="Arial"/>
-        <a:defRPr b="0" i="0" sz="1400" u="none" cap="none" strike="noStrike">
+        <a:defRPr sz="1400" b="0" i="0" u="none" strike="noStrike" cap="none">
           <a:solidFill>
             <a:srgbClr val="000000"/>
           </a:solidFill>
@@ -10043,11 +10008,11 @@
 </file>
 
 <file path=ppt/slides/slide1.xml><?xml version="1.0" encoding="utf-8"?>
-<p:sld xmlns:a="http://schemas.openxmlformats.org/drawingml/2006/main" xmlns:r="http://schemas.openxmlformats.org/officeDocument/2006/relationships" xmlns:mc="http://schemas.openxmlformats.org/markup-compatibility/2006" xmlns:mv="urn:schemas-microsoft-com:mac:vml" xmlns:p="http://schemas.openxmlformats.org/presentationml/2006/main" xmlns:c="http://schemas.openxmlformats.org/drawingml/2006/chart" xmlns:dgm="http://schemas.openxmlformats.org/drawingml/2006/diagram" xmlns:o="urn:schemas-microsoft-com:office:office" xmlns:v="urn:schemas-microsoft-com:vml" xmlns:pvml="urn:schemas-microsoft-com:office:powerpoint" xmlns:com="http://schemas.openxmlformats.org/drawingml/2006/compatibility" xmlns:p14="http://schemas.microsoft.com/office/powerpoint/2010/main" xmlns:p15="http://schemas.microsoft.com/office/powerpoint/2012/main">
+<p:sld xmlns:a="http://schemas.openxmlformats.org/drawingml/2006/main" xmlns:r="http://schemas.openxmlformats.org/officeDocument/2006/relationships" xmlns:p="http://schemas.openxmlformats.org/presentationml/2006/main">
   <p:cSld>
     <p:spTree>
       <p:nvGrpSpPr>
-        <p:cNvPr id="133" name="Shape 133"/>
+        <p:cNvPr id="1" name="Shape 133"/>
         <p:cNvGrpSpPr/>
         <p:nvPr/>
       </p:nvGrpSpPr>
@@ -10062,7 +10027,9 @@
       <p:sp>
         <p:nvSpPr>
           <p:cNvPr id="134" name="Google Shape;134;p13"/>
-          <p:cNvSpPr txBox="1"/>
+          <p:cNvSpPr txBox="1">
+            <a:spLocks noGrp="1"/>
+          </p:cNvSpPr>
           <p:nvPr>
             <p:ph type="ctrTitle"/>
           </p:nvPr>
@@ -10077,12 +10044,12 @@
           </a:prstGeom>
         </p:spPr>
         <p:txBody>
-          <a:bodyPr anchorCtr="0" anchor="t" bIns="91425" lIns="91425" spcFirstLastPara="1" rIns="91425" wrap="square" tIns="91425">
+          <a:bodyPr spcFirstLastPara="1" wrap="square" lIns="91425" tIns="91425" rIns="91425" bIns="91425" anchor="t" anchorCtr="0">
             <a:noAutofit/>
           </a:bodyPr>
           <a:lstStyle/>
           <a:p>
-            <a:pPr indent="0" lvl="0" marL="0" rtl="0" algn="l">
+            <a:pPr marL="0" lvl="0" indent="0" algn="l" rtl="0">
               <a:spcBef>
                 <a:spcPts val="0"/>
               </a:spcBef>
@@ -10102,9 +10069,11 @@
       <p:sp>
         <p:nvSpPr>
           <p:cNvPr id="135" name="Google Shape;135;p13"/>
-          <p:cNvSpPr txBox="1"/>
+          <p:cNvSpPr txBox="1">
+            <a:spLocks noGrp="1"/>
+          </p:cNvSpPr>
           <p:nvPr>
-            <p:ph idx="1" type="subTitle"/>
+            <p:ph type="subTitle" idx="1"/>
           </p:nvPr>
         </p:nvSpPr>
         <p:spPr>
@@ -10117,12 +10086,12 @@
           </a:prstGeom>
         </p:spPr>
         <p:txBody>
-          <a:bodyPr anchorCtr="0" anchor="t" bIns="91425" lIns="91425" spcFirstLastPara="1" rIns="91425" wrap="square" tIns="91425">
+          <a:bodyPr spcFirstLastPara="1" wrap="square" lIns="91425" tIns="91425" rIns="91425" bIns="91425" anchor="t" anchorCtr="0">
             <a:noAutofit/>
           </a:bodyPr>
           <a:lstStyle/>
           <a:p>
-            <a:pPr indent="0" lvl="0" marL="0" rtl="0" algn="l">
+            <a:pPr marL="0" lvl="0" indent="0" algn="l" rtl="0">
               <a:spcBef>
                 <a:spcPts val="0"/>
               </a:spcBef>
@@ -10132,10 +10101,10 @@
               <a:buNone/>
             </a:pPr>
             <a:r>
-              <a:rPr lang="en"/>
-              <a:t>09/23/18</a:t>
+              <a:rPr lang="en" dirty="0"/>
+              <a:t>10/20/19</a:t>
             </a:r>
-            <a:endParaRPr/>
+            <a:endParaRPr dirty="0"/>
           </a:p>
         </p:txBody>
       </p:sp>
@@ -10148,11 +10117,11 @@
 </file>
 
 <file path=ppt/slides/slide10.xml><?xml version="1.0" encoding="utf-8"?>
-<p:sld xmlns:a="http://schemas.openxmlformats.org/drawingml/2006/main" xmlns:r="http://schemas.openxmlformats.org/officeDocument/2006/relationships" xmlns:mc="http://schemas.openxmlformats.org/markup-compatibility/2006" xmlns:mv="urn:schemas-microsoft-com:mac:vml" xmlns:p="http://schemas.openxmlformats.org/presentationml/2006/main" xmlns:c="http://schemas.openxmlformats.org/drawingml/2006/chart" xmlns:dgm="http://schemas.openxmlformats.org/drawingml/2006/diagram" xmlns:o="urn:schemas-microsoft-com:office:office" xmlns:v="urn:schemas-microsoft-com:vml" xmlns:pvml="urn:schemas-microsoft-com:office:powerpoint" xmlns:com="http://schemas.openxmlformats.org/drawingml/2006/compatibility" xmlns:p14="http://schemas.microsoft.com/office/powerpoint/2010/main" xmlns:p15="http://schemas.microsoft.com/office/powerpoint/2012/main">
+<p:sld xmlns:a="http://schemas.openxmlformats.org/drawingml/2006/main" xmlns:r="http://schemas.openxmlformats.org/officeDocument/2006/relationships" xmlns:p="http://schemas.openxmlformats.org/presentationml/2006/main">
   <p:cSld>
     <p:spTree>
       <p:nvGrpSpPr>
-        <p:cNvPr id="190" name="Shape 190"/>
+        <p:cNvPr id="1" name="Shape 190"/>
         <p:cNvGrpSpPr/>
         <p:nvPr/>
       </p:nvGrpSpPr>
@@ -10167,7 +10136,9 @@
       <p:sp>
         <p:nvSpPr>
           <p:cNvPr id="191" name="Google Shape;191;p22"/>
-          <p:cNvSpPr txBox="1"/>
+          <p:cNvSpPr txBox="1">
+            <a:spLocks noGrp="1"/>
+          </p:cNvSpPr>
           <p:nvPr>
             <p:ph type="title"/>
           </p:nvPr>
@@ -10182,12 +10153,12 @@
           </a:prstGeom>
         </p:spPr>
         <p:txBody>
-          <a:bodyPr anchorCtr="0" anchor="t" bIns="91425" lIns="91425" spcFirstLastPara="1" rIns="91425" wrap="square" tIns="91425">
+          <a:bodyPr spcFirstLastPara="1" wrap="square" lIns="91425" tIns="91425" rIns="91425" bIns="91425" anchor="t" anchorCtr="0">
             <a:noAutofit/>
           </a:bodyPr>
           <a:lstStyle/>
           <a:p>
-            <a:pPr indent="0" lvl="0" marL="0" rtl="0" algn="l">
+            <a:pPr marL="0" lvl="0" indent="0" algn="l" rtl="0">
               <a:spcBef>
                 <a:spcPts val="0"/>
               </a:spcBef>
@@ -10200,16 +10171,18 @@
               <a:rPr lang="en"/>
               <a:t>Binary Hypothesis Testing</a:t>
             </a:r>
-            <a:endParaRPr/>
+            <a:endParaRPr dirty="0"/>
           </a:p>
         </p:txBody>
       </p:sp>
       <p:sp>
         <p:nvSpPr>
           <p:cNvPr id="192" name="Google Shape;192;p22"/>
-          <p:cNvSpPr txBox="1"/>
+          <p:cNvSpPr txBox="1">
+            <a:spLocks noGrp="1"/>
+          </p:cNvSpPr>
           <p:nvPr>
-            <p:ph idx="1" type="body"/>
+            <p:ph type="body" idx="1"/>
           </p:nvPr>
         </p:nvSpPr>
         <p:spPr>
@@ -10222,12 +10195,12 @@
           </a:prstGeom>
         </p:spPr>
         <p:txBody>
-          <a:bodyPr anchorCtr="0" anchor="t" bIns="91425" lIns="91425" spcFirstLastPara="1" rIns="91425" wrap="square" tIns="91425">
+          <a:bodyPr spcFirstLastPara="1" wrap="square" lIns="91425" tIns="91425" rIns="91425" bIns="91425" anchor="t" anchorCtr="0">
             <a:noAutofit/>
           </a:bodyPr>
           <a:lstStyle/>
           <a:p>
-            <a:pPr indent="0" lvl="0" marL="0" rtl="0" algn="l">
+            <a:pPr marL="0" lvl="0" indent="0" algn="l" rtl="0">
               <a:lnSpc>
                 <a:spcPct val="115000"/>
               </a:lnSpc>
@@ -10240,21 +10213,21 @@
               <a:buNone/>
             </a:pPr>
             <a:r>
-              <a:rPr lang="en" sz="1400">
+              <a:rPr lang="en" sz="1400" dirty="0">
                 <a:solidFill>
                   <a:srgbClr val="FFFFFF"/>
                 </a:solidFill>
               </a:rPr>
               <a:t>The most obvious way to decide between which one is true is to go with whichever has a higher value as the chances of observing a value is higher for one of the classes and thus choosing that makes more sense. Because it maximizes the probability to observe the current situation X=x. This method s called maximizing the likelihood of the observation ( ML ).</a:t>
             </a:r>
-            <a:endParaRPr sz="1400">
+            <a:endParaRPr sz="1400" dirty="0">
               <a:solidFill>
                 <a:srgbClr val="FFFFFF"/>
               </a:solidFill>
             </a:endParaRPr>
           </a:p>
           <a:p>
-            <a:pPr indent="0" lvl="0" marL="0" rtl="0" algn="l">
+            <a:pPr marL="0" lvl="0" indent="0" algn="l" rtl="0">
               <a:lnSpc>
                 <a:spcPct val="115000"/>
               </a:lnSpc>
@@ -10267,7 +10240,7 @@
               <a:buNone/>
             </a:pPr>
             <a:r>
-              <a:rPr lang="en" sz="1400">
+              <a:rPr lang="en" sz="1400" dirty="0">
                 <a:solidFill>
                   <a:srgbClr val="FFFFFF"/>
                 </a:solidFill>
@@ -10275,7 +10248,7 @@
               <a:t>Another method of choosing is where the we know the prior probabilities of the two classes H</a:t>
             </a:r>
             <a:r>
-              <a:rPr baseline="-25000" lang="en" sz="1400">
+              <a:rPr lang="en" sz="1400" baseline="-25000" dirty="0">
                 <a:solidFill>
                   <a:srgbClr val="FFFFFF"/>
                 </a:solidFill>
@@ -10283,7 +10256,7 @@
               <a:t>0  </a:t>
             </a:r>
             <a:r>
-              <a:rPr lang="en" sz="1400">
+              <a:rPr lang="en" sz="1400" dirty="0">
                 <a:solidFill>
                   <a:srgbClr val="FFFFFF"/>
                 </a:solidFill>
@@ -10291,7 +10264,7 @@
               <a:t>and H</a:t>
             </a:r>
             <a:r>
-              <a:rPr baseline="-25000" lang="en" sz="1400">
+              <a:rPr lang="en" sz="1400" baseline="-25000" dirty="0">
                 <a:solidFill>
                   <a:srgbClr val="FFFFFF"/>
                 </a:solidFill>
@@ -10299,7 +10272,7 @@
               <a:t>1</a:t>
             </a:r>
             <a:r>
-              <a:rPr lang="en" sz="1400">
+              <a:rPr lang="en" sz="1400" dirty="0">
                 <a:solidFill>
                   <a:srgbClr val="FFFFFF"/>
                 </a:solidFill>
@@ -10307,7 +10280,7 @@
               <a:t> which are π</a:t>
             </a:r>
             <a:r>
-              <a:rPr baseline="-25000" lang="en" sz="1400">
+              <a:rPr lang="en" sz="1400" baseline="-25000" dirty="0">
                 <a:solidFill>
                   <a:srgbClr val="FFFFFF"/>
                 </a:solidFill>
@@ -10315,7 +10288,7 @@
               <a:t>0 </a:t>
             </a:r>
             <a:r>
-              <a:rPr lang="en" sz="1400">
+              <a:rPr lang="en" sz="1400" dirty="0">
                 <a:solidFill>
                   <a:srgbClr val="FFFFFF"/>
                 </a:solidFill>
@@ -10323,7 +10296,7 @@
               <a:t> and π</a:t>
             </a:r>
             <a:r>
-              <a:rPr baseline="-25000" lang="en" sz="1400">
+              <a:rPr lang="en" sz="1400" baseline="-25000" dirty="0">
                 <a:solidFill>
                   <a:srgbClr val="FFFFFF"/>
                 </a:solidFill>
@@ -10331,21 +10304,21 @@
               <a:t>1 </a:t>
             </a:r>
             <a:r>
-              <a:rPr lang="en" sz="1400">
+              <a:rPr lang="en" sz="1400" dirty="0">
                 <a:solidFill>
                   <a:srgbClr val="FFFFFF"/>
                 </a:solidFill>
               </a:rPr>
               <a:t>these are probabilities assumed before an observation is made and are thus called priors.</a:t>
             </a:r>
-            <a:endParaRPr sz="1400">
+            <a:endParaRPr sz="1400" dirty="0">
               <a:solidFill>
                 <a:srgbClr val="FFFFFF"/>
               </a:solidFill>
             </a:endParaRPr>
           </a:p>
           <a:p>
-            <a:pPr indent="0" lvl="0" marL="0" rtl="0" algn="l">
+            <a:pPr marL="0" lvl="0" indent="0" algn="l" rtl="0">
               <a:spcBef>
                 <a:spcPts val="1600"/>
               </a:spcBef>
@@ -10354,10 +10327,7 @@
               </a:spcAft>
               <a:buNone/>
             </a:pPr>
-            <a:r>
-              <a:t/>
-            </a:r>
-            <a:endParaRPr sz="1400">
+            <a:endParaRPr sz="1400" dirty="0">
               <a:solidFill>
                 <a:srgbClr val="FFFFFF"/>
               </a:solidFill>
@@ -10374,11 +10344,11 @@
 </file>
 
 <file path=ppt/slides/slide11.xml><?xml version="1.0" encoding="utf-8"?>
-<p:sld xmlns:a="http://schemas.openxmlformats.org/drawingml/2006/main" xmlns:r="http://schemas.openxmlformats.org/officeDocument/2006/relationships" xmlns:mc="http://schemas.openxmlformats.org/markup-compatibility/2006" xmlns:mv="urn:schemas-microsoft-com:mac:vml" xmlns:p="http://schemas.openxmlformats.org/presentationml/2006/main" xmlns:c="http://schemas.openxmlformats.org/drawingml/2006/chart" xmlns:dgm="http://schemas.openxmlformats.org/drawingml/2006/diagram" xmlns:o="urn:schemas-microsoft-com:office:office" xmlns:v="urn:schemas-microsoft-com:vml" xmlns:pvml="urn:schemas-microsoft-com:office:powerpoint" xmlns:com="http://schemas.openxmlformats.org/drawingml/2006/compatibility" xmlns:p14="http://schemas.microsoft.com/office/powerpoint/2010/main" xmlns:p15="http://schemas.microsoft.com/office/powerpoint/2012/main">
+<p:sld xmlns:a="http://schemas.openxmlformats.org/drawingml/2006/main" xmlns:r="http://schemas.openxmlformats.org/officeDocument/2006/relationships" xmlns:p="http://schemas.openxmlformats.org/presentationml/2006/main">
   <p:cSld>
     <p:spTree>
       <p:nvGrpSpPr>
-        <p:cNvPr id="196" name="Shape 196"/>
+        <p:cNvPr id="1" name="Shape 196"/>
         <p:cNvGrpSpPr/>
         <p:nvPr/>
       </p:nvGrpSpPr>
@@ -10393,7 +10363,9 @@
       <p:sp>
         <p:nvSpPr>
           <p:cNvPr id="197" name="Google Shape;197;p23"/>
-          <p:cNvSpPr txBox="1"/>
+          <p:cNvSpPr txBox="1">
+            <a:spLocks noGrp="1"/>
+          </p:cNvSpPr>
           <p:nvPr>
             <p:ph type="title"/>
           </p:nvPr>
@@ -10408,12 +10380,12 @@
           </a:prstGeom>
         </p:spPr>
         <p:txBody>
-          <a:bodyPr anchorCtr="0" anchor="t" bIns="91425" lIns="91425" spcFirstLastPara="1" rIns="91425" wrap="square" tIns="91425">
+          <a:bodyPr spcFirstLastPara="1" wrap="square" lIns="91425" tIns="91425" rIns="91425" bIns="91425" anchor="t" anchorCtr="0">
             <a:noAutofit/>
           </a:bodyPr>
           <a:lstStyle/>
           <a:p>
-            <a:pPr indent="0" lvl="0" marL="0" rtl="0" algn="l">
+            <a:pPr marL="0" lvl="0" indent="0" algn="l" rtl="0">
               <a:spcBef>
                 <a:spcPts val="0"/>
               </a:spcBef>
@@ -10433,9 +10405,11 @@
       <p:sp>
         <p:nvSpPr>
           <p:cNvPr id="198" name="Google Shape;198;p23"/>
-          <p:cNvSpPr txBox="1"/>
+          <p:cNvSpPr txBox="1">
+            <a:spLocks noGrp="1"/>
+          </p:cNvSpPr>
           <p:nvPr>
-            <p:ph idx="1" type="body"/>
+            <p:ph type="body" idx="1"/>
           </p:nvPr>
         </p:nvSpPr>
         <p:spPr>
@@ -10448,12 +10422,12 @@
           </a:prstGeom>
         </p:spPr>
         <p:txBody>
-          <a:bodyPr anchorCtr="0" anchor="t" bIns="91425" lIns="91425" spcFirstLastPara="1" rIns="91425" wrap="square" tIns="91425">
+          <a:bodyPr spcFirstLastPara="1" wrap="square" lIns="91425" tIns="91425" rIns="91425" bIns="91425" anchor="t" anchorCtr="0">
             <a:noAutofit/>
           </a:bodyPr>
           <a:lstStyle/>
           <a:p>
-            <a:pPr indent="0" lvl="0" marL="0" rtl="0" algn="l">
+            <a:pPr marL="0" lvl="0" indent="0" algn="l" rtl="0">
               <a:lnSpc>
                 <a:spcPct val="115000"/>
               </a:lnSpc>
@@ -10474,7 +10448,7 @@
               <a:t>This rule is called the MAP rule where we declare hypothesis H</a:t>
             </a:r>
             <a:r>
-              <a:rPr baseline="-25000" lang="en" sz="3000">
+              <a:rPr lang="en" sz="3000" baseline="-25000">
                 <a:solidFill>
                   <a:srgbClr val="FFFFFF"/>
                 </a:solidFill>
@@ -10498,7 +10472,7 @@
               <a:t>π</a:t>
             </a:r>
             <a:r>
-              <a:rPr baseline="-25000" lang="en" sz="3300">
+              <a:rPr lang="en" sz="3300" baseline="-25000">
                 <a:solidFill>
                   <a:srgbClr val="FFFFFF"/>
                 </a:solidFill>
@@ -10514,7 +10488,7 @@
               <a:t>p</a:t>
             </a:r>
             <a:r>
-              <a:rPr baseline="-25000" lang="en" sz="3300">
+              <a:rPr lang="en" sz="3300" baseline="-25000">
                 <a:solidFill>
                   <a:srgbClr val="FFFFFF"/>
                 </a:solidFill>
@@ -10530,7 +10504,7 @@
               <a:t>&gt;</a:t>
             </a:r>
             <a:r>
-              <a:rPr baseline="-25000" lang="en" sz="3300">
+              <a:rPr lang="en" sz="3300" baseline="-25000">
                 <a:solidFill>
                   <a:srgbClr val="FFFFFF"/>
                 </a:solidFill>
@@ -10546,7 +10520,7 @@
               <a:t>π</a:t>
             </a:r>
             <a:r>
-              <a:rPr baseline="-25000" lang="en" sz="3000">
+              <a:rPr lang="en" sz="3000" baseline="-25000">
                 <a:solidFill>
                   <a:srgbClr val="FFFFFF"/>
                 </a:solidFill>
@@ -10562,7 +10536,7 @@
               <a:t>p</a:t>
             </a:r>
             <a:r>
-              <a:rPr baseline="-25000" lang="en" sz="3000">
+              <a:rPr lang="en" sz="3000" baseline="-25000">
                 <a:solidFill>
                   <a:srgbClr val="FFFFFF"/>
                 </a:solidFill>
@@ -10584,7 +10558,7 @@
             </a:endParaRPr>
           </a:p>
           <a:p>
-            <a:pPr indent="0" lvl="0" marL="0" rtl="0" algn="l">
+            <a:pPr marL="0" lvl="0" indent="0" algn="l" rtl="0">
               <a:spcBef>
                 <a:spcPts val="1600"/>
               </a:spcBef>
@@ -10593,9 +10567,6 @@
               </a:spcAft>
               <a:buNone/>
             </a:pPr>
-            <a:r>
-              <a:t/>
-            </a:r>
             <a:endParaRPr/>
           </a:p>
         </p:txBody>
@@ -10609,11 +10580,11 @@
 </file>
 
 <file path=ppt/slides/slide12.xml><?xml version="1.0" encoding="utf-8"?>
-<p:sld xmlns:a="http://schemas.openxmlformats.org/drawingml/2006/main" xmlns:r="http://schemas.openxmlformats.org/officeDocument/2006/relationships" xmlns:mc="http://schemas.openxmlformats.org/markup-compatibility/2006" xmlns:mv="urn:schemas-microsoft-com:mac:vml" xmlns:p="http://schemas.openxmlformats.org/presentationml/2006/main" xmlns:c="http://schemas.openxmlformats.org/drawingml/2006/chart" xmlns:dgm="http://schemas.openxmlformats.org/drawingml/2006/diagram" xmlns:o="urn:schemas-microsoft-com:office:office" xmlns:v="urn:schemas-microsoft-com:vml" xmlns:pvml="urn:schemas-microsoft-com:office:powerpoint" xmlns:com="http://schemas.openxmlformats.org/drawingml/2006/compatibility" xmlns:p14="http://schemas.microsoft.com/office/powerpoint/2010/main" xmlns:p15="http://schemas.microsoft.com/office/powerpoint/2012/main">
+<p:sld xmlns:a="http://schemas.openxmlformats.org/drawingml/2006/main" xmlns:r="http://schemas.openxmlformats.org/officeDocument/2006/relationships" xmlns:p="http://schemas.openxmlformats.org/presentationml/2006/main">
   <p:cSld>
     <p:spTree>
       <p:nvGrpSpPr>
-        <p:cNvPr id="202" name="Shape 202"/>
+        <p:cNvPr id="1" name="Shape 202"/>
         <p:cNvGrpSpPr/>
         <p:nvPr/>
       </p:nvGrpSpPr>
@@ -10628,7 +10599,9 @@
       <p:sp>
         <p:nvSpPr>
           <p:cNvPr id="203" name="Google Shape;203;p24"/>
-          <p:cNvSpPr txBox="1"/>
+          <p:cNvSpPr txBox="1">
+            <a:spLocks noGrp="1"/>
+          </p:cNvSpPr>
           <p:nvPr>
             <p:ph type="title"/>
           </p:nvPr>
@@ -10643,12 +10616,12 @@
           </a:prstGeom>
         </p:spPr>
         <p:txBody>
-          <a:bodyPr anchorCtr="0" anchor="t" bIns="91425" lIns="91425" spcFirstLastPara="1" rIns="91425" wrap="square" tIns="91425">
+          <a:bodyPr spcFirstLastPara="1" wrap="square" lIns="91425" tIns="91425" rIns="91425" bIns="91425" anchor="t" anchorCtr="0">
             <a:noAutofit/>
           </a:bodyPr>
           <a:lstStyle/>
           <a:p>
-            <a:pPr indent="0" lvl="0" marL="0" rtl="0" algn="l">
+            <a:pPr marL="0" lvl="0" indent="0" algn="l" rtl="0">
               <a:spcBef>
                 <a:spcPts val="0"/>
               </a:spcBef>
@@ -10668,9 +10641,11 @@
       <p:sp>
         <p:nvSpPr>
           <p:cNvPr id="204" name="Google Shape;204;p24"/>
-          <p:cNvSpPr txBox="1"/>
+          <p:cNvSpPr txBox="1">
+            <a:spLocks noGrp="1"/>
+          </p:cNvSpPr>
           <p:nvPr>
-            <p:ph idx="1" type="body"/>
+            <p:ph type="body" idx="1"/>
           </p:nvPr>
         </p:nvSpPr>
         <p:spPr>
@@ -10683,12 +10658,12 @@
           </a:prstGeom>
         </p:spPr>
         <p:txBody>
-          <a:bodyPr anchorCtr="0" anchor="t" bIns="91425" lIns="91425" spcFirstLastPara="1" rIns="91425" wrap="square" tIns="91425">
+          <a:bodyPr spcFirstLastPara="1" wrap="square" lIns="91425" tIns="91425" rIns="91425" bIns="91425" anchor="t" anchorCtr="0">
             <a:noAutofit/>
           </a:bodyPr>
           <a:lstStyle/>
           <a:p>
-            <a:pPr indent="0" lvl="0" marL="0" rtl="0" algn="l">
+            <a:pPr marL="0" lvl="0" indent="0" algn="l" rtl="0">
               <a:spcBef>
                 <a:spcPts val="0"/>
               </a:spcBef>
@@ -10704,7 +10679,7 @@
             <a:endParaRPr/>
           </a:p>
           <a:p>
-            <a:pPr indent="0" lvl="0" marL="0" rtl="0" algn="l">
+            <a:pPr marL="0" lvl="0" indent="0" algn="l" rtl="0">
               <a:spcBef>
                 <a:spcPts val="1600"/>
               </a:spcBef>
@@ -10718,7 +10693,7 @@
               <a:t>All features x</a:t>
             </a:r>
             <a:r>
-              <a:rPr baseline="-25000" lang="en"/>
+              <a:rPr lang="en" baseline="-25000"/>
               <a:t>i</a:t>
             </a:r>
             <a:r>
@@ -10728,7 +10703,7 @@
             <a:endParaRPr/>
           </a:p>
           <a:p>
-            <a:pPr indent="0" lvl="0" marL="0" rtl="0" algn="l">
+            <a:pPr marL="0" lvl="0" indent="0" algn="l" rtl="0">
               <a:spcBef>
                 <a:spcPts val="1600"/>
               </a:spcBef>
@@ -10744,7 +10719,7 @@
             <a:endParaRPr/>
           </a:p>
           <a:p>
-            <a:pPr indent="0" lvl="0" marL="0" rtl="0" algn="l">
+            <a:pPr marL="0" lvl="0" indent="0" algn="l" rtl="0">
               <a:spcBef>
                 <a:spcPts val="1600"/>
               </a:spcBef>
@@ -10760,7 +10735,7 @@
             <a:endParaRPr/>
           </a:p>
           <a:p>
-            <a:pPr indent="0" lvl="0" marL="0" rtl="0" algn="l">
+            <a:pPr marL="0" lvl="0" indent="0" algn="l" rtl="0">
               <a:spcBef>
                 <a:spcPts val="1600"/>
               </a:spcBef>
@@ -10774,7 +10749,7 @@
               <a:t>We can work on product of p(x</a:t>
             </a:r>
             <a:r>
-              <a:rPr baseline="-25000" lang="en"/>
+              <a:rPr lang="en" baseline="-25000"/>
               <a:t>i</a:t>
             </a:r>
             <a:r>
@@ -10782,13 +10757,103 @@
               <a:t>|y) over i = 0-&gt;N rather than on the joint distribution of p(x|y)</a:t>
             </a:r>
             <a:r>
-              <a:rPr baseline="-25000" lang="en"/>
+              <a:rPr lang="en" baseline="-25000"/>
               <a:t>  </a:t>
             </a:r>
             <a:endParaRPr baseline="-25000"/>
           </a:p>
         </p:txBody>
       </p:sp>
+      <p:pic>
+        <p:nvPicPr>
+          <p:cNvPr id="2" name="Picture 1">
+            <a:extLst>
+              <a:ext uri="{FF2B5EF4-FFF2-40B4-BE49-F238E27FC236}">
+                <a16:creationId xmlns:a16="http://schemas.microsoft.com/office/drawing/2014/main" id="{C9AFA302-0021-A140-896A-9A3F8DF7EEE7}"/>
+              </a:ext>
+            </a:extLst>
+          </p:cNvPr>
+          <p:cNvPicPr>
+            <a:picLocks noChangeAspect="1"/>
+          </p:cNvPicPr>
+          <p:nvPr/>
+        </p:nvPicPr>
+        <p:blipFill>
+          <a:blip r:embed="rId3"/>
+          <a:stretch>
+            <a:fillRect/>
+          </a:stretch>
+        </p:blipFill>
+        <p:spPr>
+          <a:xfrm>
+            <a:off x="0" y="0"/>
+            <a:ext cx="9144000" cy="5143500"/>
+          </a:xfrm>
+          <a:prstGeom prst="rect">
+            <a:avLst/>
+          </a:prstGeom>
+        </p:spPr>
+      </p:pic>
+      <p:pic>
+        <p:nvPicPr>
+          <p:cNvPr id="3" name="Picture 2">
+            <a:extLst>
+              <a:ext uri="{FF2B5EF4-FFF2-40B4-BE49-F238E27FC236}">
+                <a16:creationId xmlns:a16="http://schemas.microsoft.com/office/drawing/2014/main" id="{474EAF4B-3BEF-EC47-8273-06D7917DF21F}"/>
+              </a:ext>
+            </a:extLst>
+          </p:cNvPr>
+          <p:cNvPicPr>
+            <a:picLocks noChangeAspect="1"/>
+          </p:cNvPicPr>
+          <p:nvPr/>
+        </p:nvPicPr>
+        <p:blipFill>
+          <a:blip r:embed="rId3"/>
+          <a:stretch>
+            <a:fillRect/>
+          </a:stretch>
+        </p:blipFill>
+        <p:spPr>
+          <a:xfrm>
+            <a:off x="0" y="0"/>
+            <a:ext cx="9144000" cy="5143500"/>
+          </a:xfrm>
+          <a:prstGeom prst="rect">
+            <a:avLst/>
+          </a:prstGeom>
+        </p:spPr>
+      </p:pic>
+      <p:pic>
+        <p:nvPicPr>
+          <p:cNvPr id="5" name="Picture 4" descr="A picture containing table&#10;&#10;Description automatically generated">
+            <a:extLst>
+              <a:ext uri="{FF2B5EF4-FFF2-40B4-BE49-F238E27FC236}">
+                <a16:creationId xmlns:a16="http://schemas.microsoft.com/office/drawing/2014/main" id="{66AB2836-8C90-A247-A024-6B5C66FEBBEE}"/>
+              </a:ext>
+            </a:extLst>
+          </p:cNvPr>
+          <p:cNvPicPr>
+            <a:picLocks noChangeAspect="1"/>
+          </p:cNvPicPr>
+          <p:nvPr/>
+        </p:nvPicPr>
+        <p:blipFill>
+          <a:blip r:embed="rId4"/>
+          <a:stretch>
+            <a:fillRect/>
+          </a:stretch>
+        </p:blipFill>
+        <p:spPr>
+          <a:xfrm>
+            <a:off x="2403116" y="3823970"/>
+            <a:ext cx="3924300" cy="787400"/>
+          </a:xfrm>
+          <a:prstGeom prst="rect">
+            <a:avLst/>
+          </a:prstGeom>
+        </p:spPr>
+      </p:pic>
     </p:spTree>
   </p:cSld>
   <p:clrMapOvr>
@@ -10798,11 +10863,11 @@
 </file>
 
 <file path=ppt/slides/slide2.xml><?xml version="1.0" encoding="utf-8"?>
-<p:sld xmlns:a="http://schemas.openxmlformats.org/drawingml/2006/main" xmlns:r="http://schemas.openxmlformats.org/officeDocument/2006/relationships" xmlns:mc="http://schemas.openxmlformats.org/markup-compatibility/2006" xmlns:mv="urn:schemas-microsoft-com:mac:vml" xmlns:p="http://schemas.openxmlformats.org/presentationml/2006/main" xmlns:c="http://schemas.openxmlformats.org/drawingml/2006/chart" xmlns:dgm="http://schemas.openxmlformats.org/drawingml/2006/diagram" xmlns:o="urn:schemas-microsoft-com:office:office" xmlns:v="urn:schemas-microsoft-com:vml" xmlns:pvml="urn:schemas-microsoft-com:office:powerpoint" xmlns:com="http://schemas.openxmlformats.org/drawingml/2006/compatibility" xmlns:p14="http://schemas.microsoft.com/office/powerpoint/2010/main" xmlns:p15="http://schemas.microsoft.com/office/powerpoint/2012/main">
+<p:sld xmlns:a="http://schemas.openxmlformats.org/drawingml/2006/main" xmlns:r="http://schemas.openxmlformats.org/officeDocument/2006/relationships" xmlns:p="http://schemas.openxmlformats.org/presentationml/2006/main">
   <p:cSld>
     <p:spTree>
       <p:nvGrpSpPr>
-        <p:cNvPr id="139" name="Shape 139"/>
+        <p:cNvPr id="1" name="Shape 139"/>
         <p:cNvGrpSpPr/>
         <p:nvPr/>
       </p:nvGrpSpPr>
@@ -10817,7 +10882,9 @@
       <p:sp>
         <p:nvSpPr>
           <p:cNvPr id="140" name="Google Shape;140;p14"/>
-          <p:cNvSpPr txBox="1"/>
+          <p:cNvSpPr txBox="1">
+            <a:spLocks noGrp="1"/>
+          </p:cNvSpPr>
           <p:nvPr>
             <p:ph type="title"/>
           </p:nvPr>
@@ -10832,12 +10899,12 @@
           </a:prstGeom>
         </p:spPr>
         <p:txBody>
-          <a:bodyPr anchorCtr="0" anchor="ctr" bIns="91425" lIns="91425" spcFirstLastPara="1" rIns="91425" wrap="square" tIns="91425">
+          <a:bodyPr spcFirstLastPara="1" wrap="square" lIns="91425" tIns="91425" rIns="91425" bIns="91425" anchor="ctr" anchorCtr="0">
             <a:noAutofit/>
           </a:bodyPr>
           <a:lstStyle/>
           <a:p>
-            <a:pPr indent="0" lvl="0" marL="0" rtl="0" algn="l">
+            <a:pPr marL="0" lvl="0" indent="0" algn="l" rtl="0">
               <a:spcBef>
                 <a:spcPts val="0"/>
               </a:spcBef>
@@ -10863,11 +10930,11 @@
 </file>
 
 <file path=ppt/slides/slide3.xml><?xml version="1.0" encoding="utf-8"?>
-<p:sld xmlns:a="http://schemas.openxmlformats.org/drawingml/2006/main" xmlns:r="http://schemas.openxmlformats.org/officeDocument/2006/relationships" xmlns:mc="http://schemas.openxmlformats.org/markup-compatibility/2006" xmlns:mv="urn:schemas-microsoft-com:mac:vml" xmlns:p="http://schemas.openxmlformats.org/presentationml/2006/main" xmlns:c="http://schemas.openxmlformats.org/drawingml/2006/chart" xmlns:dgm="http://schemas.openxmlformats.org/drawingml/2006/diagram" xmlns:o="urn:schemas-microsoft-com:office:office" xmlns:v="urn:schemas-microsoft-com:vml" xmlns:pvml="urn:schemas-microsoft-com:office:powerpoint" xmlns:com="http://schemas.openxmlformats.org/drawingml/2006/compatibility" xmlns:p14="http://schemas.microsoft.com/office/powerpoint/2010/main" xmlns:p15="http://schemas.microsoft.com/office/powerpoint/2012/main">
+<p:sld xmlns:a="http://schemas.openxmlformats.org/drawingml/2006/main" xmlns:r="http://schemas.openxmlformats.org/officeDocument/2006/relationships" xmlns:p="http://schemas.openxmlformats.org/presentationml/2006/main">
   <p:cSld>
     <p:spTree>
       <p:nvGrpSpPr>
-        <p:cNvPr id="144" name="Shape 144"/>
+        <p:cNvPr id="1" name="Shape 144"/>
         <p:cNvGrpSpPr/>
         <p:nvPr/>
       </p:nvGrpSpPr>
@@ -10882,7 +10949,9 @@
       <p:sp>
         <p:nvSpPr>
           <p:cNvPr id="145" name="Google Shape;145;p15"/>
-          <p:cNvSpPr txBox="1"/>
+          <p:cNvSpPr txBox="1">
+            <a:spLocks noGrp="1"/>
+          </p:cNvSpPr>
           <p:nvPr>
             <p:ph type="title"/>
           </p:nvPr>
@@ -10897,12 +10966,12 @@
           </a:prstGeom>
         </p:spPr>
         <p:txBody>
-          <a:bodyPr anchorCtr="0" anchor="t" bIns="91425" lIns="91425" spcFirstLastPara="1" rIns="91425" wrap="square" tIns="91425">
+          <a:bodyPr spcFirstLastPara="1" wrap="square" lIns="91425" tIns="91425" rIns="91425" bIns="91425" anchor="t" anchorCtr="0">
             <a:noAutofit/>
           </a:bodyPr>
           <a:lstStyle/>
           <a:p>
-            <a:pPr indent="0" lvl="0" marL="0" rtl="0" algn="l">
+            <a:pPr marL="0" lvl="0" indent="0" algn="l" rtl="0">
               <a:spcBef>
                 <a:spcPts val="0"/>
               </a:spcBef>
@@ -10922,9 +10991,11 @@
       <p:sp>
         <p:nvSpPr>
           <p:cNvPr id="146" name="Google Shape;146;p15"/>
-          <p:cNvSpPr txBox="1"/>
+          <p:cNvSpPr txBox="1">
+            <a:spLocks noGrp="1"/>
+          </p:cNvSpPr>
           <p:nvPr>
-            <p:ph idx="1" type="body"/>
+            <p:ph type="body" idx="1"/>
           </p:nvPr>
         </p:nvSpPr>
         <p:spPr>
@@ -10937,12 +11008,12 @@
           </a:prstGeom>
         </p:spPr>
         <p:txBody>
-          <a:bodyPr anchorCtr="0" anchor="t" bIns="91425" lIns="91425" spcFirstLastPara="1" rIns="91425" wrap="square" tIns="91425">
+          <a:bodyPr spcFirstLastPara="1" wrap="square" lIns="91425" tIns="91425" rIns="91425" bIns="91425" anchor="t" anchorCtr="0">
             <a:noAutofit/>
           </a:bodyPr>
           <a:lstStyle/>
           <a:p>
-            <a:pPr indent="-342900" lvl="0" marL="457200" rtl="0" algn="l">
+            <a:pPr marL="457200" lvl="0" indent="-342900" algn="l" rtl="0">
               <a:spcBef>
                 <a:spcPts val="0"/>
               </a:spcBef>
@@ -10959,7 +11030,7 @@
             <a:endParaRPr sz="1800"/>
           </a:p>
           <a:p>
-            <a:pPr indent="-342900" lvl="0" marL="457200" rtl="0" algn="l">
+            <a:pPr marL="457200" lvl="0" indent="-342900" algn="l" rtl="0">
               <a:spcBef>
                 <a:spcPts val="0"/>
               </a:spcBef>
@@ -10976,7 +11047,7 @@
             <a:endParaRPr sz="1800"/>
           </a:p>
           <a:p>
-            <a:pPr indent="-342900" lvl="0" marL="457200" rtl="0" algn="l">
+            <a:pPr marL="457200" lvl="0" indent="-342900" algn="l" rtl="0">
               <a:spcBef>
                 <a:spcPts val="0"/>
               </a:spcBef>
@@ -10993,7 +11064,7 @@
             <a:endParaRPr sz="1800"/>
           </a:p>
           <a:p>
-            <a:pPr indent="-342900" lvl="0" marL="457200" rtl="0" algn="l">
+            <a:pPr marL="457200" lvl="0" indent="-342900" algn="l" rtl="0">
               <a:spcBef>
                 <a:spcPts val="0"/>
               </a:spcBef>
@@ -11010,7 +11081,7 @@
             <a:endParaRPr sz="1800"/>
           </a:p>
           <a:p>
-            <a:pPr indent="-342900" lvl="0" marL="457200" rtl="0" algn="l">
+            <a:pPr marL="457200" lvl="0" indent="-342900" algn="l" rtl="0">
               <a:spcBef>
                 <a:spcPts val="0"/>
               </a:spcBef>
@@ -11037,11 +11108,11 @@
 </file>
 
 <file path=ppt/slides/slide4.xml><?xml version="1.0" encoding="utf-8"?>
-<p:sld xmlns:a="http://schemas.openxmlformats.org/drawingml/2006/main" xmlns:r="http://schemas.openxmlformats.org/officeDocument/2006/relationships" xmlns:mc="http://schemas.openxmlformats.org/markup-compatibility/2006" xmlns:mv="urn:schemas-microsoft-com:mac:vml" xmlns:p="http://schemas.openxmlformats.org/presentationml/2006/main" xmlns:c="http://schemas.openxmlformats.org/drawingml/2006/chart" xmlns:dgm="http://schemas.openxmlformats.org/drawingml/2006/diagram" xmlns:o="urn:schemas-microsoft-com:office:office" xmlns:v="urn:schemas-microsoft-com:vml" xmlns:pvml="urn:schemas-microsoft-com:office:powerpoint" xmlns:com="http://schemas.openxmlformats.org/drawingml/2006/compatibility" xmlns:p14="http://schemas.microsoft.com/office/powerpoint/2010/main" xmlns:p15="http://schemas.microsoft.com/office/powerpoint/2012/main">
+<p:sld xmlns:a="http://schemas.openxmlformats.org/drawingml/2006/main" xmlns:r="http://schemas.openxmlformats.org/officeDocument/2006/relationships" xmlns:p="http://schemas.openxmlformats.org/presentationml/2006/main">
   <p:cSld>
     <p:spTree>
       <p:nvGrpSpPr>
-        <p:cNvPr id="150" name="Shape 150"/>
+        <p:cNvPr id="1" name="Shape 150"/>
         <p:cNvGrpSpPr/>
         <p:nvPr/>
       </p:nvGrpSpPr>
@@ -11056,7 +11127,9 @@
       <p:sp>
         <p:nvSpPr>
           <p:cNvPr id="151" name="Google Shape;151;p16"/>
-          <p:cNvSpPr txBox="1"/>
+          <p:cNvSpPr txBox="1">
+            <a:spLocks noGrp="1"/>
+          </p:cNvSpPr>
           <p:nvPr>
             <p:ph type="title"/>
           </p:nvPr>
@@ -11071,12 +11144,12 @@
           </a:prstGeom>
         </p:spPr>
         <p:txBody>
-          <a:bodyPr anchorCtr="0" anchor="t" bIns="91425" lIns="91425" spcFirstLastPara="1" rIns="91425" wrap="square" tIns="91425">
+          <a:bodyPr spcFirstLastPara="1" wrap="square" lIns="91425" tIns="91425" rIns="91425" bIns="91425" anchor="t" anchorCtr="0">
             <a:noAutofit/>
           </a:bodyPr>
           <a:lstStyle/>
           <a:p>
-            <a:pPr indent="0" lvl="0" marL="0" rtl="0" algn="l">
+            <a:pPr marL="0" lvl="0" indent="0" algn="l" rtl="0">
               <a:spcBef>
                 <a:spcPts val="0"/>
               </a:spcBef>
@@ -11096,9 +11169,11 @@
       <p:sp>
         <p:nvSpPr>
           <p:cNvPr id="152" name="Google Shape;152;p16"/>
-          <p:cNvSpPr txBox="1"/>
+          <p:cNvSpPr txBox="1">
+            <a:spLocks noGrp="1"/>
+          </p:cNvSpPr>
           <p:nvPr>
-            <p:ph idx="1" type="body"/>
+            <p:ph type="body" idx="1"/>
           </p:nvPr>
         </p:nvSpPr>
         <p:spPr>
@@ -11111,12 +11186,12 @@
           </a:prstGeom>
         </p:spPr>
         <p:txBody>
-          <a:bodyPr anchorCtr="0" anchor="t" bIns="91425" lIns="91425" spcFirstLastPara="1" rIns="91425" wrap="square" tIns="91425">
+          <a:bodyPr spcFirstLastPara="1" wrap="square" lIns="91425" tIns="91425" rIns="91425" bIns="91425" anchor="t" anchorCtr="0">
             <a:noAutofit/>
           </a:bodyPr>
           <a:lstStyle/>
           <a:p>
-            <a:pPr indent="0" lvl="0" marL="0" rtl="0" algn="l">
+            <a:pPr marL="0" lvl="0" indent="0" algn="l" rtl="0">
               <a:spcBef>
                 <a:spcPts val="0"/>
               </a:spcBef>
@@ -11132,7 +11207,7 @@
             <a:endParaRPr/>
           </a:p>
           <a:p>
-            <a:pPr indent="0" lvl="0" marL="0" rtl="0" algn="l">
+            <a:pPr marL="0" lvl="0" indent="0" algn="l" rtl="0">
               <a:spcBef>
                 <a:spcPts val="1600"/>
               </a:spcBef>
@@ -11141,9 +11216,6 @@
               </a:spcAft>
               <a:buNone/>
             </a:pPr>
-            <a:r>
-              <a:t/>
-            </a:r>
             <a:endParaRPr/>
           </a:p>
         </p:txBody>
@@ -11196,12 +11268,12 @@
           </a:ln>
         </p:spPr>
         <p:txBody>
-          <a:bodyPr anchorCtr="0" anchor="t" bIns="91425" lIns="91425" spcFirstLastPara="1" rIns="91425" wrap="square" tIns="91425">
+          <a:bodyPr spcFirstLastPara="1" wrap="square" lIns="91425" tIns="91425" rIns="91425" bIns="91425" anchor="t" anchorCtr="0">
             <a:noAutofit/>
           </a:bodyPr>
           <a:lstStyle/>
           <a:p>
-            <a:pPr indent="0" lvl="0" marL="0" rtl="0" algn="l">
+            <a:pPr marL="0" lvl="0" indent="0" algn="l" rtl="0">
               <a:spcBef>
                 <a:spcPts val="0"/>
               </a:spcBef>
@@ -11235,11 +11307,11 @@
 </file>
 
 <file path=ppt/slides/slide5.xml><?xml version="1.0" encoding="utf-8"?>
-<p:sld xmlns:a="http://schemas.openxmlformats.org/drawingml/2006/main" xmlns:r="http://schemas.openxmlformats.org/officeDocument/2006/relationships" xmlns:mc="http://schemas.openxmlformats.org/markup-compatibility/2006" xmlns:mv="urn:schemas-microsoft-com:mac:vml" xmlns:p="http://schemas.openxmlformats.org/presentationml/2006/main" xmlns:c="http://schemas.openxmlformats.org/drawingml/2006/chart" xmlns:dgm="http://schemas.openxmlformats.org/drawingml/2006/diagram" xmlns:o="urn:schemas-microsoft-com:office:office" xmlns:v="urn:schemas-microsoft-com:vml" xmlns:pvml="urn:schemas-microsoft-com:office:powerpoint" xmlns:com="http://schemas.openxmlformats.org/drawingml/2006/compatibility" xmlns:p14="http://schemas.microsoft.com/office/powerpoint/2010/main" xmlns:p15="http://schemas.microsoft.com/office/powerpoint/2012/main">
+<p:sld xmlns:a="http://schemas.openxmlformats.org/drawingml/2006/main" xmlns:r="http://schemas.openxmlformats.org/officeDocument/2006/relationships" xmlns:p="http://schemas.openxmlformats.org/presentationml/2006/main">
   <p:cSld>
     <p:spTree>
       <p:nvGrpSpPr>
-        <p:cNvPr id="158" name="Shape 158"/>
+        <p:cNvPr id="1" name="Shape 158"/>
         <p:cNvGrpSpPr/>
         <p:nvPr/>
       </p:nvGrpSpPr>
@@ -11254,7 +11326,9 @@
       <p:sp>
         <p:nvSpPr>
           <p:cNvPr id="159" name="Google Shape;159;p17"/>
-          <p:cNvSpPr txBox="1"/>
+          <p:cNvSpPr txBox="1">
+            <a:spLocks noGrp="1"/>
+          </p:cNvSpPr>
           <p:nvPr>
             <p:ph type="title"/>
           </p:nvPr>
@@ -11269,12 +11343,12 @@
           </a:prstGeom>
         </p:spPr>
         <p:txBody>
-          <a:bodyPr anchorCtr="0" anchor="t" bIns="91425" lIns="91425" spcFirstLastPara="1" rIns="91425" wrap="square" tIns="91425">
+          <a:bodyPr spcFirstLastPara="1" wrap="square" lIns="91425" tIns="91425" rIns="91425" bIns="91425" anchor="t" anchorCtr="0">
             <a:noAutofit/>
           </a:bodyPr>
           <a:lstStyle/>
           <a:p>
-            <a:pPr indent="0" lvl="0" marL="0" rtl="0" algn="l">
+            <a:pPr marL="0" lvl="0" indent="0" algn="l" rtl="0">
               <a:spcBef>
                 <a:spcPts val="0"/>
               </a:spcBef>
@@ -11294,9 +11368,11 @@
       <p:sp>
         <p:nvSpPr>
           <p:cNvPr id="160" name="Google Shape;160;p17"/>
-          <p:cNvSpPr txBox="1"/>
+          <p:cNvSpPr txBox="1">
+            <a:spLocks noGrp="1"/>
+          </p:cNvSpPr>
           <p:nvPr>
-            <p:ph idx="1" type="body"/>
+            <p:ph type="body" idx="1"/>
           </p:nvPr>
         </p:nvSpPr>
         <p:spPr>
@@ -11309,12 +11385,12 @@
           </a:prstGeom>
         </p:spPr>
         <p:txBody>
-          <a:bodyPr anchorCtr="0" anchor="t" bIns="91425" lIns="91425" spcFirstLastPara="1" rIns="91425" wrap="square" tIns="91425">
+          <a:bodyPr spcFirstLastPara="1" wrap="square" lIns="91425" tIns="91425" rIns="91425" bIns="91425" anchor="t" anchorCtr="0">
             <a:noAutofit/>
           </a:bodyPr>
           <a:lstStyle/>
           <a:p>
-            <a:pPr indent="0" lvl="0" marL="0" rtl="0" algn="l">
+            <a:pPr marL="0" lvl="0" indent="0" algn="l" rtl="0">
               <a:spcBef>
                 <a:spcPts val="0"/>
               </a:spcBef>
@@ -11330,7 +11406,7 @@
             <a:endParaRPr/>
           </a:p>
           <a:p>
-            <a:pPr indent="0" lvl="0" marL="0" rtl="0" algn="l">
+            <a:pPr marL="0" lvl="0" indent="0" algn="l" rtl="0">
               <a:spcBef>
                 <a:spcPts val="1600"/>
               </a:spcBef>
@@ -11346,7 +11422,7 @@
             <a:endParaRPr/>
           </a:p>
           <a:p>
-            <a:pPr indent="0" lvl="0" marL="0" rtl="0" algn="l">
+            <a:pPr marL="0" lvl="0" indent="0" algn="l" rtl="0">
               <a:spcBef>
                 <a:spcPts val="1600"/>
               </a:spcBef>
@@ -11362,7 +11438,7 @@
             <a:endParaRPr/>
           </a:p>
           <a:p>
-            <a:pPr indent="0" lvl="0" marL="0" rtl="0" algn="l">
+            <a:pPr marL="0" lvl="0" indent="0" algn="l" rtl="0">
               <a:spcBef>
                 <a:spcPts val="1600"/>
               </a:spcBef>
@@ -11378,7 +11454,7 @@
             <a:endParaRPr/>
           </a:p>
           <a:p>
-            <a:pPr indent="0" lvl="0" marL="0" rtl="0" algn="l">
+            <a:pPr marL="0" lvl="0" indent="0" algn="l" rtl="0">
               <a:spcBef>
                 <a:spcPts val="1600"/>
               </a:spcBef>
@@ -11394,7 +11470,7 @@
             <a:endParaRPr/>
           </a:p>
           <a:p>
-            <a:pPr indent="0" lvl="0" marL="0" rtl="0" algn="l">
+            <a:pPr marL="0" lvl="0" indent="0" algn="l" rtl="0">
               <a:spcBef>
                 <a:spcPts val="1600"/>
               </a:spcBef>
@@ -11420,11 +11496,11 @@
 </file>
 
 <file path=ppt/slides/slide6.xml><?xml version="1.0" encoding="utf-8"?>
-<p:sld xmlns:a="http://schemas.openxmlformats.org/drawingml/2006/main" xmlns:r="http://schemas.openxmlformats.org/officeDocument/2006/relationships" xmlns:mc="http://schemas.openxmlformats.org/markup-compatibility/2006" xmlns:mv="urn:schemas-microsoft-com:mac:vml" xmlns:p="http://schemas.openxmlformats.org/presentationml/2006/main" xmlns:c="http://schemas.openxmlformats.org/drawingml/2006/chart" xmlns:dgm="http://schemas.openxmlformats.org/drawingml/2006/diagram" xmlns:o="urn:schemas-microsoft-com:office:office" xmlns:v="urn:schemas-microsoft-com:vml" xmlns:pvml="urn:schemas-microsoft-com:office:powerpoint" xmlns:com="http://schemas.openxmlformats.org/drawingml/2006/compatibility" xmlns:p14="http://schemas.microsoft.com/office/powerpoint/2010/main" xmlns:p15="http://schemas.microsoft.com/office/powerpoint/2012/main">
+<p:sld xmlns:a="http://schemas.openxmlformats.org/drawingml/2006/main" xmlns:r="http://schemas.openxmlformats.org/officeDocument/2006/relationships" xmlns:p="http://schemas.openxmlformats.org/presentationml/2006/main">
   <p:cSld>
     <p:spTree>
       <p:nvGrpSpPr>
-        <p:cNvPr id="164" name="Shape 164"/>
+        <p:cNvPr id="1" name="Shape 164"/>
         <p:cNvGrpSpPr/>
         <p:nvPr/>
       </p:nvGrpSpPr>
@@ -11439,7 +11515,9 @@
       <p:sp>
         <p:nvSpPr>
           <p:cNvPr id="165" name="Google Shape;165;p18"/>
-          <p:cNvSpPr txBox="1"/>
+          <p:cNvSpPr txBox="1">
+            <a:spLocks noGrp="1"/>
+          </p:cNvSpPr>
           <p:nvPr>
             <p:ph type="title"/>
           </p:nvPr>
@@ -11454,12 +11532,12 @@
           </a:prstGeom>
         </p:spPr>
         <p:txBody>
-          <a:bodyPr anchorCtr="0" anchor="t" bIns="91425" lIns="91425" spcFirstLastPara="1" rIns="91425" wrap="square" tIns="91425">
+          <a:bodyPr spcFirstLastPara="1" wrap="square" lIns="91425" tIns="91425" rIns="91425" bIns="91425" anchor="t" anchorCtr="0">
             <a:noAutofit/>
           </a:bodyPr>
           <a:lstStyle/>
           <a:p>
-            <a:pPr indent="0" lvl="0" marL="0" rtl="0" algn="l">
+            <a:pPr marL="0" lvl="0" indent="0" algn="l" rtl="0">
               <a:spcBef>
                 <a:spcPts val="0"/>
               </a:spcBef>
@@ -11479,9 +11557,11 @@
       <p:sp>
         <p:nvSpPr>
           <p:cNvPr id="166" name="Google Shape;166;p18"/>
-          <p:cNvSpPr txBox="1"/>
+          <p:cNvSpPr txBox="1">
+            <a:spLocks noGrp="1"/>
+          </p:cNvSpPr>
           <p:nvPr>
-            <p:ph idx="1" type="body"/>
+            <p:ph type="body" idx="1"/>
           </p:nvPr>
         </p:nvSpPr>
         <p:spPr>
@@ -11494,12 +11574,12 @@
           </a:prstGeom>
         </p:spPr>
         <p:txBody>
-          <a:bodyPr anchorCtr="0" anchor="t" bIns="91425" lIns="91425" spcFirstLastPara="1" rIns="91425" wrap="square" tIns="91425">
+          <a:bodyPr spcFirstLastPara="1" wrap="square" lIns="91425" tIns="91425" rIns="91425" bIns="91425" anchor="t" anchorCtr="0">
             <a:noAutofit/>
           </a:bodyPr>
           <a:lstStyle/>
           <a:p>
-            <a:pPr indent="0" lvl="0" marL="0" rtl="0" algn="l">
+            <a:pPr marL="0" lvl="0" indent="0" algn="l" rtl="0">
               <a:spcBef>
                 <a:spcPts val="0"/>
               </a:spcBef>
@@ -11522,7 +11602,7 @@
             <a:endParaRPr sz="1800"/>
           </a:p>
           <a:p>
-            <a:pPr indent="0" lvl="0" marL="0" rtl="0" algn="l">
+            <a:pPr marL="0" lvl="0" indent="0" algn="l" rtl="0">
               <a:spcBef>
                 <a:spcPts val="1600"/>
               </a:spcBef>
@@ -11542,7 +11622,7 @@
             <a:endParaRPr sz="1800"/>
           </a:p>
           <a:p>
-            <a:pPr indent="0" lvl="0" marL="0" rtl="0" algn="l">
+            <a:pPr marL="0" lvl="0" indent="0" algn="l" rtl="0">
               <a:spcBef>
                 <a:spcPts val="1600"/>
               </a:spcBef>
@@ -11558,7 +11638,7 @@
             <a:endParaRPr sz="1400"/>
           </a:p>
           <a:p>
-            <a:pPr indent="0" lvl="0" marL="0" rtl="0" algn="l">
+            <a:pPr marL="0" lvl="0" indent="0" algn="l" rtl="0">
               <a:spcBef>
                 <a:spcPts val="1600"/>
               </a:spcBef>
@@ -11574,7 +11654,7 @@
             <a:endParaRPr/>
           </a:p>
           <a:p>
-            <a:pPr indent="0" lvl="0" marL="0" rtl="0" algn="l">
+            <a:pPr marL="0" lvl="0" indent="0" algn="l" rtl="0">
               <a:spcBef>
                 <a:spcPts val="1600"/>
               </a:spcBef>
@@ -11583,9 +11663,6 @@
               </a:spcAft>
               <a:buNone/>
             </a:pPr>
-            <a:r>
-              <a:t/>
-            </a:r>
             <a:endParaRPr/>
           </a:p>
         </p:txBody>
@@ -11599,11 +11676,11 @@
 </file>
 
 <file path=ppt/slides/slide7.xml><?xml version="1.0" encoding="utf-8"?>
-<p:sld xmlns:a="http://schemas.openxmlformats.org/drawingml/2006/main" xmlns:r="http://schemas.openxmlformats.org/officeDocument/2006/relationships" xmlns:mc="http://schemas.openxmlformats.org/markup-compatibility/2006" xmlns:mv="urn:schemas-microsoft-com:mac:vml" xmlns:p="http://schemas.openxmlformats.org/presentationml/2006/main" xmlns:c="http://schemas.openxmlformats.org/drawingml/2006/chart" xmlns:dgm="http://schemas.openxmlformats.org/drawingml/2006/diagram" xmlns:o="urn:schemas-microsoft-com:office:office" xmlns:v="urn:schemas-microsoft-com:vml" xmlns:pvml="urn:schemas-microsoft-com:office:powerpoint" xmlns:com="http://schemas.openxmlformats.org/drawingml/2006/compatibility" xmlns:p14="http://schemas.microsoft.com/office/powerpoint/2010/main" xmlns:p15="http://schemas.microsoft.com/office/powerpoint/2012/main">
+<p:sld xmlns:a="http://schemas.openxmlformats.org/drawingml/2006/main" xmlns:r="http://schemas.openxmlformats.org/officeDocument/2006/relationships" xmlns:p="http://schemas.openxmlformats.org/presentationml/2006/main">
   <p:cSld>
     <p:spTree>
       <p:nvGrpSpPr>
-        <p:cNvPr id="170" name="Shape 170"/>
+        <p:cNvPr id="1" name="Shape 170"/>
         <p:cNvGrpSpPr/>
         <p:nvPr/>
       </p:nvGrpSpPr>
@@ -11618,7 +11695,9 @@
       <p:sp>
         <p:nvSpPr>
           <p:cNvPr id="171" name="Google Shape;171;p19"/>
-          <p:cNvSpPr txBox="1"/>
+          <p:cNvSpPr txBox="1">
+            <a:spLocks noGrp="1"/>
+          </p:cNvSpPr>
           <p:nvPr>
             <p:ph type="title"/>
           </p:nvPr>
@@ -11633,12 +11712,12 @@
           </a:prstGeom>
         </p:spPr>
         <p:txBody>
-          <a:bodyPr anchorCtr="0" anchor="t" bIns="91425" lIns="91425" spcFirstLastPara="1" rIns="91425" wrap="square" tIns="91425">
+          <a:bodyPr spcFirstLastPara="1" wrap="square" lIns="91425" tIns="91425" rIns="91425" bIns="91425" anchor="t" anchorCtr="0">
             <a:noAutofit/>
           </a:bodyPr>
           <a:lstStyle/>
           <a:p>
-            <a:pPr indent="0" lvl="0" marL="0" rtl="0" algn="l">
+            <a:pPr marL="0" lvl="0" indent="0" algn="l" rtl="0">
               <a:spcBef>
                 <a:spcPts val="0"/>
               </a:spcBef>
@@ -11658,9 +11737,11 @@
       <p:sp>
         <p:nvSpPr>
           <p:cNvPr id="172" name="Google Shape;172;p19"/>
-          <p:cNvSpPr txBox="1"/>
+          <p:cNvSpPr txBox="1">
+            <a:spLocks noGrp="1"/>
+          </p:cNvSpPr>
           <p:nvPr>
-            <p:ph idx="1" type="body"/>
+            <p:ph type="body" idx="1"/>
           </p:nvPr>
         </p:nvSpPr>
         <p:spPr>
@@ -11673,12 +11754,12 @@
           </a:prstGeom>
         </p:spPr>
         <p:txBody>
-          <a:bodyPr anchorCtr="0" anchor="t" bIns="91425" lIns="91425" spcFirstLastPara="1" rIns="91425" wrap="square" tIns="91425">
+          <a:bodyPr spcFirstLastPara="1" wrap="square" lIns="91425" tIns="91425" rIns="91425" bIns="91425" anchor="t" anchorCtr="0">
             <a:noAutofit/>
           </a:bodyPr>
           <a:lstStyle/>
           <a:p>
-            <a:pPr indent="0" lvl="0" marL="0" rtl="0" algn="l">
+            <a:pPr marL="0" lvl="0" indent="0" algn="l" rtl="0">
               <a:spcBef>
                 <a:spcPts val="0"/>
               </a:spcBef>
@@ -11687,9 +11768,6 @@
               </a:spcAft>
               <a:buNone/>
             </a:pPr>
-            <a:r>
-              <a:t/>
-            </a:r>
             <a:endParaRPr/>
           </a:p>
         </p:txBody>
@@ -11742,12 +11820,12 @@
           </a:ln>
         </p:spPr>
         <p:txBody>
-          <a:bodyPr anchorCtr="0" anchor="t" bIns="91425" lIns="91425" spcFirstLastPara="1" rIns="91425" wrap="square" tIns="91425">
+          <a:bodyPr spcFirstLastPara="1" wrap="square" lIns="91425" tIns="91425" rIns="91425" bIns="91425" anchor="t" anchorCtr="0">
             <a:noAutofit/>
           </a:bodyPr>
           <a:lstStyle/>
           <a:p>
-            <a:pPr indent="0" lvl="0" marL="0" rtl="0" algn="l">
+            <a:pPr marL="0" lvl="0" indent="0" algn="l" rtl="0">
               <a:spcBef>
                 <a:spcPts val="0"/>
               </a:spcBef>
@@ -11781,11 +11859,11 @@
 </file>
 
 <file path=ppt/slides/slide8.xml><?xml version="1.0" encoding="utf-8"?>
-<p:sld xmlns:a="http://schemas.openxmlformats.org/drawingml/2006/main" xmlns:r="http://schemas.openxmlformats.org/officeDocument/2006/relationships" xmlns:mc="http://schemas.openxmlformats.org/markup-compatibility/2006" xmlns:mv="urn:schemas-microsoft-com:mac:vml" xmlns:p="http://schemas.openxmlformats.org/presentationml/2006/main" xmlns:c="http://schemas.openxmlformats.org/drawingml/2006/chart" xmlns:dgm="http://schemas.openxmlformats.org/drawingml/2006/diagram" xmlns:o="urn:schemas-microsoft-com:office:office" xmlns:v="urn:schemas-microsoft-com:vml" xmlns:pvml="urn:schemas-microsoft-com:office:powerpoint" xmlns:com="http://schemas.openxmlformats.org/drawingml/2006/compatibility" xmlns:p14="http://schemas.microsoft.com/office/powerpoint/2010/main" xmlns:p15="http://schemas.microsoft.com/office/powerpoint/2012/main">
+<p:sld xmlns:a="http://schemas.openxmlformats.org/drawingml/2006/main" xmlns:r="http://schemas.openxmlformats.org/officeDocument/2006/relationships" xmlns:p="http://schemas.openxmlformats.org/presentationml/2006/main">
   <p:cSld>
     <p:spTree>
       <p:nvGrpSpPr>
-        <p:cNvPr id="178" name="Shape 178"/>
+        <p:cNvPr id="1" name="Shape 178"/>
         <p:cNvGrpSpPr/>
         <p:nvPr/>
       </p:nvGrpSpPr>
@@ -11800,7 +11878,9 @@
       <p:sp>
         <p:nvSpPr>
           <p:cNvPr id="179" name="Google Shape;179;p20"/>
-          <p:cNvSpPr txBox="1"/>
+          <p:cNvSpPr txBox="1">
+            <a:spLocks noGrp="1"/>
+          </p:cNvSpPr>
           <p:nvPr>
             <p:ph type="title"/>
           </p:nvPr>
@@ -11815,12 +11895,12 @@
           </a:prstGeom>
         </p:spPr>
         <p:txBody>
-          <a:bodyPr anchorCtr="0" anchor="t" bIns="91425" lIns="91425" spcFirstLastPara="1" rIns="91425" wrap="square" tIns="91425">
+          <a:bodyPr spcFirstLastPara="1" wrap="square" lIns="91425" tIns="91425" rIns="91425" bIns="91425" anchor="t" anchorCtr="0">
             <a:noAutofit/>
           </a:bodyPr>
           <a:lstStyle/>
           <a:p>
-            <a:pPr indent="0" lvl="0" marL="0" rtl="0" algn="l">
+            <a:pPr marL="0" lvl="0" indent="0" algn="l" rtl="0">
               <a:spcBef>
                 <a:spcPts val="0"/>
               </a:spcBef>
@@ -11840,9 +11920,11 @@
       <p:sp>
         <p:nvSpPr>
           <p:cNvPr id="180" name="Google Shape;180;p20"/>
-          <p:cNvSpPr txBox="1"/>
+          <p:cNvSpPr txBox="1">
+            <a:spLocks noGrp="1"/>
+          </p:cNvSpPr>
           <p:nvPr>
-            <p:ph idx="1" type="body"/>
+            <p:ph type="body" idx="1"/>
           </p:nvPr>
         </p:nvSpPr>
         <p:spPr>
@@ -11855,12 +11937,12 @@
           </a:prstGeom>
         </p:spPr>
         <p:txBody>
-          <a:bodyPr anchorCtr="0" anchor="t" bIns="91425" lIns="91425" spcFirstLastPara="1" rIns="91425" wrap="square" tIns="91425">
+          <a:bodyPr spcFirstLastPara="1" wrap="square" lIns="91425" tIns="91425" rIns="91425" bIns="91425" anchor="t" anchorCtr="0">
             <a:noAutofit/>
           </a:bodyPr>
           <a:lstStyle/>
           <a:p>
-            <a:pPr indent="0" lvl="0" marL="0" rtl="0" algn="l">
+            <a:pPr marL="0" lvl="0" indent="0" algn="l" rtl="0">
               <a:lnSpc>
                 <a:spcPct val="115000"/>
               </a:lnSpc>
@@ -11873,21 +11955,37 @@
               <a:buNone/>
             </a:pPr>
             <a:r>
-              <a:rPr lang="en" sz="1800">
+              <a:rPr lang="en" sz="1800" dirty="0">
                 <a:solidFill>
                   <a:srgbClr val="FFFFFF"/>
                 </a:solidFill>
               </a:rPr>
-              <a:t>Bayes theorem in the simplest of terms gives us a relation between the conditional probabilities of two different events ( ie. P(A|B) and P(B|A) ).</a:t>
+              <a:t>Bayes theorem in the simplest of terms gives us a relation between the conditional probabilities of two different events ( </a:t>
             </a:r>
-            <a:endParaRPr sz="1800">
+            <a:r>
+              <a:rPr lang="en" sz="1800" dirty="0" err="1">
+                <a:solidFill>
+                  <a:srgbClr val="FFFFFF"/>
+                </a:solidFill>
+              </a:rPr>
+              <a:t>ie</a:t>
+            </a:r>
+            <a:r>
+              <a:rPr lang="en" sz="1800" dirty="0">
+                <a:solidFill>
+                  <a:srgbClr val="FFFFFF"/>
+                </a:solidFill>
+              </a:rPr>
+              <a:t>. P(A|B) and P(B|A) ).</a:t>
+            </a:r>
+            <a:endParaRPr sz="1800" dirty="0">
               <a:solidFill>
                 <a:srgbClr val="FFFFFF"/>
               </a:solidFill>
             </a:endParaRPr>
           </a:p>
           <a:p>
-            <a:pPr indent="0" lvl="0" marL="0" rtl="0" algn="l">
+            <a:pPr marL="0" lvl="0" indent="0" algn="l" rtl="0">
               <a:lnSpc>
                 <a:spcPct val="115000"/>
               </a:lnSpc>
@@ -11900,7 +11998,7 @@
               <a:buNone/>
             </a:pPr>
             <a:r>
-              <a:rPr lang="en" sz="1800">
+              <a:rPr lang="en" sz="1800" dirty="0">
                 <a:solidFill>
                   <a:srgbClr val="FFFFFF"/>
                 </a:solidFill>
@@ -11908,7 +12006,7 @@
               <a:t>Statement:  	</a:t>
             </a:r>
             <a:r>
-              <a:rPr lang="en" sz="1800">
+              <a:rPr lang="en" sz="1800" dirty="0">
                 <a:solidFill>
                   <a:srgbClr val="FFFFFF"/>
                 </a:solidFill>
@@ -11920,7 +12018,7 @@
               <a:t>P(A|B)</a:t>
             </a:r>
             <a:r>
-              <a:rPr lang="en" sz="1800">
+              <a:rPr lang="en" sz="1800" dirty="0">
                 <a:solidFill>
                   <a:srgbClr val="FFFFFF"/>
                 </a:solidFill>
@@ -11928,7 +12026,7 @@
               <a:t> = </a:t>
             </a:r>
             <a:r>
-              <a:rPr lang="en" sz="1800">
+              <a:rPr lang="en" sz="1800" dirty="0">
                 <a:solidFill>
                   <a:srgbClr val="FFFFFF"/>
                 </a:solidFill>
@@ -11937,9 +12035,9 @@
                 <a:cs typeface="Arial"/>
                 <a:sym typeface="Arial"/>
               </a:rPr>
-              <a:t>(P(B|A)∗P(A))/(P(B))</a:t>
+              <a:t>P(B|A)∗P(A) / P(B)</a:t>
             </a:r>
-            <a:endParaRPr sz="1800">
+            <a:endParaRPr sz="1800" dirty="0">
               <a:solidFill>
                 <a:srgbClr val="FFFFFF"/>
               </a:solidFill>
@@ -11950,7 +12048,7 @@
             </a:endParaRPr>
           </a:p>
           <a:p>
-            <a:pPr indent="0" lvl="0" marL="0" rtl="0" algn="l">
+            <a:pPr marL="0" lvl="0" indent="0" algn="l" rtl="0">
               <a:spcBef>
                 <a:spcPts val="1600"/>
               </a:spcBef>
@@ -11959,10 +12057,7 @@
               </a:spcAft>
               <a:buNone/>
             </a:pPr>
-            <a:r>
-              <a:t/>
-            </a:r>
-            <a:endParaRPr/>
+            <a:endParaRPr dirty="0"/>
           </a:p>
         </p:txBody>
       </p:sp>
@@ -11975,11 +12070,11 @@
 </file>
 
 <file path=ppt/slides/slide9.xml><?xml version="1.0" encoding="utf-8"?>
-<p:sld xmlns:a="http://schemas.openxmlformats.org/drawingml/2006/main" xmlns:r="http://schemas.openxmlformats.org/officeDocument/2006/relationships" xmlns:mc="http://schemas.openxmlformats.org/markup-compatibility/2006" xmlns:mv="urn:schemas-microsoft-com:mac:vml" xmlns:p="http://schemas.openxmlformats.org/presentationml/2006/main" xmlns:c="http://schemas.openxmlformats.org/drawingml/2006/chart" xmlns:dgm="http://schemas.openxmlformats.org/drawingml/2006/diagram" xmlns:o="urn:schemas-microsoft-com:office:office" xmlns:v="urn:schemas-microsoft-com:vml" xmlns:pvml="urn:schemas-microsoft-com:office:powerpoint" xmlns:com="http://schemas.openxmlformats.org/drawingml/2006/compatibility" xmlns:p14="http://schemas.microsoft.com/office/powerpoint/2010/main" xmlns:p15="http://schemas.microsoft.com/office/powerpoint/2012/main">
+<p:sld xmlns:a="http://schemas.openxmlformats.org/drawingml/2006/main" xmlns:r="http://schemas.openxmlformats.org/officeDocument/2006/relationships" xmlns:p="http://schemas.openxmlformats.org/presentationml/2006/main">
   <p:cSld>
     <p:spTree>
       <p:nvGrpSpPr>
-        <p:cNvPr id="184" name="Shape 184"/>
+        <p:cNvPr id="1" name="Shape 184"/>
         <p:cNvGrpSpPr/>
         <p:nvPr/>
       </p:nvGrpSpPr>
@@ -11994,7 +12089,9 @@
       <p:sp>
         <p:nvSpPr>
           <p:cNvPr id="185" name="Google Shape;185;p21"/>
-          <p:cNvSpPr txBox="1"/>
+          <p:cNvSpPr txBox="1">
+            <a:spLocks noGrp="1"/>
+          </p:cNvSpPr>
           <p:nvPr>
             <p:ph type="title"/>
           </p:nvPr>
@@ -12009,12 +12106,12 @@
           </a:prstGeom>
         </p:spPr>
         <p:txBody>
-          <a:bodyPr anchorCtr="0" anchor="t" bIns="91425" lIns="91425" spcFirstLastPara="1" rIns="91425" wrap="square" tIns="91425">
+          <a:bodyPr spcFirstLastPara="1" wrap="square" lIns="91425" tIns="91425" rIns="91425" bIns="91425" anchor="t" anchorCtr="0">
             <a:noAutofit/>
           </a:bodyPr>
           <a:lstStyle/>
           <a:p>
-            <a:pPr indent="0" lvl="0" marL="0" rtl="0" algn="l">
+            <a:pPr marL="0" lvl="0" indent="0" algn="l" rtl="0">
               <a:spcBef>
                 <a:spcPts val="0"/>
               </a:spcBef>
@@ -12030,7 +12127,7 @@
             <a:endParaRPr/>
           </a:p>
           <a:p>
-            <a:pPr indent="0" lvl="0" marL="0" rtl="0" algn="l">
+            <a:pPr marL="0" lvl="0" indent="0" algn="l" rtl="0">
               <a:spcBef>
                 <a:spcPts val="0"/>
               </a:spcBef>
@@ -12039,9 +12136,6 @@
               </a:spcAft>
               <a:buNone/>
             </a:pPr>
-            <a:r>
-              <a:t/>
-            </a:r>
             <a:endParaRPr/>
           </a:p>
         </p:txBody>
@@ -12049,9 +12143,11 @@
       <p:sp>
         <p:nvSpPr>
           <p:cNvPr id="186" name="Google Shape;186;p21"/>
-          <p:cNvSpPr txBox="1"/>
+          <p:cNvSpPr txBox="1">
+            <a:spLocks noGrp="1"/>
+          </p:cNvSpPr>
           <p:nvPr>
-            <p:ph idx="1" type="body"/>
+            <p:ph type="body" idx="1"/>
           </p:nvPr>
         </p:nvSpPr>
         <p:spPr>
@@ -12064,12 +12160,12 @@
           </a:prstGeom>
         </p:spPr>
         <p:txBody>
-          <a:bodyPr anchorCtr="0" anchor="t" bIns="91425" lIns="91425" spcFirstLastPara="1" rIns="91425" wrap="square" tIns="91425">
+          <a:bodyPr spcFirstLastPara="1" wrap="square" lIns="91425" tIns="91425" rIns="91425" bIns="91425" anchor="t" anchorCtr="0">
             <a:noAutofit/>
           </a:bodyPr>
           <a:lstStyle/>
           <a:p>
-            <a:pPr indent="0" lvl="0" marL="0" rtl="0" algn="l">
+            <a:pPr marL="0" lvl="0" indent="0" algn="l" rtl="0">
               <a:lnSpc>
                 <a:spcPct val="115000"/>
               </a:lnSpc>
@@ -12096,7 +12192,7 @@
             </a:endParaRPr>
           </a:p>
           <a:p>
-            <a:pPr indent="0" lvl="0" marL="0" rtl="0" algn="l">
+            <a:pPr marL="0" lvl="0" indent="0" algn="l" rtl="0">
               <a:lnSpc>
                 <a:spcPct val="115000"/>
               </a:lnSpc>
@@ -12117,7 +12213,7 @@
               <a:t>H</a:t>
             </a:r>
             <a:r>
-              <a:rPr baseline="-25000" lang="en" sz="1400">
+              <a:rPr lang="en" sz="1400" baseline="-25000">
                 <a:solidFill>
                   <a:srgbClr val="FFFFFF"/>
                 </a:solidFill>
@@ -12139,7 +12235,7 @@
             </a:endParaRPr>
           </a:p>
           <a:p>
-            <a:pPr indent="0" lvl="0" marL="0" rtl="0" algn="l">
+            <a:pPr marL="0" lvl="0" indent="0" algn="l" rtl="0">
               <a:lnSpc>
                 <a:spcPct val="115000"/>
               </a:lnSpc>
@@ -12160,7 +12256,7 @@
               <a:t>H</a:t>
             </a:r>
             <a:r>
-              <a:rPr baseline="-25000" lang="en" sz="1400">
+              <a:rPr lang="en" sz="1400" baseline="-25000">
                 <a:solidFill>
                   <a:srgbClr val="FFFFFF"/>
                 </a:solidFill>
@@ -12182,7 +12278,7 @@
             </a:endParaRPr>
           </a:p>
           <a:p>
-            <a:pPr indent="0" lvl="0" marL="0" rtl="0" algn="l">
+            <a:pPr marL="0" lvl="0" indent="0" algn="l" rtl="0">
               <a:lnSpc>
                 <a:spcPct val="115000"/>
               </a:lnSpc>
@@ -12209,7 +12305,7 @@
             </a:endParaRPr>
           </a:p>
           <a:p>
-            <a:pPr indent="0" lvl="0" marL="0" rtl="0" algn="l">
+            <a:pPr marL="0" lvl="0" indent="0" algn="l" rtl="0">
               <a:lnSpc>
                 <a:spcPct val="115000"/>
               </a:lnSpc>
@@ -12230,7 +12326,7 @@
               <a:t>In the simplest of terms if X takes the value x. we can have two conditional probabilities which are known to us . P(X=x| H</a:t>
             </a:r>
             <a:r>
-              <a:rPr baseline="-25000" lang="en" sz="1400">
+              <a:rPr lang="en" sz="1400" baseline="-25000">
                 <a:solidFill>
                   <a:srgbClr val="FFFFFF"/>
                 </a:solidFill>
@@ -12246,7 +12342,7 @@
               <a:t>) which is the probability of observing X to be x given if H</a:t>
             </a:r>
             <a:r>
-              <a:rPr baseline="-25000" lang="en" sz="1400">
+              <a:rPr lang="en" sz="1400" baseline="-25000">
                 <a:solidFill>
                   <a:srgbClr val="FFFFFF"/>
                 </a:solidFill>
@@ -12262,21 +12358,21 @@
               <a:t>is true, and we have the same for H</a:t>
             </a:r>
             <a:r>
-              <a:rPr baseline="-25000" lang="en" sz="1400">
+              <a:rPr lang="en" sz="1400" baseline="-25000">
                 <a:solidFill>
                   <a:srgbClr val="FFFFFF"/>
                 </a:solidFill>
               </a:rPr>
               <a:t>1</a:t>
             </a:r>
-            <a:endParaRPr baseline="-25000" sz="1400">
+            <a:endParaRPr sz="1400" baseline="-25000">
               <a:solidFill>
                 <a:srgbClr val="FFFFFF"/>
               </a:solidFill>
             </a:endParaRPr>
           </a:p>
           <a:p>
-            <a:pPr indent="0" lvl="0" marL="0" rtl="0" algn="l">
+            <a:pPr marL="0" lvl="0" indent="0" algn="l" rtl="0">
               <a:spcBef>
                 <a:spcPts val="1600"/>
               </a:spcBef>
@@ -12285,9 +12381,6 @@
               </a:spcAft>
               <a:buNone/>
             </a:pPr>
-            <a:r>
-              <a:t/>
-            </a:r>
             <a:endParaRPr sz="1400"/>
           </a:p>
         </p:txBody>
@@ -12301,7 +12394,7 @@
 </file>
 
 <file path=ppt/theme/theme1.xml><?xml version="1.0" encoding="utf-8"?>
-<a:theme xmlns:a="http://schemas.openxmlformats.org/drawingml/2006/main" xmlns:r="http://schemas.openxmlformats.org/officeDocument/2006/relationships" name="Focus">
+<a:theme xmlns:a="http://schemas.openxmlformats.org/drawingml/2006/main" name="Focus">
   <a:themeElements>
     <a:clrScheme name="Focus">
       <a:dk1>
@@ -12576,11 +12669,13 @@
       </a:bgFillStyleLst>
     </a:fmtScheme>
   </a:themeElements>
+  <a:objectDefaults/>
+  <a:extraClrSchemeLst/>
 </a:theme>
 </file>
 
 <file path=ppt/theme/theme2.xml><?xml version="1.0" encoding="utf-8"?>
-<a:theme xmlns:a="http://schemas.openxmlformats.org/drawingml/2006/main" xmlns:r="http://schemas.openxmlformats.org/officeDocument/2006/relationships">
+<a:theme xmlns:a="http://schemas.openxmlformats.org/drawingml/2006/main">
   <a:themeElements>
     <a:clrScheme name="Default">
       <a:dk1>
@@ -12855,5 +12950,7 @@
       </a:bgFillStyleLst>
     </a:fmtScheme>
   </a:themeElements>
+  <a:objectDefaults/>
+  <a:extraClrSchemeLst/>
 </a:theme>
 </file>